--- a/relatedocuments/Chapt1_conceptualfig.pptx
+++ b/relatedocuments/Chapt1_conceptualfig.pptx
@@ -4,8 +4,11 @@
   <p:sldMasterIdLst>
     <p:sldMasterId id="2147483648" r:id="rId1"/>
   </p:sldMasterIdLst>
+  <p:notesMasterIdLst>
+    <p:notesMasterId r:id="rId3"/>
+  </p:notesMasterIdLst>
   <p:sldIdLst>
-    <p:sldId id="256" r:id="rId2"/>
+    <p:sldId id="257" r:id="rId2"/>
   </p:sldIdLst>
   <p:sldSz cx="12192000" cy="6858000"/>
   <p:notesSz cx="6858000" cy="9144000"/>
@@ -112,6 +115,440 @@
 </p:presentation>
 </file>
 
+<file path=ppt/notesMasters/notesMaster1.xml><?xml version="1.0" encoding="utf-8"?>
+<p:notesMaster xmlns:a="http://schemas.openxmlformats.org/drawingml/2006/main" xmlns:r="http://schemas.openxmlformats.org/officeDocument/2006/relationships" xmlns:p="http://schemas.openxmlformats.org/presentationml/2006/main">
+  <p:cSld>
+    <p:bg>
+      <p:bgRef idx="1001">
+        <a:schemeClr val="bg1"/>
+      </p:bgRef>
+    </p:bg>
+    <p:spTree>
+      <p:nvGrpSpPr>
+        <p:cNvPr id="1" name=""/>
+        <p:cNvGrpSpPr/>
+        <p:nvPr/>
+      </p:nvGrpSpPr>
+      <p:grpSpPr>
+        <a:xfrm>
+          <a:off x="0" y="0"/>
+          <a:ext cx="0" cy="0"/>
+          <a:chOff x="0" y="0"/>
+          <a:chExt cx="0" cy="0"/>
+        </a:xfrm>
+      </p:grpSpPr>
+      <p:sp>
+        <p:nvSpPr>
+          <p:cNvPr id="2" name="Header Placeholder 1"/>
+          <p:cNvSpPr>
+            <a:spLocks noGrp="1"/>
+          </p:cNvSpPr>
+          <p:nvPr>
+            <p:ph type="hdr" sz="quarter"/>
+          </p:nvPr>
+        </p:nvSpPr>
+        <p:spPr>
+          <a:xfrm>
+            <a:off x="0" y="0"/>
+            <a:ext cx="2971800" cy="458788"/>
+          </a:xfrm>
+          <a:prstGeom prst="rect">
+            <a:avLst/>
+          </a:prstGeom>
+        </p:spPr>
+        <p:txBody>
+          <a:bodyPr vert="horz" lIns="91440" tIns="45720" rIns="91440" bIns="45720" rtlCol="0"/>
+          <a:lstStyle>
+            <a:lvl1pPr algn="l">
+              <a:defRPr sz="1200"/>
+            </a:lvl1pPr>
+          </a:lstStyle>
+          <a:p>
+            <a:endParaRPr lang="en-US"/>
+          </a:p>
+        </p:txBody>
+      </p:sp>
+      <p:sp>
+        <p:nvSpPr>
+          <p:cNvPr id="3" name="Date Placeholder 2"/>
+          <p:cNvSpPr>
+            <a:spLocks noGrp="1"/>
+          </p:cNvSpPr>
+          <p:nvPr>
+            <p:ph type="dt" idx="1"/>
+          </p:nvPr>
+        </p:nvSpPr>
+        <p:spPr>
+          <a:xfrm>
+            <a:off x="3884613" y="0"/>
+            <a:ext cx="2971800" cy="458788"/>
+          </a:xfrm>
+          <a:prstGeom prst="rect">
+            <a:avLst/>
+          </a:prstGeom>
+        </p:spPr>
+        <p:txBody>
+          <a:bodyPr vert="horz" lIns="91440" tIns="45720" rIns="91440" bIns="45720" rtlCol="0"/>
+          <a:lstStyle>
+            <a:lvl1pPr algn="r">
+              <a:defRPr sz="1200"/>
+            </a:lvl1pPr>
+          </a:lstStyle>
+          <a:p>
+            <a:fld id="{385B58D3-3A08-D94A-9131-73EA1863793E}" type="datetimeFigureOut">
+              <a:rPr lang="en-US" smtClean="0"/>
+              <a:t>9/13/23</a:t>
+            </a:fld>
+            <a:endParaRPr lang="en-US"/>
+          </a:p>
+        </p:txBody>
+      </p:sp>
+      <p:sp>
+        <p:nvSpPr>
+          <p:cNvPr id="4" name="Slide Image Placeholder 3"/>
+          <p:cNvSpPr>
+            <a:spLocks noGrp="1" noRot="1" noChangeAspect="1"/>
+          </p:cNvSpPr>
+          <p:nvPr>
+            <p:ph type="sldImg" idx="2"/>
+          </p:nvPr>
+        </p:nvSpPr>
+        <p:spPr>
+          <a:xfrm>
+            <a:off x="685800" y="1143000"/>
+            <a:ext cx="5486400" cy="3086100"/>
+          </a:xfrm>
+          <a:prstGeom prst="rect">
+            <a:avLst/>
+          </a:prstGeom>
+          <a:noFill/>
+          <a:ln w="12700">
+            <a:solidFill>
+              <a:prstClr val="black"/>
+            </a:solidFill>
+          </a:ln>
+        </p:spPr>
+        <p:txBody>
+          <a:bodyPr vert="horz" lIns="91440" tIns="45720" rIns="91440" bIns="45720" rtlCol="0" anchor="ctr"/>
+          <a:lstStyle/>
+          <a:p>
+            <a:endParaRPr lang="en-US"/>
+          </a:p>
+        </p:txBody>
+      </p:sp>
+      <p:sp>
+        <p:nvSpPr>
+          <p:cNvPr id="5" name="Notes Placeholder 4"/>
+          <p:cNvSpPr>
+            <a:spLocks noGrp="1"/>
+          </p:cNvSpPr>
+          <p:nvPr>
+            <p:ph type="body" sz="quarter" idx="3"/>
+          </p:nvPr>
+        </p:nvSpPr>
+        <p:spPr>
+          <a:xfrm>
+            <a:off x="685800" y="4400550"/>
+            <a:ext cx="5486400" cy="3600450"/>
+          </a:xfrm>
+          <a:prstGeom prst="rect">
+            <a:avLst/>
+          </a:prstGeom>
+        </p:spPr>
+        <p:txBody>
+          <a:bodyPr vert="horz" lIns="91440" tIns="45720" rIns="91440" bIns="45720" rtlCol="0"/>
+          <a:lstStyle/>
+          <a:p>
+            <a:pPr lvl="0"/>
+            <a:r>
+              <a:rPr lang="en-GB"/>
+              <a:t>Click to edit Master text styles</a:t>
+            </a:r>
+          </a:p>
+          <a:p>
+            <a:pPr lvl="1"/>
+            <a:r>
+              <a:rPr lang="en-GB"/>
+              <a:t>Second level</a:t>
+            </a:r>
+          </a:p>
+          <a:p>
+            <a:pPr lvl="2"/>
+            <a:r>
+              <a:rPr lang="en-GB"/>
+              <a:t>Third level</a:t>
+            </a:r>
+          </a:p>
+          <a:p>
+            <a:pPr lvl="3"/>
+            <a:r>
+              <a:rPr lang="en-GB"/>
+              <a:t>Fourth level</a:t>
+            </a:r>
+          </a:p>
+          <a:p>
+            <a:pPr lvl="4"/>
+            <a:r>
+              <a:rPr lang="en-GB"/>
+              <a:t>Fifth level</a:t>
+            </a:r>
+            <a:endParaRPr lang="en-US"/>
+          </a:p>
+        </p:txBody>
+      </p:sp>
+      <p:sp>
+        <p:nvSpPr>
+          <p:cNvPr id="6" name="Footer Placeholder 5"/>
+          <p:cNvSpPr>
+            <a:spLocks noGrp="1"/>
+          </p:cNvSpPr>
+          <p:nvPr>
+            <p:ph type="ftr" sz="quarter" idx="4"/>
+          </p:nvPr>
+        </p:nvSpPr>
+        <p:spPr>
+          <a:xfrm>
+            <a:off x="0" y="8685213"/>
+            <a:ext cx="2971800" cy="458787"/>
+          </a:xfrm>
+          <a:prstGeom prst="rect">
+            <a:avLst/>
+          </a:prstGeom>
+        </p:spPr>
+        <p:txBody>
+          <a:bodyPr vert="horz" lIns="91440" tIns="45720" rIns="91440" bIns="45720" rtlCol="0" anchor="b"/>
+          <a:lstStyle>
+            <a:lvl1pPr algn="l">
+              <a:defRPr sz="1200"/>
+            </a:lvl1pPr>
+          </a:lstStyle>
+          <a:p>
+            <a:endParaRPr lang="en-US"/>
+          </a:p>
+        </p:txBody>
+      </p:sp>
+      <p:sp>
+        <p:nvSpPr>
+          <p:cNvPr id="7" name="Slide Number Placeholder 6"/>
+          <p:cNvSpPr>
+            <a:spLocks noGrp="1"/>
+          </p:cNvSpPr>
+          <p:nvPr>
+            <p:ph type="sldNum" sz="quarter" idx="5"/>
+          </p:nvPr>
+        </p:nvSpPr>
+        <p:spPr>
+          <a:xfrm>
+            <a:off x="3884613" y="8685213"/>
+            <a:ext cx="2971800" cy="458787"/>
+          </a:xfrm>
+          <a:prstGeom prst="rect">
+            <a:avLst/>
+          </a:prstGeom>
+        </p:spPr>
+        <p:txBody>
+          <a:bodyPr vert="horz" lIns="91440" tIns="45720" rIns="91440" bIns="45720" rtlCol="0" anchor="b"/>
+          <a:lstStyle>
+            <a:lvl1pPr algn="r">
+              <a:defRPr sz="1200"/>
+            </a:lvl1pPr>
+          </a:lstStyle>
+          <a:p>
+            <a:fld id="{9910859B-E1F6-D74B-9CCC-5C4B5D2CEA30}" type="slidenum">
+              <a:rPr lang="en-US" smtClean="0"/>
+              <a:t>‹#›</a:t>
+            </a:fld>
+            <a:endParaRPr lang="en-US"/>
+          </a:p>
+        </p:txBody>
+      </p:sp>
+    </p:spTree>
+    <p:extLst>
+      <p:ext uri="{BB962C8B-B14F-4D97-AF65-F5344CB8AC3E}">
+        <p14:creationId xmlns:p14="http://schemas.microsoft.com/office/powerpoint/2010/main" val="3867032663"/>
+      </p:ext>
+    </p:extLst>
+  </p:cSld>
+  <p:clrMap bg1="lt1" tx1="dk1" bg2="lt2" tx2="dk2" accent1="accent1" accent2="accent2" accent3="accent3" accent4="accent4" accent5="accent5" accent6="accent6" hlink="hlink" folHlink="folHlink"/>
+  <p:notesStyle>
+    <a:lvl1pPr marL="0" algn="l" defTabSz="914400" rtl="0" eaLnBrk="1" latinLnBrk="0" hangingPunct="1">
+      <a:defRPr sz="1200" kern="1200">
+        <a:solidFill>
+          <a:schemeClr val="tx1"/>
+        </a:solidFill>
+        <a:latin typeface="+mn-lt"/>
+        <a:ea typeface="+mn-ea"/>
+        <a:cs typeface="+mn-cs"/>
+      </a:defRPr>
+    </a:lvl1pPr>
+    <a:lvl2pPr marL="457200" algn="l" defTabSz="914400" rtl="0" eaLnBrk="1" latinLnBrk="0" hangingPunct="1">
+      <a:defRPr sz="1200" kern="1200">
+        <a:solidFill>
+          <a:schemeClr val="tx1"/>
+        </a:solidFill>
+        <a:latin typeface="+mn-lt"/>
+        <a:ea typeface="+mn-ea"/>
+        <a:cs typeface="+mn-cs"/>
+      </a:defRPr>
+    </a:lvl2pPr>
+    <a:lvl3pPr marL="914400" algn="l" defTabSz="914400" rtl="0" eaLnBrk="1" latinLnBrk="0" hangingPunct="1">
+      <a:defRPr sz="1200" kern="1200">
+        <a:solidFill>
+          <a:schemeClr val="tx1"/>
+        </a:solidFill>
+        <a:latin typeface="+mn-lt"/>
+        <a:ea typeface="+mn-ea"/>
+        <a:cs typeface="+mn-cs"/>
+      </a:defRPr>
+    </a:lvl3pPr>
+    <a:lvl4pPr marL="1371600" algn="l" defTabSz="914400" rtl="0" eaLnBrk="1" latinLnBrk="0" hangingPunct="1">
+      <a:defRPr sz="1200" kern="1200">
+        <a:solidFill>
+          <a:schemeClr val="tx1"/>
+        </a:solidFill>
+        <a:latin typeface="+mn-lt"/>
+        <a:ea typeface="+mn-ea"/>
+        <a:cs typeface="+mn-cs"/>
+      </a:defRPr>
+    </a:lvl4pPr>
+    <a:lvl5pPr marL="1828800" algn="l" defTabSz="914400" rtl="0" eaLnBrk="1" latinLnBrk="0" hangingPunct="1">
+      <a:defRPr sz="1200" kern="1200">
+        <a:solidFill>
+          <a:schemeClr val="tx1"/>
+        </a:solidFill>
+        <a:latin typeface="+mn-lt"/>
+        <a:ea typeface="+mn-ea"/>
+        <a:cs typeface="+mn-cs"/>
+      </a:defRPr>
+    </a:lvl5pPr>
+    <a:lvl6pPr marL="2286000" algn="l" defTabSz="914400" rtl="0" eaLnBrk="1" latinLnBrk="0" hangingPunct="1">
+      <a:defRPr sz="1200" kern="1200">
+        <a:solidFill>
+          <a:schemeClr val="tx1"/>
+        </a:solidFill>
+        <a:latin typeface="+mn-lt"/>
+        <a:ea typeface="+mn-ea"/>
+        <a:cs typeface="+mn-cs"/>
+      </a:defRPr>
+    </a:lvl6pPr>
+    <a:lvl7pPr marL="2743200" algn="l" defTabSz="914400" rtl="0" eaLnBrk="1" latinLnBrk="0" hangingPunct="1">
+      <a:defRPr sz="1200" kern="1200">
+        <a:solidFill>
+          <a:schemeClr val="tx1"/>
+        </a:solidFill>
+        <a:latin typeface="+mn-lt"/>
+        <a:ea typeface="+mn-ea"/>
+        <a:cs typeface="+mn-cs"/>
+      </a:defRPr>
+    </a:lvl7pPr>
+    <a:lvl8pPr marL="3200400" algn="l" defTabSz="914400" rtl="0" eaLnBrk="1" latinLnBrk="0" hangingPunct="1">
+      <a:defRPr sz="1200" kern="1200">
+        <a:solidFill>
+          <a:schemeClr val="tx1"/>
+        </a:solidFill>
+        <a:latin typeface="+mn-lt"/>
+        <a:ea typeface="+mn-ea"/>
+        <a:cs typeface="+mn-cs"/>
+      </a:defRPr>
+    </a:lvl8pPr>
+    <a:lvl9pPr marL="3657600" algn="l" defTabSz="914400" rtl="0" eaLnBrk="1" latinLnBrk="0" hangingPunct="1">
+      <a:defRPr sz="1200" kern="1200">
+        <a:solidFill>
+          <a:schemeClr val="tx1"/>
+        </a:solidFill>
+        <a:latin typeface="+mn-lt"/>
+        <a:ea typeface="+mn-ea"/>
+        <a:cs typeface="+mn-cs"/>
+      </a:defRPr>
+    </a:lvl9pPr>
+  </p:notesStyle>
+</p:notesMaster>
+</file>
+
+<file path=ppt/notesSlides/notesSlide1.xml><?xml version="1.0" encoding="utf-8"?>
+<p:notes xmlns:a="http://schemas.openxmlformats.org/drawingml/2006/main" xmlns:r="http://schemas.openxmlformats.org/officeDocument/2006/relationships" xmlns:p="http://schemas.openxmlformats.org/presentationml/2006/main">
+  <p:cSld>
+    <p:spTree>
+      <p:nvGrpSpPr>
+        <p:cNvPr id="1" name=""/>
+        <p:cNvGrpSpPr/>
+        <p:nvPr/>
+      </p:nvGrpSpPr>
+      <p:grpSpPr>
+        <a:xfrm>
+          <a:off x="0" y="0"/>
+          <a:ext cx="0" cy="0"/>
+          <a:chOff x="0" y="0"/>
+          <a:chExt cx="0" cy="0"/>
+        </a:xfrm>
+      </p:grpSpPr>
+      <p:sp>
+        <p:nvSpPr>
+          <p:cNvPr id="2" name="Slide Image Placeholder 1"/>
+          <p:cNvSpPr>
+            <a:spLocks noGrp="1" noRot="1" noChangeAspect="1"/>
+          </p:cNvSpPr>
+          <p:nvPr>
+            <p:ph type="sldImg"/>
+          </p:nvPr>
+        </p:nvSpPr>
+        <p:spPr/>
+      </p:sp>
+      <p:sp>
+        <p:nvSpPr>
+          <p:cNvPr id="3" name="Notes Placeholder 2"/>
+          <p:cNvSpPr>
+            <a:spLocks noGrp="1"/>
+          </p:cNvSpPr>
+          <p:nvPr>
+            <p:ph type="body" idx="1"/>
+          </p:nvPr>
+        </p:nvSpPr>
+        <p:spPr/>
+        <p:txBody>
+          <a:bodyPr/>
+          <a:lstStyle/>
+          <a:p>
+            <a:endParaRPr lang="en-US" dirty="0"/>
+          </a:p>
+        </p:txBody>
+      </p:sp>
+      <p:sp>
+        <p:nvSpPr>
+          <p:cNvPr id="4" name="Slide Number Placeholder 3"/>
+          <p:cNvSpPr>
+            <a:spLocks noGrp="1"/>
+          </p:cNvSpPr>
+          <p:nvPr>
+            <p:ph type="sldNum" sz="quarter" idx="5"/>
+          </p:nvPr>
+        </p:nvSpPr>
+        <p:spPr/>
+        <p:txBody>
+          <a:bodyPr/>
+          <a:lstStyle/>
+          <a:p>
+            <a:fld id="{9910859B-E1F6-D74B-9CCC-5C4B5D2CEA30}" type="slidenum">
+              <a:rPr lang="en-US" smtClean="0"/>
+              <a:t>1</a:t>
+            </a:fld>
+            <a:endParaRPr lang="en-US"/>
+          </a:p>
+        </p:txBody>
+      </p:sp>
+    </p:spTree>
+    <p:extLst>
+      <p:ext uri="{BB962C8B-B14F-4D97-AF65-F5344CB8AC3E}">
+        <p14:creationId xmlns:p14="http://schemas.microsoft.com/office/powerpoint/2010/main" val="4147174791"/>
+      </p:ext>
+    </p:extLst>
+  </p:cSld>
+  <p:clrMapOvr>
+    <a:masterClrMapping/>
+  </p:clrMapOvr>
+</p:notes>
+</file>
+
 <file path=ppt/slideLayouts/slideLayout1.xml><?xml version="1.0" encoding="utf-8"?>
 <p:sldLayout xmlns:a="http://schemas.openxmlformats.org/drawingml/2006/main" xmlns:r="http://schemas.openxmlformats.org/officeDocument/2006/relationships" xmlns:p="http://schemas.openxmlformats.org/presentationml/2006/main" type="title" preserve="1">
   <p:cSld name="Title Slide">
@@ -261,7 +698,7 @@
           <a:p>
             <a:fld id="{1D8E0F60-F98E-E04E-8062-CC04F8BA2750}" type="datetimeFigureOut">
               <a:rPr lang="en-US" smtClean="0"/>
-              <a:t>8/21/23</a:t>
+              <a:t>9/13/23</a:t>
             </a:fld>
             <a:endParaRPr lang="en-US"/>
           </a:p>
@@ -461,7 +898,7 @@
           <a:p>
             <a:fld id="{1D8E0F60-F98E-E04E-8062-CC04F8BA2750}" type="datetimeFigureOut">
               <a:rPr lang="en-US" smtClean="0"/>
-              <a:t>8/21/23</a:t>
+              <a:t>9/13/23</a:t>
             </a:fld>
             <a:endParaRPr lang="en-US"/>
           </a:p>
@@ -671,7 +1108,7 @@
           <a:p>
             <a:fld id="{1D8E0F60-F98E-E04E-8062-CC04F8BA2750}" type="datetimeFigureOut">
               <a:rPr lang="en-US" smtClean="0"/>
-              <a:t>8/21/23</a:t>
+              <a:t>9/13/23</a:t>
             </a:fld>
             <a:endParaRPr lang="en-US"/>
           </a:p>
@@ -871,7 +1308,7 @@
           <a:p>
             <a:fld id="{1D8E0F60-F98E-E04E-8062-CC04F8BA2750}" type="datetimeFigureOut">
               <a:rPr lang="en-US" smtClean="0"/>
-              <a:t>8/21/23</a:t>
+              <a:t>9/13/23</a:t>
             </a:fld>
             <a:endParaRPr lang="en-US"/>
           </a:p>
@@ -1147,7 +1584,7 @@
           <a:p>
             <a:fld id="{1D8E0F60-F98E-E04E-8062-CC04F8BA2750}" type="datetimeFigureOut">
               <a:rPr lang="en-US" smtClean="0"/>
-              <a:t>8/21/23</a:t>
+              <a:t>9/13/23</a:t>
             </a:fld>
             <a:endParaRPr lang="en-US"/>
           </a:p>
@@ -1415,7 +1852,7 @@
           <a:p>
             <a:fld id="{1D8E0F60-F98E-E04E-8062-CC04F8BA2750}" type="datetimeFigureOut">
               <a:rPr lang="en-US" smtClean="0"/>
-              <a:t>8/21/23</a:t>
+              <a:t>9/13/23</a:t>
             </a:fld>
             <a:endParaRPr lang="en-US"/>
           </a:p>
@@ -1830,7 +2267,7 @@
           <a:p>
             <a:fld id="{1D8E0F60-F98E-E04E-8062-CC04F8BA2750}" type="datetimeFigureOut">
               <a:rPr lang="en-US" smtClean="0"/>
-              <a:t>8/21/23</a:t>
+              <a:t>9/13/23</a:t>
             </a:fld>
             <a:endParaRPr lang="en-US"/>
           </a:p>
@@ -1972,7 +2409,7 @@
           <a:p>
             <a:fld id="{1D8E0F60-F98E-E04E-8062-CC04F8BA2750}" type="datetimeFigureOut">
               <a:rPr lang="en-US" smtClean="0"/>
-              <a:t>8/21/23</a:t>
+              <a:t>9/13/23</a:t>
             </a:fld>
             <a:endParaRPr lang="en-US"/>
           </a:p>
@@ -2085,7 +2522,7 @@
           <a:p>
             <a:fld id="{1D8E0F60-F98E-E04E-8062-CC04F8BA2750}" type="datetimeFigureOut">
               <a:rPr lang="en-US" smtClean="0"/>
-              <a:t>8/21/23</a:t>
+              <a:t>9/13/23</a:t>
             </a:fld>
             <a:endParaRPr lang="en-US"/>
           </a:p>
@@ -2398,7 +2835,7 @@
           <a:p>
             <a:fld id="{1D8E0F60-F98E-E04E-8062-CC04F8BA2750}" type="datetimeFigureOut">
               <a:rPr lang="en-US" smtClean="0"/>
-              <a:t>8/21/23</a:t>
+              <a:t>9/13/23</a:t>
             </a:fld>
             <a:endParaRPr lang="en-US"/>
           </a:p>
@@ -2687,7 +3124,7 @@
           <a:p>
             <a:fld id="{1D8E0F60-F98E-E04E-8062-CC04F8BA2750}" type="datetimeFigureOut">
               <a:rPr lang="en-US" smtClean="0"/>
-              <a:t>8/21/23</a:t>
+              <a:t>9/13/23</a:t>
             </a:fld>
             <a:endParaRPr lang="en-US"/>
           </a:p>
@@ -2930,7 +3367,7 @@
           <a:p>
             <a:fld id="{1D8E0F60-F98E-E04E-8062-CC04F8BA2750}" type="datetimeFigureOut">
               <a:rPr lang="en-US" smtClean="0"/>
-              <a:t>8/21/23</a:t>
+              <a:t>9/13/23</a:t>
             </a:fld>
             <a:endParaRPr lang="en-US"/>
           </a:p>
@@ -3349,10 +3786,10 @@
       </p:grpSpPr>
       <p:pic>
         <p:nvPicPr>
-          <p:cNvPr id="7" name="Picture 6" descr="A picture containing diagram&#10;&#10;Description automatically generated">
-            <a:extLst>
-              <a:ext uri="{FF2B5EF4-FFF2-40B4-BE49-F238E27FC236}">
-                <a16:creationId xmlns:a16="http://schemas.microsoft.com/office/drawing/2014/main" id="{E94D0753-3D0C-4BF5-830B-27E464FBFDE7}"/>
+          <p:cNvPr id="6" name="Picture 5" descr="A picture containing diagram&#10;&#10;Description automatically generated">
+            <a:extLst>
+              <a:ext uri="{FF2B5EF4-FFF2-40B4-BE49-F238E27FC236}">
+                <a16:creationId xmlns:a16="http://schemas.microsoft.com/office/drawing/2014/main" id="{90E96C4F-C865-E5BF-4570-A90EE806B19E}"/>
               </a:ext>
             </a:extLst>
           </p:cNvPr>
@@ -3362,11 +3799,11 @@
           <p:nvPr/>
         </p:nvPicPr>
         <p:blipFill>
-          <a:blip r:embed="rId2">
+          <a:blip r:embed="rId3">
             <a:extLst>
               <a:ext uri="{BEBA8EAE-BF5A-486C-A8C5-ECC9F3942E4B}">
                 <a14:imgProps xmlns:a14="http://schemas.microsoft.com/office/drawing/2010/main">
-                  <a14:imgLayer r:embed="rId3">
+                  <a14:imgLayer r:embed="rId4">
                     <a14:imgEffect>
                       <a14:backgroundRemoval t="2174" b="95109" l="8824" r="96732">
                         <a14:foregroundMark x1="9150" y1="95380" x2="28431" y2="79348"/>
@@ -3390,7 +3827,7 @@
         </p:blipFill>
         <p:spPr>
           <a:xfrm>
-            <a:off x="1152074" y="2862773"/>
+            <a:off x="1069882" y="2399309"/>
             <a:ext cx="282974" cy="340308"/>
           </a:xfrm>
           <a:prstGeom prst="rect">
@@ -3398,66 +3835,144 @@
           </a:prstGeom>
         </p:spPr>
       </p:pic>
-      <p:sp>
-        <p:nvSpPr>
-          <p:cNvPr id="9" name="TextBox 8">
-            <a:extLst>
-              <a:ext uri="{FF2B5EF4-FFF2-40B4-BE49-F238E27FC236}">
-                <a16:creationId xmlns:a16="http://schemas.microsoft.com/office/drawing/2014/main" id="{F70D3B08-BE18-31B1-2BDD-EE1DD8D46531}"/>
-              </a:ext>
-            </a:extLst>
-          </p:cNvPr>
-          <p:cNvSpPr txBox="1"/>
-          <p:nvPr/>
-        </p:nvSpPr>
-        <p:spPr>
-          <a:xfrm>
-            <a:off x="445091" y="3180363"/>
-            <a:ext cx="1099788" cy="369332"/>
-          </a:xfrm>
-          <a:prstGeom prst="rect">
-            <a:avLst/>
-          </a:prstGeom>
-          <a:noFill/>
-        </p:spPr>
-        <p:txBody>
-          <a:bodyPr wrap="none" rtlCol="0">
-            <a:spAutoFit/>
-          </a:bodyPr>
-          <a:lstStyle/>
-          <a:p>
-            <a:r>
-              <a:rPr lang="en-US" dirty="0"/>
-              <a:t>Fecundity</a:t>
-            </a:r>
-          </a:p>
-        </p:txBody>
-      </p:sp>
+      <mc:AlternateContent xmlns:mc="http://schemas.openxmlformats.org/markup-compatibility/2006" xmlns:a14="http://schemas.microsoft.com/office/drawing/2010/main">
+        <mc:Choice Requires="a14">
+          <p:sp>
+            <p:nvSpPr>
+              <p:cNvPr id="7" name="TextBox 6">
+                <a:extLst>
+                  <a:ext uri="{FF2B5EF4-FFF2-40B4-BE49-F238E27FC236}">
+                    <a16:creationId xmlns:a16="http://schemas.microsoft.com/office/drawing/2014/main" id="{90152ACF-A86D-668E-379B-CFC26D61097F}"/>
+                  </a:ext>
+                </a:extLst>
+              </p:cNvPr>
+              <p:cNvSpPr txBox="1"/>
+              <p:nvPr/>
+            </p:nvSpPr>
+            <p:spPr>
+              <a:xfrm>
+                <a:off x="362899" y="2716899"/>
+                <a:ext cx="1512594" cy="461665"/>
+              </a:xfrm>
+              <a:prstGeom prst="rect">
+                <a:avLst/>
+              </a:prstGeom>
+              <a:noFill/>
+            </p:spPr>
+            <p:txBody>
+              <a:bodyPr wrap="none" rtlCol="0">
+                <a:spAutoFit/>
+              </a:bodyPr>
+              <a:lstStyle/>
+              <a:p>
+                <a:r>
+                  <a:rPr lang="en-US" sz="2000" dirty="0"/>
+                  <a:t>Fecundity </a:t>
+                </a:r>
+                <a14:m>
+                  <m:oMath xmlns:m="http://schemas.openxmlformats.org/officeDocument/2006/math">
+                    <m:sSub>
+                      <m:sSubPr>
+                        <m:ctrlPr>
+                          <a:rPr lang="en-AU" sz="2400" b="0" i="1" smtClean="0">
+                            <a:latin typeface="Cambria Math" panose="02040503050406030204" pitchFamily="18" charset="0"/>
+                          </a:rPr>
+                        </m:ctrlPr>
+                      </m:sSubPr>
+                      <m:e>
+                        <m:r>
+                          <a:rPr lang="en-AU" sz="2400" b="0" i="1" smtClean="0">
+                            <a:latin typeface="Cambria Math" panose="02040503050406030204" pitchFamily="18" charset="0"/>
+                          </a:rPr>
+                          <m:t>𝐹</m:t>
+                        </m:r>
+                      </m:e>
+                      <m:sub>
+                        <m:r>
+                          <a:rPr lang="en-AU" sz="2400" b="0" i="1" smtClean="0">
+                            <a:latin typeface="Cambria Math" panose="02040503050406030204" pitchFamily="18" charset="0"/>
+                          </a:rPr>
+                          <m:t>𝑖</m:t>
+                        </m:r>
+                      </m:sub>
+                    </m:sSub>
+                  </m:oMath>
+                </a14:m>
+                <a:endParaRPr lang="en-US" sz="2000" dirty="0"/>
+              </a:p>
+            </p:txBody>
+          </p:sp>
+        </mc:Choice>
+        <mc:Fallback xmlns="">
+          <p:sp>
+            <p:nvSpPr>
+              <p:cNvPr id="7" name="TextBox 6">
+                <a:extLst>
+                  <a:ext uri="{FF2B5EF4-FFF2-40B4-BE49-F238E27FC236}">
+                    <a16:creationId xmlns:a16="http://schemas.microsoft.com/office/drawing/2014/main" id="{90152ACF-A86D-668E-379B-CFC26D61097F}"/>
+                  </a:ext>
+                </a:extLst>
+              </p:cNvPr>
+              <p:cNvSpPr txBox="1">
+                <a:spLocks noRot="1" noChangeAspect="1" noMove="1" noResize="1" noEditPoints="1" noAdjustHandles="1" noChangeArrowheads="1" noChangeShapeType="1" noTextEdit="1"/>
+              </p:cNvSpPr>
+              <p:nvPr/>
+            </p:nvSpPr>
+            <p:spPr>
+              <a:xfrm>
+                <a:off x="362899" y="2716899"/>
+                <a:ext cx="1512594" cy="461665"/>
+              </a:xfrm>
+              <a:prstGeom prst="rect">
+                <a:avLst/>
+              </a:prstGeom>
+              <a:blipFill>
+                <a:blip r:embed="rId5"/>
+                <a:stretch>
+                  <a:fillRect l="-4167" b="-18919"/>
+                </a:stretch>
+              </a:blipFill>
+            </p:spPr>
+            <p:txBody>
+              <a:bodyPr/>
+              <a:lstStyle/>
+              <a:p>
+                <a:r>
+                  <a:rPr lang="en-US">
+                    <a:noFill/>
+                  </a:rPr>
+                  <a:t> </a:t>
+                </a:r>
+              </a:p>
+            </p:txBody>
+          </p:sp>
+        </mc:Fallback>
+      </mc:AlternateContent>
       <p:cxnSp>
         <p:nvCxnSpPr>
-          <p:cNvPr id="16" name="Straight Arrow Connector 15">
-            <a:extLst>
-              <a:ext uri="{FF2B5EF4-FFF2-40B4-BE49-F238E27FC236}">
-                <a16:creationId xmlns:a16="http://schemas.microsoft.com/office/drawing/2014/main" id="{493B37DE-2DBF-909D-25D2-338A13F9F76E}"/>
+          <p:cNvPr id="8" name="Straight Arrow Connector 7">
+            <a:extLst>
+              <a:ext uri="{FF2B5EF4-FFF2-40B4-BE49-F238E27FC236}">
+                <a16:creationId xmlns:a16="http://schemas.microsoft.com/office/drawing/2014/main" id="{2D4B0DC3-F8B3-C49F-64C8-C4FA79840C34}"/>
               </a:ext>
             </a:extLst>
           </p:cNvPr>
           <p:cNvCxnSpPr>
             <a:cxnSpLocks/>
-            <a:stCxn id="9" idx="3"/>
-            <a:endCxn id="26" idx="1"/>
+            <a:stCxn id="7" idx="3"/>
+            <a:endCxn id="14" idx="1"/>
           </p:cNvCxnSpPr>
           <p:nvPr/>
         </p:nvCxnSpPr>
         <p:spPr>
-          <a:xfrm>
-            <a:off x="1544879" y="3365029"/>
-            <a:ext cx="1058211" cy="0"/>
+          <a:xfrm flipV="1">
+            <a:off x="1875493" y="1255653"/>
+            <a:ext cx="1470261" cy="1692079"/>
           </a:xfrm>
           <a:prstGeom prst="straightConnector1">
             <a:avLst/>
           </a:prstGeom>
-          <a:ln w="19050">
+          <a:ln w="25400">
             <a:solidFill>
               <a:schemeClr val="tx1"/>
             </a:solidFill>
@@ -3480,636 +3995,12 @@
           </a:fontRef>
         </p:style>
       </p:cxnSp>
-      <p:cxnSp>
-        <p:nvCxnSpPr>
-          <p:cNvPr id="18" name="Straight Arrow Connector 17">
-            <a:extLst>
-              <a:ext uri="{FF2B5EF4-FFF2-40B4-BE49-F238E27FC236}">
-                <a16:creationId xmlns:a16="http://schemas.microsoft.com/office/drawing/2014/main" id="{C9D04BF7-7432-E83C-98AC-6534D0769374}"/>
-              </a:ext>
-            </a:extLst>
-          </p:cNvPr>
-          <p:cNvCxnSpPr>
-            <a:cxnSpLocks/>
-            <a:stCxn id="9" idx="3"/>
-          </p:cNvCxnSpPr>
-          <p:nvPr/>
-        </p:nvCxnSpPr>
-        <p:spPr>
-          <a:xfrm>
-            <a:off x="1544879" y="3365029"/>
-            <a:ext cx="1887201" cy="3191644"/>
-          </a:xfrm>
-          <a:prstGeom prst="straightConnector1">
-            <a:avLst/>
-          </a:prstGeom>
-          <a:ln w="19050">
-            <a:solidFill>
-              <a:schemeClr val="tx1"/>
-            </a:solidFill>
-            <a:headEnd type="none"/>
-            <a:tailEnd type="triangle"/>
-          </a:ln>
-        </p:spPr>
-        <p:style>
-          <a:lnRef idx="1">
-            <a:schemeClr val="accent1"/>
-          </a:lnRef>
-          <a:fillRef idx="0">
-            <a:schemeClr val="accent1"/>
-          </a:fillRef>
-          <a:effectRef idx="0">
-            <a:schemeClr val="accent1"/>
-          </a:effectRef>
-          <a:fontRef idx="minor">
-            <a:schemeClr val="tx1"/>
-          </a:fontRef>
-        </p:style>
-      </p:cxnSp>
-      <p:cxnSp>
-        <p:nvCxnSpPr>
-          <p:cNvPr id="23" name="Straight Arrow Connector 22">
-            <a:extLst>
-              <a:ext uri="{FF2B5EF4-FFF2-40B4-BE49-F238E27FC236}">
-                <a16:creationId xmlns:a16="http://schemas.microsoft.com/office/drawing/2014/main" id="{9DE88388-A6A5-79CF-C641-7488556154DB}"/>
-              </a:ext>
-            </a:extLst>
-          </p:cNvPr>
-          <p:cNvCxnSpPr>
-            <a:cxnSpLocks/>
-            <a:stCxn id="9" idx="3"/>
-          </p:cNvCxnSpPr>
-          <p:nvPr/>
-        </p:nvCxnSpPr>
-        <p:spPr>
-          <a:xfrm flipV="1">
-            <a:off x="1544879" y="796673"/>
-            <a:ext cx="1887201" cy="2568356"/>
-          </a:xfrm>
-          <a:prstGeom prst="straightConnector1">
-            <a:avLst/>
-          </a:prstGeom>
-          <a:ln w="19050">
-            <a:solidFill>
-              <a:schemeClr val="tx1"/>
-            </a:solidFill>
-            <a:headEnd type="none"/>
-            <a:tailEnd type="triangle"/>
-          </a:ln>
-        </p:spPr>
-        <p:style>
-          <a:lnRef idx="1">
-            <a:schemeClr val="accent1"/>
-          </a:lnRef>
-          <a:fillRef idx="0">
-            <a:schemeClr val="accent1"/>
-          </a:fillRef>
-          <a:effectRef idx="0">
-            <a:schemeClr val="accent1"/>
-          </a:effectRef>
-          <a:fontRef idx="minor">
-            <a:schemeClr val="tx1"/>
-          </a:fontRef>
-        </p:style>
-      </p:cxnSp>
-      <p:sp>
-        <p:nvSpPr>
-          <p:cNvPr id="26" name="TextBox 25">
-            <a:extLst>
-              <a:ext uri="{FF2B5EF4-FFF2-40B4-BE49-F238E27FC236}">
-                <a16:creationId xmlns:a16="http://schemas.microsoft.com/office/drawing/2014/main" id="{352BF655-2A98-64A7-2C79-5AE8D38E0701}"/>
-              </a:ext>
-            </a:extLst>
-          </p:cNvPr>
-          <p:cNvSpPr txBox="1"/>
-          <p:nvPr/>
-        </p:nvSpPr>
-        <p:spPr>
-          <a:xfrm>
-            <a:off x="2603090" y="3041863"/>
-            <a:ext cx="1294200" cy="646331"/>
-          </a:xfrm>
-          <a:prstGeom prst="rect">
-            <a:avLst/>
-          </a:prstGeom>
-          <a:noFill/>
-        </p:spPr>
-        <p:txBody>
-          <a:bodyPr wrap="none" rtlCol="0">
-            <a:spAutoFit/>
-          </a:bodyPr>
-          <a:lstStyle/>
-          <a:p>
-            <a:r>
-              <a:rPr lang="en-US" dirty="0"/>
-              <a:t>Direct </a:t>
-            </a:r>
-          </a:p>
-          <a:p>
-            <a:r>
-              <a:rPr lang="en-US" dirty="0"/>
-              <a:t>interactions</a:t>
-            </a:r>
-          </a:p>
-        </p:txBody>
-      </p:sp>
-      <p:sp>
-        <p:nvSpPr>
-          <p:cNvPr id="27" name="TextBox 26">
-            <a:extLst>
-              <a:ext uri="{FF2B5EF4-FFF2-40B4-BE49-F238E27FC236}">
-                <a16:creationId xmlns:a16="http://schemas.microsoft.com/office/drawing/2014/main" id="{0BDDFD17-433C-1DB5-A4BB-E6EDE0B20B84}"/>
-              </a:ext>
-            </a:extLst>
-          </p:cNvPr>
-          <p:cNvSpPr txBox="1"/>
-          <p:nvPr/>
-        </p:nvSpPr>
-        <p:spPr>
-          <a:xfrm>
-            <a:off x="3385551" y="474208"/>
-            <a:ext cx="1062150" cy="646331"/>
-          </a:xfrm>
-          <a:prstGeom prst="rect">
-            <a:avLst/>
-          </a:prstGeom>
-          <a:noFill/>
-        </p:spPr>
-        <p:txBody>
-          <a:bodyPr wrap="none" rtlCol="0">
-            <a:spAutoFit/>
-          </a:bodyPr>
-          <a:lstStyle/>
-          <a:p>
-            <a:r>
-              <a:rPr lang="en-US" dirty="0"/>
-              <a:t>Intrinsic</a:t>
-            </a:r>
-          </a:p>
-          <a:p>
-            <a:r>
-              <a:rPr lang="en-US" dirty="0"/>
-              <a:t>fecundity</a:t>
-            </a:r>
-          </a:p>
-        </p:txBody>
-      </p:sp>
-      <p:sp>
-        <p:nvSpPr>
-          <p:cNvPr id="28" name="TextBox 27">
-            <a:extLst>
-              <a:ext uri="{FF2B5EF4-FFF2-40B4-BE49-F238E27FC236}">
-                <a16:creationId xmlns:a16="http://schemas.microsoft.com/office/drawing/2014/main" id="{D73F8D3A-321F-C13B-874E-DECC12539F0B}"/>
-              </a:ext>
-            </a:extLst>
-          </p:cNvPr>
-          <p:cNvSpPr txBox="1"/>
-          <p:nvPr/>
-        </p:nvSpPr>
-        <p:spPr>
-          <a:xfrm>
-            <a:off x="3432080" y="6207457"/>
-            <a:ext cx="1403205" cy="646331"/>
-          </a:xfrm>
-          <a:prstGeom prst="rect">
-            <a:avLst/>
-          </a:prstGeom>
-          <a:noFill/>
-        </p:spPr>
-        <p:txBody>
-          <a:bodyPr wrap="none" rtlCol="0">
-            <a:spAutoFit/>
-          </a:bodyPr>
-          <a:lstStyle/>
-          <a:p>
-            <a:r>
-              <a:rPr lang="en-US" dirty="0"/>
-              <a:t>Higher-order</a:t>
-            </a:r>
-          </a:p>
-          <a:p>
-            <a:r>
-              <a:rPr lang="en-US" dirty="0"/>
-              <a:t>interactions</a:t>
-            </a:r>
-          </a:p>
-        </p:txBody>
-      </p:sp>
-      <p:cxnSp>
-        <p:nvCxnSpPr>
-          <p:cNvPr id="33" name="Straight Arrow Connector 32">
-            <a:extLst>
-              <a:ext uri="{FF2B5EF4-FFF2-40B4-BE49-F238E27FC236}">
-                <a16:creationId xmlns:a16="http://schemas.microsoft.com/office/drawing/2014/main" id="{13AAF3AA-F93B-B521-F263-8732141EDEE8}"/>
-              </a:ext>
-            </a:extLst>
-          </p:cNvPr>
-          <p:cNvCxnSpPr>
-            <a:cxnSpLocks/>
-            <a:stCxn id="26" idx="3"/>
-            <a:endCxn id="36" idx="1"/>
-          </p:cNvCxnSpPr>
-          <p:nvPr/>
-        </p:nvCxnSpPr>
-        <p:spPr>
-          <a:xfrm flipV="1">
-            <a:off x="3897290" y="2019547"/>
-            <a:ext cx="1012953" cy="1345482"/>
-          </a:xfrm>
-          <a:prstGeom prst="straightConnector1">
-            <a:avLst/>
-          </a:prstGeom>
-          <a:ln w="19050">
-            <a:solidFill>
-              <a:schemeClr val="tx1"/>
-            </a:solidFill>
-            <a:headEnd type="none"/>
-            <a:tailEnd type="triangle"/>
-          </a:ln>
-        </p:spPr>
-        <p:style>
-          <a:lnRef idx="1">
-            <a:schemeClr val="accent1"/>
-          </a:lnRef>
-          <a:fillRef idx="0">
-            <a:schemeClr val="accent1"/>
-          </a:fillRef>
-          <a:effectRef idx="0">
-            <a:schemeClr val="accent1"/>
-          </a:effectRef>
-          <a:fontRef idx="minor">
-            <a:schemeClr val="tx1"/>
-          </a:fontRef>
-        </p:style>
-      </p:cxnSp>
-      <p:cxnSp>
-        <p:nvCxnSpPr>
-          <p:cNvPr id="34" name="Straight Arrow Connector 33">
-            <a:extLst>
-              <a:ext uri="{FF2B5EF4-FFF2-40B4-BE49-F238E27FC236}">
-                <a16:creationId xmlns:a16="http://schemas.microsoft.com/office/drawing/2014/main" id="{375D31CC-0480-A547-82A6-6BB479E1A1CA}"/>
-              </a:ext>
-            </a:extLst>
-          </p:cNvPr>
-          <p:cNvCxnSpPr>
-            <a:cxnSpLocks/>
-            <a:stCxn id="26" idx="3"/>
-            <a:endCxn id="37" idx="1"/>
-          </p:cNvCxnSpPr>
-          <p:nvPr/>
-        </p:nvCxnSpPr>
-        <p:spPr>
-          <a:xfrm>
-            <a:off x="3897290" y="3365029"/>
-            <a:ext cx="1195340" cy="15579"/>
-          </a:xfrm>
-          <a:prstGeom prst="straightConnector1">
-            <a:avLst/>
-          </a:prstGeom>
-          <a:ln w="19050">
-            <a:solidFill>
-              <a:schemeClr val="tx1"/>
-            </a:solidFill>
-            <a:headEnd type="none"/>
-            <a:tailEnd type="triangle"/>
-          </a:ln>
-        </p:spPr>
-        <p:style>
-          <a:lnRef idx="1">
-            <a:schemeClr val="accent1"/>
-          </a:lnRef>
-          <a:fillRef idx="0">
-            <a:schemeClr val="accent1"/>
-          </a:fillRef>
-          <a:effectRef idx="0">
-            <a:schemeClr val="accent1"/>
-          </a:effectRef>
-          <a:fontRef idx="minor">
-            <a:schemeClr val="tx1"/>
-          </a:fontRef>
-        </p:style>
-      </p:cxnSp>
-      <p:cxnSp>
-        <p:nvCxnSpPr>
-          <p:cNvPr id="35" name="Straight Arrow Connector 34">
-            <a:extLst>
-              <a:ext uri="{FF2B5EF4-FFF2-40B4-BE49-F238E27FC236}">
-                <a16:creationId xmlns:a16="http://schemas.microsoft.com/office/drawing/2014/main" id="{893F488F-2129-8219-6349-D26725162CA4}"/>
-              </a:ext>
-            </a:extLst>
-          </p:cNvPr>
-          <p:cNvCxnSpPr>
-            <a:cxnSpLocks/>
-            <a:stCxn id="26" idx="3"/>
-            <a:endCxn id="38" idx="1"/>
-          </p:cNvCxnSpPr>
-          <p:nvPr/>
-        </p:nvCxnSpPr>
-        <p:spPr>
-          <a:xfrm>
-            <a:off x="3897290" y="3365029"/>
-            <a:ext cx="1181812" cy="1500623"/>
-          </a:xfrm>
-          <a:prstGeom prst="straightConnector1">
-            <a:avLst/>
-          </a:prstGeom>
-          <a:ln w="19050">
-            <a:solidFill>
-              <a:schemeClr val="tx1"/>
-            </a:solidFill>
-            <a:headEnd type="none"/>
-            <a:tailEnd type="triangle"/>
-          </a:ln>
-        </p:spPr>
-        <p:style>
-          <a:lnRef idx="1">
-            <a:schemeClr val="accent1"/>
-          </a:lnRef>
-          <a:fillRef idx="0">
-            <a:schemeClr val="accent1"/>
-          </a:fillRef>
-          <a:effectRef idx="0">
-            <a:schemeClr val="accent1"/>
-          </a:effectRef>
-          <a:fontRef idx="minor">
-            <a:schemeClr val="tx1"/>
-          </a:fontRef>
-        </p:style>
-      </p:cxnSp>
-      <p:sp>
-        <p:nvSpPr>
-          <p:cNvPr id="36" name="TextBox 35">
-            <a:extLst>
-              <a:ext uri="{FF2B5EF4-FFF2-40B4-BE49-F238E27FC236}">
-                <a16:creationId xmlns:a16="http://schemas.microsoft.com/office/drawing/2014/main" id="{7EC7B86F-FB09-1990-9415-A9C69BB3907E}"/>
-              </a:ext>
-            </a:extLst>
-          </p:cNvPr>
-          <p:cNvSpPr txBox="1"/>
-          <p:nvPr/>
-        </p:nvSpPr>
-        <p:spPr>
-          <a:xfrm>
-            <a:off x="4910243" y="1834881"/>
-            <a:ext cx="1208857" cy="369332"/>
-          </a:xfrm>
-          <a:prstGeom prst="rect">
-            <a:avLst/>
-          </a:prstGeom>
-          <a:noFill/>
-        </p:spPr>
-        <p:txBody>
-          <a:bodyPr wrap="none" rtlCol="0">
-            <a:spAutoFit/>
-          </a:bodyPr>
-          <a:lstStyle/>
-          <a:p>
-            <a:r>
-              <a:rPr lang="en-US" dirty="0"/>
-              <a:t>Plant-plant</a:t>
-            </a:r>
-          </a:p>
-        </p:txBody>
-      </p:sp>
-      <p:sp>
-        <p:nvSpPr>
-          <p:cNvPr id="37" name="TextBox 36">
-            <a:extLst>
-              <a:ext uri="{FF2B5EF4-FFF2-40B4-BE49-F238E27FC236}">
-                <a16:creationId xmlns:a16="http://schemas.microsoft.com/office/drawing/2014/main" id="{28784EA9-59B7-8544-092C-0CD860E28E6D}"/>
-              </a:ext>
-            </a:extLst>
-          </p:cNvPr>
-          <p:cNvSpPr txBox="1"/>
-          <p:nvPr/>
-        </p:nvSpPr>
-        <p:spPr>
-          <a:xfrm>
-            <a:off x="5092630" y="3195942"/>
-            <a:ext cx="1208856" cy="369332"/>
-          </a:xfrm>
-          <a:prstGeom prst="rect">
-            <a:avLst/>
-          </a:prstGeom>
-          <a:noFill/>
-        </p:spPr>
-        <p:txBody>
-          <a:bodyPr wrap="square" rtlCol="0">
-            <a:spAutoFit/>
-          </a:bodyPr>
-          <a:lstStyle/>
-          <a:p>
-            <a:r>
-              <a:rPr lang="en-US" dirty="0"/>
-              <a:t>Plant-</a:t>
-            </a:r>
-            <a:r>
-              <a:rPr lang="en-US" dirty="0" err="1"/>
-              <a:t>Fv</a:t>
-            </a:r>
-            <a:endParaRPr lang="en-US" dirty="0"/>
-          </a:p>
-        </p:txBody>
-      </p:sp>
-      <p:sp>
-        <p:nvSpPr>
-          <p:cNvPr id="38" name="TextBox 37">
-            <a:extLst>
-              <a:ext uri="{FF2B5EF4-FFF2-40B4-BE49-F238E27FC236}">
-                <a16:creationId xmlns:a16="http://schemas.microsoft.com/office/drawing/2014/main" id="{FFFA7BE0-41D9-AC60-F82B-D281427041B6}"/>
-              </a:ext>
-            </a:extLst>
-          </p:cNvPr>
-          <p:cNvSpPr txBox="1"/>
-          <p:nvPr/>
-        </p:nvSpPr>
-        <p:spPr>
-          <a:xfrm>
-            <a:off x="5079102" y="4680986"/>
-            <a:ext cx="1098637" cy="369332"/>
-          </a:xfrm>
-          <a:prstGeom prst="rect">
-            <a:avLst/>
-          </a:prstGeom>
-          <a:noFill/>
-        </p:spPr>
-        <p:txBody>
-          <a:bodyPr wrap="square" rtlCol="0">
-            <a:spAutoFit/>
-          </a:bodyPr>
-          <a:lstStyle/>
-          <a:p>
-            <a:r>
-              <a:rPr lang="en-US" dirty="0"/>
-              <a:t>Plant-H</a:t>
-            </a:r>
-          </a:p>
-        </p:txBody>
-      </p:sp>
-      <p:sp>
-        <p:nvSpPr>
-          <p:cNvPr id="40" name="TextBox 39">
-            <a:extLst>
-              <a:ext uri="{FF2B5EF4-FFF2-40B4-BE49-F238E27FC236}">
-                <a16:creationId xmlns:a16="http://schemas.microsoft.com/office/drawing/2014/main" id="{A5C0FAE2-5E8E-FFF0-00FD-B446795D9652}"/>
-              </a:ext>
-            </a:extLst>
-          </p:cNvPr>
-          <p:cNvSpPr txBox="1"/>
-          <p:nvPr/>
-        </p:nvSpPr>
-        <p:spPr>
-          <a:xfrm>
-            <a:off x="5751594" y="6332119"/>
-            <a:ext cx="1392497" cy="369332"/>
-          </a:xfrm>
-          <a:prstGeom prst="rect">
-            <a:avLst/>
-          </a:prstGeom>
-          <a:noFill/>
-        </p:spPr>
-        <p:txBody>
-          <a:bodyPr wrap="none" rtlCol="0">
-            <a:spAutoFit/>
-          </a:bodyPr>
-          <a:lstStyle/>
-          <a:p>
-            <a:r>
-              <a:rPr lang="en-US" dirty="0"/>
-              <a:t>Plant-plant-X</a:t>
-            </a:r>
-          </a:p>
-        </p:txBody>
-      </p:sp>
-      <p:cxnSp>
-        <p:nvCxnSpPr>
-          <p:cNvPr id="43" name="Straight Arrow Connector 42">
-            <a:extLst>
-              <a:ext uri="{FF2B5EF4-FFF2-40B4-BE49-F238E27FC236}">
-                <a16:creationId xmlns:a16="http://schemas.microsoft.com/office/drawing/2014/main" id="{707724EC-EFE1-BBEB-EE11-0CD550A5CCFD}"/>
-              </a:ext>
-            </a:extLst>
-          </p:cNvPr>
-          <p:cNvCxnSpPr>
-            <a:cxnSpLocks/>
-            <a:stCxn id="36" idx="3"/>
-            <a:endCxn id="51" idx="1"/>
-          </p:cNvCxnSpPr>
-          <p:nvPr/>
-        </p:nvCxnSpPr>
-        <p:spPr>
-          <a:xfrm flipV="1">
-            <a:off x="6119100" y="2012063"/>
-            <a:ext cx="730861" cy="7484"/>
-          </a:xfrm>
-          <a:prstGeom prst="straightConnector1">
-            <a:avLst/>
-          </a:prstGeom>
-          <a:ln w="19050">
-            <a:solidFill>
-              <a:schemeClr val="tx1"/>
-            </a:solidFill>
-            <a:headEnd type="none"/>
-            <a:tailEnd type="triangle"/>
-          </a:ln>
-        </p:spPr>
-        <p:style>
-          <a:lnRef idx="1">
-            <a:schemeClr val="accent1"/>
-          </a:lnRef>
-          <a:fillRef idx="0">
-            <a:schemeClr val="accent1"/>
-          </a:fillRef>
-          <a:effectRef idx="0">
-            <a:schemeClr val="accent1"/>
-          </a:effectRef>
-          <a:fontRef idx="minor">
-            <a:schemeClr val="tx1"/>
-          </a:fontRef>
-        </p:style>
-      </p:cxnSp>
-      <p:sp>
-        <p:nvSpPr>
-          <p:cNvPr id="51" name="TextBox 50">
-            <a:extLst>
-              <a:ext uri="{FF2B5EF4-FFF2-40B4-BE49-F238E27FC236}">
-                <a16:creationId xmlns:a16="http://schemas.microsoft.com/office/drawing/2014/main" id="{5D705DA3-A5F3-1062-5461-2E70B3C49EA9}"/>
-              </a:ext>
-            </a:extLst>
-          </p:cNvPr>
-          <p:cNvSpPr txBox="1"/>
-          <p:nvPr/>
-        </p:nvSpPr>
-        <p:spPr>
-          <a:xfrm>
-            <a:off x="6849961" y="1827397"/>
-            <a:ext cx="1869131" cy="369332"/>
-          </a:xfrm>
-          <a:prstGeom prst="rect">
-            <a:avLst/>
-          </a:prstGeom>
-          <a:noFill/>
-        </p:spPr>
-        <p:txBody>
-          <a:bodyPr wrap="square" rtlCol="0">
-            <a:spAutoFit/>
-          </a:bodyPr>
-          <a:lstStyle/>
-          <a:p>
-            <a:r>
-              <a:rPr lang="en-US" dirty="0"/>
-              <a:t>Generic effect</a:t>
-            </a:r>
-          </a:p>
-        </p:txBody>
-      </p:sp>
-      <p:sp>
-        <p:nvSpPr>
-          <p:cNvPr id="52" name="TextBox 51">
-            <a:extLst>
-              <a:ext uri="{FF2B5EF4-FFF2-40B4-BE49-F238E27FC236}">
-                <a16:creationId xmlns:a16="http://schemas.microsoft.com/office/drawing/2014/main" id="{968A6E73-F9DF-CB0B-59EE-A0881EC41107}"/>
-              </a:ext>
-            </a:extLst>
-          </p:cNvPr>
-          <p:cNvSpPr txBox="1"/>
-          <p:nvPr/>
-        </p:nvSpPr>
-        <p:spPr>
-          <a:xfrm>
-            <a:off x="6849961" y="2381621"/>
-            <a:ext cx="1758815" cy="646331"/>
-          </a:xfrm>
-          <a:prstGeom prst="rect">
-            <a:avLst/>
-          </a:prstGeom>
-          <a:noFill/>
-        </p:spPr>
-        <p:txBody>
-          <a:bodyPr wrap="none" rtlCol="0">
-            <a:spAutoFit/>
-          </a:bodyPr>
-          <a:lstStyle/>
-          <a:p>
-            <a:r>
-              <a:rPr lang="en-US" dirty="0"/>
-              <a:t>Species- specific </a:t>
-            </a:r>
-          </a:p>
-          <a:p>
-            <a:r>
-              <a:rPr lang="en-US" dirty="0"/>
-              <a:t>effect</a:t>
-            </a:r>
-          </a:p>
-        </p:txBody>
-      </p:sp>
       <p:pic>
         <p:nvPicPr>
-          <p:cNvPr id="56" name="Picture 55" descr="A group of pink flowers&#10;&#10;Description automatically generated with medium confidence">
-            <a:extLst>
-              <a:ext uri="{FF2B5EF4-FFF2-40B4-BE49-F238E27FC236}">
-                <a16:creationId xmlns:a16="http://schemas.microsoft.com/office/drawing/2014/main" id="{AB8CC78B-8B86-1B37-6F29-9A3330AA727E}"/>
+          <p:cNvPr id="9" name="Picture 8" descr="A yellow flower with green leaves&#10;&#10;Description automatically generated">
+            <a:extLst>
+              <a:ext uri="{FF2B5EF4-FFF2-40B4-BE49-F238E27FC236}">
+                <a16:creationId xmlns:a16="http://schemas.microsoft.com/office/drawing/2014/main" id="{5802798A-81FA-D892-B779-1690141A3803}"/>
               </a:ext>
             </a:extLst>
           </p:cNvPr>
@@ -4119,49 +4010,14 @@
           <p:nvPr/>
         </p:nvPicPr>
         <p:blipFill>
-          <a:blip r:embed="rId4">
-            <a:grayscl/>
-          </a:blip>
+          <a:blip r:embed="rId6"/>
           <a:stretch>
             <a:fillRect/>
           </a:stretch>
         </p:blipFill>
         <p:spPr>
           <a:xfrm>
-            <a:off x="8671378" y="1554641"/>
-            <a:ext cx="384261" cy="580189"/>
-          </a:xfrm>
-          <a:prstGeom prst="rect">
-            <a:avLst/>
-          </a:prstGeom>
-          <a:solidFill>
-            <a:schemeClr val="bg1"/>
-          </a:solidFill>
-        </p:spPr>
-      </p:pic>
-      <p:pic>
-        <p:nvPicPr>
-          <p:cNvPr id="59" name="Picture 58" descr="A yellow flower with green leaves&#10;&#10;Description automatically generated">
-            <a:extLst>
-              <a:ext uri="{FF2B5EF4-FFF2-40B4-BE49-F238E27FC236}">
-                <a16:creationId xmlns:a16="http://schemas.microsoft.com/office/drawing/2014/main" id="{192BA0D9-0C31-2154-D9C4-ABB22050EC8C}"/>
-              </a:ext>
-            </a:extLst>
-          </p:cNvPr>
-          <p:cNvPicPr>
-            <a:picLocks noChangeAspect="1"/>
-          </p:cNvPicPr>
-          <p:nvPr/>
-        </p:nvPicPr>
-        <p:blipFill>
-          <a:blip r:embed="rId5"/>
-          <a:stretch>
-            <a:fillRect/>
-          </a:stretch>
-        </p:blipFill>
-        <p:spPr>
-          <a:xfrm>
-            <a:off x="82191" y="2252914"/>
+            <a:off x="-1" y="1789450"/>
             <a:ext cx="695647" cy="908434"/>
           </a:xfrm>
           <a:prstGeom prst="rect">
@@ -4171,45 +4027,10 @@
       </p:pic>
       <p:sp>
         <p:nvSpPr>
-          <p:cNvPr id="60" name="TextBox 59">
-            <a:extLst>
-              <a:ext uri="{FF2B5EF4-FFF2-40B4-BE49-F238E27FC236}">
-                <a16:creationId xmlns:a16="http://schemas.microsoft.com/office/drawing/2014/main" id="{3A9FC527-E5C9-D72E-D544-65D1965166BE}"/>
-              </a:ext>
-            </a:extLst>
-          </p:cNvPr>
-          <p:cNvSpPr txBox="1"/>
-          <p:nvPr/>
-        </p:nvSpPr>
-        <p:spPr>
-          <a:xfrm>
-            <a:off x="6916070" y="844427"/>
-            <a:ext cx="1323952" cy="369332"/>
-          </a:xfrm>
-          <a:prstGeom prst="rect">
-            <a:avLst/>
-          </a:prstGeom>
-          <a:noFill/>
-        </p:spPr>
-        <p:txBody>
-          <a:bodyPr wrap="none" rtlCol="0">
-            <a:spAutoFit/>
-          </a:bodyPr>
-          <a:lstStyle/>
-          <a:p>
-            <a:r>
-              <a:rPr lang="en-US" dirty="0"/>
-              <a:t>Intraspecific</a:t>
-            </a:r>
-          </a:p>
-        </p:txBody>
-      </p:sp>
-      <p:sp>
-        <p:nvSpPr>
-          <p:cNvPr id="65" name="Arc 64">
-            <a:extLst>
-              <a:ext uri="{FF2B5EF4-FFF2-40B4-BE49-F238E27FC236}">
-                <a16:creationId xmlns:a16="http://schemas.microsoft.com/office/drawing/2014/main" id="{8E550485-DA94-9AA4-4516-4C0EB6016791}"/>
+          <p:cNvPr id="10" name="Arc 9">
+            <a:extLst>
+              <a:ext uri="{FF2B5EF4-FFF2-40B4-BE49-F238E27FC236}">
+                <a16:creationId xmlns:a16="http://schemas.microsoft.com/office/drawing/2014/main" id="{88FC064B-70C0-02B0-0C1B-FAE27E2B1E68}"/>
               </a:ext>
             </a:extLst>
           </p:cNvPr>
@@ -4218,7 +4039,7 @@
         </p:nvSpPr>
         <p:spPr>
           <a:xfrm rot="20700559">
-            <a:off x="425952" y="2475490"/>
+            <a:off x="343760" y="2012026"/>
             <a:ext cx="914400" cy="914400"/>
           </a:xfrm>
           <a:prstGeom prst="arc">
@@ -4257,29 +4078,29 @@
       </p:sp>
       <p:cxnSp>
         <p:nvCxnSpPr>
-          <p:cNvPr id="81" name="Straight Arrow Connector 80">
-            <a:extLst>
-              <a:ext uri="{FF2B5EF4-FFF2-40B4-BE49-F238E27FC236}">
-                <a16:creationId xmlns:a16="http://schemas.microsoft.com/office/drawing/2014/main" id="{2F8276D9-908D-074A-4828-11E780C57CF9}"/>
+          <p:cNvPr id="11" name="Straight Arrow Connector 10">
+            <a:extLst>
+              <a:ext uri="{FF2B5EF4-FFF2-40B4-BE49-F238E27FC236}">
+                <a16:creationId xmlns:a16="http://schemas.microsoft.com/office/drawing/2014/main" id="{6D9D2CAA-7707-63C4-80A5-7ED688F8D318}"/>
               </a:ext>
             </a:extLst>
           </p:cNvPr>
           <p:cNvCxnSpPr>
             <a:cxnSpLocks/>
-            <a:stCxn id="36" idx="3"/>
-            <a:endCxn id="52" idx="1"/>
+            <a:stCxn id="7" idx="3"/>
+            <a:endCxn id="15" idx="1"/>
           </p:cNvCxnSpPr>
           <p:nvPr/>
         </p:nvCxnSpPr>
         <p:spPr>
           <a:xfrm>
-            <a:off x="6119100" y="2019547"/>
-            <a:ext cx="730861" cy="685240"/>
+            <a:off x="1875493" y="2947732"/>
+            <a:ext cx="1518732" cy="1118962"/>
           </a:xfrm>
           <a:prstGeom prst="straightConnector1">
             <a:avLst/>
           </a:prstGeom>
-          <a:ln w="19050">
+          <a:ln w="25400">
             <a:solidFill>
               <a:schemeClr val="tx1"/>
             </a:solidFill>
@@ -4302,31 +4123,105 @@
           </a:fontRef>
         </p:style>
       </p:cxnSp>
+      <p:sp>
+        <p:nvSpPr>
+          <p:cNvPr id="14" name="TextBox 13">
+            <a:extLst>
+              <a:ext uri="{FF2B5EF4-FFF2-40B4-BE49-F238E27FC236}">
+                <a16:creationId xmlns:a16="http://schemas.microsoft.com/office/drawing/2014/main" id="{5F49701B-F559-1D8A-577F-4C81C360E133}"/>
+              </a:ext>
+            </a:extLst>
+          </p:cNvPr>
+          <p:cNvSpPr txBox="1"/>
+          <p:nvPr/>
+        </p:nvSpPr>
+        <p:spPr>
+          <a:xfrm>
+            <a:off x="3345754" y="1055598"/>
+            <a:ext cx="1706108" cy="400110"/>
+          </a:xfrm>
+          <a:prstGeom prst="rect">
+            <a:avLst/>
+          </a:prstGeom>
+          <a:noFill/>
+        </p:spPr>
+        <p:txBody>
+          <a:bodyPr wrap="none" rtlCol="0">
+            <a:spAutoFit/>
+          </a:bodyPr>
+          <a:lstStyle/>
+          <a:p>
+            <a:r>
+              <a:rPr lang="en-US" sz="2000" dirty="0"/>
+              <a:t>Self-regulation</a:t>
+            </a:r>
+          </a:p>
+        </p:txBody>
+      </p:sp>
+      <p:sp>
+        <p:nvSpPr>
+          <p:cNvPr id="15" name="TextBox 14">
+            <a:extLst>
+              <a:ext uri="{FF2B5EF4-FFF2-40B4-BE49-F238E27FC236}">
+                <a16:creationId xmlns:a16="http://schemas.microsoft.com/office/drawing/2014/main" id="{950644DD-4060-1B1F-F56D-A24BB228AA2D}"/>
+              </a:ext>
+            </a:extLst>
+          </p:cNvPr>
+          <p:cNvSpPr txBox="1"/>
+          <p:nvPr/>
+        </p:nvSpPr>
+        <p:spPr>
+          <a:xfrm>
+            <a:off x="3394225" y="3866639"/>
+            <a:ext cx="1941622" cy="400110"/>
+          </a:xfrm>
+          <a:prstGeom prst="rect">
+            <a:avLst/>
+          </a:prstGeom>
+          <a:noFill/>
+        </p:spPr>
+        <p:txBody>
+          <a:bodyPr wrap="none" rtlCol="0">
+            <a:spAutoFit/>
+          </a:bodyPr>
+          <a:lstStyle/>
+          <a:p>
+            <a:r>
+              <a:rPr lang="en-US" sz="2000" dirty="0" err="1"/>
+              <a:t>Neighbour</a:t>
+            </a:r>
+            <a:r>
+              <a:rPr lang="en-US" sz="2000" dirty="0"/>
+              <a:t> effect</a:t>
+            </a:r>
+          </a:p>
+        </p:txBody>
+      </p:sp>
       <p:cxnSp>
         <p:nvCxnSpPr>
-          <p:cNvPr id="87" name="Straight Arrow Connector 86">
-            <a:extLst>
-              <a:ext uri="{FF2B5EF4-FFF2-40B4-BE49-F238E27FC236}">
-                <a16:creationId xmlns:a16="http://schemas.microsoft.com/office/drawing/2014/main" id="{7F724248-D055-BDD8-BE14-F7D12B6FC065}"/>
+          <p:cNvPr id="16" name="Straight Arrow Connector 15">
+            <a:extLst>
+              <a:ext uri="{FF2B5EF4-FFF2-40B4-BE49-F238E27FC236}">
+                <a16:creationId xmlns:a16="http://schemas.microsoft.com/office/drawing/2014/main" id="{662924FF-B844-4871-1867-CF27D9A94F9A}"/>
               </a:ext>
             </a:extLst>
           </p:cNvPr>
           <p:cNvCxnSpPr>
             <a:cxnSpLocks/>
-            <a:stCxn id="36" idx="3"/>
-            <a:endCxn id="60" idx="1"/>
+            <a:stCxn id="14" idx="3"/>
+            <a:endCxn id="25" idx="1"/>
           </p:cNvCxnSpPr>
           <p:nvPr/>
         </p:nvCxnSpPr>
         <p:spPr>
           <a:xfrm flipV="1">
-            <a:off x="6119100" y="1029093"/>
-            <a:ext cx="796970" cy="990454"/>
+            <a:off x="5051862" y="609838"/>
+            <a:ext cx="509694" cy="645815"/>
           </a:xfrm>
           <a:prstGeom prst="straightConnector1">
             <a:avLst/>
           </a:prstGeom>
-          <a:ln w="19050">
+          <a:ln w="25400">
             <a:solidFill>
               <a:schemeClr val="tx1"/>
             </a:solidFill>
@@ -4349,12 +4244,285 @@
           </a:fontRef>
         </p:style>
       </p:cxnSp>
-      <p:sp>
-        <p:nvSpPr>
-          <p:cNvPr id="92" name="Oval 91">
-            <a:extLst>
-              <a:ext uri="{FF2B5EF4-FFF2-40B4-BE49-F238E27FC236}">
-                <a16:creationId xmlns:a16="http://schemas.microsoft.com/office/drawing/2014/main" id="{87FA1F71-EA09-5722-4A91-ED41E56F1286}"/>
+      <mc:AlternateContent xmlns:mc="http://schemas.openxmlformats.org/markup-compatibility/2006" xmlns:a14="http://schemas.microsoft.com/office/drawing/2010/main">
+        <mc:Choice Requires="a14">
+          <p:sp>
+            <p:nvSpPr>
+              <p:cNvPr id="25" name="TextBox 24">
+                <a:extLst>
+                  <a:ext uri="{FF2B5EF4-FFF2-40B4-BE49-F238E27FC236}">
+                    <a16:creationId xmlns:a16="http://schemas.microsoft.com/office/drawing/2014/main" id="{A66BD6DE-F283-BDAF-235D-7F4E629ED54C}"/>
+                  </a:ext>
+                </a:extLst>
+              </p:cNvPr>
+              <p:cNvSpPr txBox="1"/>
+              <p:nvPr/>
+            </p:nvSpPr>
+            <p:spPr>
+              <a:xfrm>
+                <a:off x="5561556" y="379005"/>
+                <a:ext cx="2437334" cy="461665"/>
+              </a:xfrm>
+              <a:prstGeom prst="rect">
+                <a:avLst/>
+              </a:prstGeom>
+              <a:noFill/>
+            </p:spPr>
+            <p:txBody>
+              <a:bodyPr wrap="none" rtlCol="0">
+                <a:spAutoFit/>
+              </a:bodyPr>
+              <a:lstStyle/>
+              <a:p>
+                <a:r>
+                  <a:rPr lang="en-US" sz="2000" dirty="0"/>
+                  <a:t>Intrinsic fecundity: </a:t>
+                </a:r>
+                <a14:m>
+                  <m:oMath xmlns:m="http://schemas.openxmlformats.org/officeDocument/2006/math">
+                    <m:sSub>
+                      <m:sSubPr>
+                        <m:ctrlPr>
+                          <a:rPr lang="en-AU" sz="2400" b="0" i="1" smtClean="0">
+                            <a:latin typeface="Cambria Math" panose="02040503050406030204" pitchFamily="18" charset="0"/>
+                          </a:rPr>
+                        </m:ctrlPr>
+                      </m:sSubPr>
+                      <m:e>
+                        <m:r>
+                          <a:rPr lang="en-AU" sz="2400" b="0" i="1" smtClean="0">
+                            <a:latin typeface="Cambria Math" panose="02040503050406030204" pitchFamily="18" charset="0"/>
+                          </a:rPr>
+                          <m:t>𝜆</m:t>
+                        </m:r>
+                      </m:e>
+                      <m:sub>
+                        <m:r>
+                          <a:rPr lang="en-AU" sz="2400" b="0" i="1" smtClean="0">
+                            <a:latin typeface="Cambria Math" panose="02040503050406030204" pitchFamily="18" charset="0"/>
+                          </a:rPr>
+                          <m:t>𝑖</m:t>
+                        </m:r>
+                      </m:sub>
+                    </m:sSub>
+                  </m:oMath>
+                </a14:m>
+                <a:endParaRPr lang="en-US" sz="2000" dirty="0"/>
+              </a:p>
+            </p:txBody>
+          </p:sp>
+        </mc:Choice>
+        <mc:Fallback xmlns="">
+          <p:sp>
+            <p:nvSpPr>
+              <p:cNvPr id="25" name="TextBox 24">
+                <a:extLst>
+                  <a:ext uri="{FF2B5EF4-FFF2-40B4-BE49-F238E27FC236}">
+                    <a16:creationId xmlns:a16="http://schemas.microsoft.com/office/drawing/2014/main" id="{A66BD6DE-F283-BDAF-235D-7F4E629ED54C}"/>
+                  </a:ext>
+                </a:extLst>
+              </p:cNvPr>
+              <p:cNvSpPr txBox="1">
+                <a:spLocks noRot="1" noChangeAspect="1" noMove="1" noResize="1" noEditPoints="1" noAdjustHandles="1" noChangeArrowheads="1" noChangeShapeType="1" noTextEdit="1"/>
+              </p:cNvSpPr>
+              <p:nvPr/>
+            </p:nvSpPr>
+            <p:spPr>
+              <a:xfrm>
+                <a:off x="5561556" y="379005"/>
+                <a:ext cx="2437334" cy="461665"/>
+              </a:xfrm>
+              <a:prstGeom prst="rect">
+                <a:avLst/>
+              </a:prstGeom>
+              <a:blipFill>
+                <a:blip r:embed="rId7"/>
+                <a:stretch>
+                  <a:fillRect l="-2591" b="-18421"/>
+                </a:stretch>
+              </a:blipFill>
+            </p:spPr>
+            <p:txBody>
+              <a:bodyPr/>
+              <a:lstStyle/>
+              <a:p>
+                <a:r>
+                  <a:rPr lang="en-US">
+                    <a:noFill/>
+                  </a:rPr>
+                  <a:t> </a:t>
+                </a:r>
+              </a:p>
+            </p:txBody>
+          </p:sp>
+        </mc:Fallback>
+      </mc:AlternateContent>
+      <p:cxnSp>
+        <p:nvCxnSpPr>
+          <p:cNvPr id="27" name="Straight Arrow Connector 26">
+            <a:extLst>
+              <a:ext uri="{FF2B5EF4-FFF2-40B4-BE49-F238E27FC236}">
+                <a16:creationId xmlns:a16="http://schemas.microsoft.com/office/drawing/2014/main" id="{5190CD7F-B6D8-7133-39E4-B8F2D4FB595F}"/>
+              </a:ext>
+            </a:extLst>
+          </p:cNvPr>
+          <p:cNvCxnSpPr>
+            <a:cxnSpLocks/>
+            <a:stCxn id="14" idx="3"/>
+            <a:endCxn id="30" idx="1"/>
+          </p:cNvCxnSpPr>
+          <p:nvPr/>
+        </p:nvCxnSpPr>
+        <p:spPr>
+          <a:xfrm>
+            <a:off x="5051862" y="1255653"/>
+            <a:ext cx="509694" cy="699839"/>
+          </a:xfrm>
+          <a:prstGeom prst="straightConnector1">
+            <a:avLst/>
+          </a:prstGeom>
+          <a:ln w="25400">
+            <a:solidFill>
+              <a:schemeClr val="tx1"/>
+            </a:solidFill>
+            <a:headEnd type="none"/>
+            <a:tailEnd type="triangle"/>
+          </a:ln>
+        </p:spPr>
+        <p:style>
+          <a:lnRef idx="1">
+            <a:schemeClr val="accent1"/>
+          </a:lnRef>
+          <a:fillRef idx="0">
+            <a:schemeClr val="accent1"/>
+          </a:fillRef>
+          <a:effectRef idx="0">
+            <a:schemeClr val="accent1"/>
+          </a:effectRef>
+          <a:fontRef idx="minor">
+            <a:schemeClr val="tx1"/>
+          </a:fontRef>
+        </p:style>
+      </p:cxnSp>
+      <mc:AlternateContent xmlns:mc="http://schemas.openxmlformats.org/markup-compatibility/2006" xmlns:a14="http://schemas.microsoft.com/office/drawing/2010/main">
+        <mc:Choice Requires="a14">
+          <p:sp>
+            <p:nvSpPr>
+              <p:cNvPr id="30" name="TextBox 29">
+                <a:extLst>
+                  <a:ext uri="{FF2B5EF4-FFF2-40B4-BE49-F238E27FC236}">
+                    <a16:creationId xmlns:a16="http://schemas.microsoft.com/office/drawing/2014/main" id="{CFAE8B2A-115A-6549-EE83-567EED69324E}"/>
+                  </a:ext>
+                </a:extLst>
+              </p:cNvPr>
+              <p:cNvSpPr txBox="1"/>
+              <p:nvPr/>
+            </p:nvSpPr>
+            <p:spPr>
+              <a:xfrm>
+                <a:off x="5561556" y="1724659"/>
+                <a:ext cx="3136628" cy="461665"/>
+              </a:xfrm>
+              <a:prstGeom prst="rect">
+                <a:avLst/>
+              </a:prstGeom>
+              <a:noFill/>
+            </p:spPr>
+            <p:txBody>
+              <a:bodyPr wrap="none" rtlCol="0">
+                <a:spAutoFit/>
+              </a:bodyPr>
+              <a:lstStyle/>
+              <a:p>
+                <a:r>
+                  <a:rPr lang="en-US" sz="2000" dirty="0"/>
+                  <a:t>Intraspecific interaction: </a:t>
+                </a:r>
+                <a14:m>
+                  <m:oMath xmlns:m="http://schemas.openxmlformats.org/officeDocument/2006/math">
+                    <m:sSub>
+                      <m:sSubPr>
+                        <m:ctrlPr>
+                          <a:rPr lang="en-AU" sz="2400" b="0" i="1" smtClean="0">
+                            <a:latin typeface="Cambria Math" panose="02040503050406030204" pitchFamily="18" charset="0"/>
+                          </a:rPr>
+                        </m:ctrlPr>
+                      </m:sSubPr>
+                      <m:e>
+                        <m:r>
+                          <a:rPr lang="en-AU" sz="2400" b="0" i="1" smtClean="0">
+                            <a:latin typeface="Cambria Math" panose="02040503050406030204" pitchFamily="18" charset="0"/>
+                          </a:rPr>
+                          <m:t>𝛼</m:t>
+                        </m:r>
+                      </m:e>
+                      <m:sub>
+                        <m:r>
+                          <a:rPr lang="en-AU" sz="2400" b="0" i="1" smtClean="0">
+                            <a:latin typeface="Cambria Math" panose="02040503050406030204" pitchFamily="18" charset="0"/>
+                          </a:rPr>
+                          <m:t>𝑖𝑖</m:t>
+                        </m:r>
+                      </m:sub>
+                    </m:sSub>
+                  </m:oMath>
+                </a14:m>
+                <a:endParaRPr lang="en-US" sz="2000" dirty="0"/>
+              </a:p>
+            </p:txBody>
+          </p:sp>
+        </mc:Choice>
+        <mc:Fallback xmlns="">
+          <p:sp>
+            <p:nvSpPr>
+              <p:cNvPr id="30" name="TextBox 29">
+                <a:extLst>
+                  <a:ext uri="{FF2B5EF4-FFF2-40B4-BE49-F238E27FC236}">
+                    <a16:creationId xmlns:a16="http://schemas.microsoft.com/office/drawing/2014/main" id="{CFAE8B2A-115A-6549-EE83-567EED69324E}"/>
+                  </a:ext>
+                </a:extLst>
+              </p:cNvPr>
+              <p:cNvSpPr txBox="1">
+                <a:spLocks noRot="1" noChangeAspect="1" noMove="1" noResize="1" noEditPoints="1" noAdjustHandles="1" noChangeArrowheads="1" noChangeShapeType="1" noTextEdit="1"/>
+              </p:cNvSpPr>
+              <p:nvPr/>
+            </p:nvSpPr>
+            <p:spPr>
+              <a:xfrm>
+                <a:off x="5561556" y="1724659"/>
+                <a:ext cx="3136628" cy="461665"/>
+              </a:xfrm>
+              <a:prstGeom prst="rect">
+                <a:avLst/>
+              </a:prstGeom>
+              <a:blipFill>
+                <a:blip r:embed="rId8"/>
+                <a:stretch>
+                  <a:fillRect l="-2016" b="-18421"/>
+                </a:stretch>
+              </a:blipFill>
+            </p:spPr>
+            <p:txBody>
+              <a:bodyPr/>
+              <a:lstStyle/>
+              <a:p>
+                <a:r>
+                  <a:rPr lang="en-US">
+                    <a:noFill/>
+                  </a:rPr>
+                  <a:t> </a:t>
+                </a:r>
+              </a:p>
+            </p:txBody>
+          </p:sp>
+        </mc:Fallback>
+      </mc:AlternateContent>
+      <p:sp>
+        <p:nvSpPr>
+          <p:cNvPr id="33" name="Oval 32">
+            <a:extLst>
+              <a:ext uri="{FF2B5EF4-FFF2-40B4-BE49-F238E27FC236}">
+                <a16:creationId xmlns:a16="http://schemas.microsoft.com/office/drawing/2014/main" id="{758545DC-D9B8-ECC6-8609-E73D26F5F7BC}"/>
               </a:ext>
             </a:extLst>
           </p:cNvPr>
@@ -4363,7 +4531,7 @@
         </p:nvSpPr>
         <p:spPr>
           <a:xfrm>
-            <a:off x="8209800" y="579325"/>
+            <a:off x="8034885" y="534981"/>
             <a:ext cx="1299563" cy="620909"/>
           </a:xfrm>
           <a:prstGeom prst="ellipse">
@@ -4403,10 +4571,10 @@
       </p:sp>
       <p:pic>
         <p:nvPicPr>
-          <p:cNvPr id="93" name="Picture 92" descr="A yellow flower with green leaves&#10;&#10;Description automatically generated">
-            <a:extLst>
-              <a:ext uri="{FF2B5EF4-FFF2-40B4-BE49-F238E27FC236}">
-                <a16:creationId xmlns:a16="http://schemas.microsoft.com/office/drawing/2014/main" id="{774CB76F-CCED-9D8B-C5B8-1C44351F7D4B}"/>
+          <p:cNvPr id="34" name="Picture 33" descr="A yellow flower with green leaves&#10;&#10;Description automatically generated">
+            <a:extLst>
+              <a:ext uri="{FF2B5EF4-FFF2-40B4-BE49-F238E27FC236}">
+                <a16:creationId xmlns:a16="http://schemas.microsoft.com/office/drawing/2014/main" id="{08C87138-B666-1AC2-AEE5-74EB53E152C3}"/>
               </a:ext>
             </a:extLst>
           </p:cNvPr>
@@ -4416,14 +4584,14 @@
           <p:nvPr/>
         </p:nvPicPr>
         <p:blipFill>
-          <a:blip r:embed="rId5"/>
+          <a:blip r:embed="rId6"/>
           <a:stretch>
             <a:fillRect/>
           </a:stretch>
         </p:blipFill>
         <p:spPr>
           <a:xfrm>
-            <a:off x="8467402" y="12673"/>
+            <a:off x="8288171" y="32220"/>
             <a:ext cx="695647" cy="908434"/>
           </a:xfrm>
           <a:prstGeom prst="rect">
@@ -4431,111 +4599,21 @@
           </a:prstGeom>
         </p:spPr>
       </p:pic>
-      <p:pic>
-        <p:nvPicPr>
-          <p:cNvPr id="94" name="Picture 93" descr="A yellow flower with green leaves&#10;&#10;Description automatically generated">
-            <a:extLst>
-              <a:ext uri="{FF2B5EF4-FFF2-40B4-BE49-F238E27FC236}">
-                <a16:creationId xmlns:a16="http://schemas.microsoft.com/office/drawing/2014/main" id="{8ABE28B4-35B8-AD7E-5D23-8D512D889F0D}"/>
-              </a:ext>
-            </a:extLst>
-          </p:cNvPr>
-          <p:cNvPicPr>
-            <a:picLocks noChangeAspect="1"/>
-          </p:cNvPicPr>
+      <p:sp>
+        <p:nvSpPr>
+          <p:cNvPr id="35" name="Oval 34">
+            <a:extLst>
+              <a:ext uri="{FF2B5EF4-FFF2-40B4-BE49-F238E27FC236}">
+                <a16:creationId xmlns:a16="http://schemas.microsoft.com/office/drawing/2014/main" id="{0312819B-39F3-6A23-B303-09E917BBDACD}"/>
+              </a:ext>
+            </a:extLst>
+          </p:cNvPr>
+          <p:cNvSpPr/>
           <p:nvPr/>
-        </p:nvPicPr>
-        <p:blipFill>
-          <a:blip r:embed="rId5"/>
-          <a:stretch>
-            <a:fillRect/>
-          </a:stretch>
-        </p:blipFill>
+        </p:nvSpPr>
         <p:spPr>
           <a:xfrm>
-            <a:off x="8984337" y="375096"/>
-            <a:ext cx="479269" cy="615896"/>
-          </a:xfrm>
-          <a:prstGeom prst="rect">
-            <a:avLst/>
-          </a:prstGeom>
-        </p:spPr>
-      </p:pic>
-      <p:pic>
-        <p:nvPicPr>
-          <p:cNvPr id="95" name="Picture 94" descr="A yellow flower with green leaves&#10;&#10;Description automatically generated">
-            <a:extLst>
-              <a:ext uri="{FF2B5EF4-FFF2-40B4-BE49-F238E27FC236}">
-                <a16:creationId xmlns:a16="http://schemas.microsoft.com/office/drawing/2014/main" id="{A5555E80-3FBC-DDC5-C3E3-85F4E10E520A}"/>
-              </a:ext>
-            </a:extLst>
-          </p:cNvPr>
-          <p:cNvPicPr>
-            <a:picLocks noChangeAspect="1"/>
-          </p:cNvPicPr>
-          <p:nvPr/>
-        </p:nvPicPr>
-        <p:blipFill>
-          <a:blip r:embed="rId5"/>
-          <a:stretch>
-            <a:fillRect/>
-          </a:stretch>
-        </p:blipFill>
-        <p:spPr>
-          <a:xfrm>
-            <a:off x="8148444" y="404632"/>
-            <a:ext cx="479269" cy="615896"/>
-          </a:xfrm>
-          <a:prstGeom prst="rect">
-            <a:avLst/>
-          </a:prstGeom>
-        </p:spPr>
-      </p:pic>
-      <p:pic>
-        <p:nvPicPr>
-          <p:cNvPr id="96" name="Picture 95" descr="A yellow flower with green leaves&#10;&#10;Description automatically generated">
-            <a:extLst>
-              <a:ext uri="{FF2B5EF4-FFF2-40B4-BE49-F238E27FC236}">
-                <a16:creationId xmlns:a16="http://schemas.microsoft.com/office/drawing/2014/main" id="{B6F7C197-224D-1A2D-6456-74EA0B3F0F6E}"/>
-              </a:ext>
-            </a:extLst>
-          </p:cNvPr>
-          <p:cNvPicPr>
-            <a:picLocks noChangeAspect="1"/>
-          </p:cNvPicPr>
-          <p:nvPr/>
-        </p:nvPicPr>
-        <p:blipFill>
-          <a:blip r:embed="rId5"/>
-          <a:stretch>
-            <a:fillRect/>
-          </a:stretch>
-        </p:blipFill>
-        <p:spPr>
-          <a:xfrm>
-            <a:off x="8594424" y="523623"/>
-            <a:ext cx="479269" cy="615896"/>
-          </a:xfrm>
-          <a:prstGeom prst="rect">
-            <a:avLst/>
-          </a:prstGeom>
-        </p:spPr>
-      </p:pic>
-      <p:sp>
-        <p:nvSpPr>
-          <p:cNvPr id="97" name="Oval 96">
-            <a:extLst>
-              <a:ext uri="{FF2B5EF4-FFF2-40B4-BE49-F238E27FC236}">
-                <a16:creationId xmlns:a16="http://schemas.microsoft.com/office/drawing/2014/main" id="{D5954D67-E9EC-0413-E110-4464317E1189}"/>
-              </a:ext>
-            </a:extLst>
-          </p:cNvPr>
-          <p:cNvSpPr/>
-          <p:nvPr/>
-        </p:nvSpPr>
-        <p:spPr>
-          <a:xfrm>
-            <a:off x="4397495" y="687311"/>
+            <a:off x="8726216" y="1749623"/>
             <a:ext cx="1299563" cy="620909"/>
           </a:xfrm>
           <a:prstGeom prst="ellipse">
@@ -4575,10 +4653,10 @@
       </p:sp>
       <p:pic>
         <p:nvPicPr>
-          <p:cNvPr id="98" name="Picture 97" descr="A yellow flower with green leaves&#10;&#10;Description automatically generated">
-            <a:extLst>
-              <a:ext uri="{FF2B5EF4-FFF2-40B4-BE49-F238E27FC236}">
-                <a16:creationId xmlns:a16="http://schemas.microsoft.com/office/drawing/2014/main" id="{8B31E2B4-119B-563E-3B10-2906FD32DA20}"/>
+          <p:cNvPr id="36" name="Picture 35" descr="A yellow flower with green leaves&#10;&#10;Description automatically generated">
+            <a:extLst>
+              <a:ext uri="{FF2B5EF4-FFF2-40B4-BE49-F238E27FC236}">
+                <a16:creationId xmlns:a16="http://schemas.microsoft.com/office/drawing/2014/main" id="{D329F98A-5EC9-4118-2947-2F4B3F4D350D}"/>
               </a:ext>
             </a:extLst>
           </p:cNvPr>
@@ -4588,160 +4666,14 @@
           <p:nvPr/>
         </p:nvPicPr>
         <p:blipFill>
-          <a:blip r:embed="rId5"/>
+          <a:blip r:embed="rId6"/>
           <a:stretch>
             <a:fillRect/>
           </a:stretch>
         </p:blipFill>
         <p:spPr>
           <a:xfrm>
-            <a:off x="4655097" y="303212"/>
-            <a:ext cx="695647" cy="908434"/>
-          </a:xfrm>
-          <a:prstGeom prst="rect">
-            <a:avLst/>
-          </a:prstGeom>
-        </p:spPr>
-      </p:pic>
-      <p:sp>
-        <p:nvSpPr>
-          <p:cNvPr id="101" name="Oval 100">
-            <a:extLst>
-              <a:ext uri="{FF2B5EF4-FFF2-40B4-BE49-F238E27FC236}">
-                <a16:creationId xmlns:a16="http://schemas.microsoft.com/office/drawing/2014/main" id="{CD332D5A-0B5D-EA27-12A7-ECA741F1650C}"/>
-              </a:ext>
-            </a:extLst>
-          </p:cNvPr>
-          <p:cNvSpPr/>
-          <p:nvPr/>
-        </p:nvSpPr>
-        <p:spPr>
-          <a:xfrm>
-            <a:off x="8641330" y="1731513"/>
-            <a:ext cx="1299563" cy="620909"/>
-          </a:xfrm>
-          <a:prstGeom prst="ellipse">
-            <a:avLst/>
-          </a:prstGeom>
-          <a:noFill/>
-          <a:ln w="15875">
-            <a:solidFill>
-              <a:schemeClr val="tx1"/>
-            </a:solidFill>
-          </a:ln>
-        </p:spPr>
-        <p:style>
-          <a:lnRef idx="2">
-            <a:schemeClr val="accent1">
-              <a:shade val="15000"/>
-            </a:schemeClr>
-          </a:lnRef>
-          <a:fillRef idx="1">
-            <a:schemeClr val="accent1"/>
-          </a:fillRef>
-          <a:effectRef idx="0">
-            <a:schemeClr val="accent1"/>
-          </a:effectRef>
-          <a:fontRef idx="minor">
-            <a:schemeClr val="lt1"/>
-          </a:fontRef>
-        </p:style>
-        <p:txBody>
-          <a:bodyPr rtlCol="0" anchor="ctr"/>
-          <a:lstStyle/>
-          <a:p>
-            <a:pPr algn="ctr"/>
-            <a:endParaRPr lang="en-US"/>
-          </a:p>
-        </p:txBody>
-      </p:sp>
-      <p:pic>
-        <p:nvPicPr>
-          <p:cNvPr id="108" name="Picture 107" descr="A plant with long stems&#10;&#10;Description automatically generated">
-            <a:extLst>
-              <a:ext uri="{FF2B5EF4-FFF2-40B4-BE49-F238E27FC236}">
-                <a16:creationId xmlns:a16="http://schemas.microsoft.com/office/drawing/2014/main" id="{15B2313D-D80E-D71E-FBE0-0E1FD326E25D}"/>
-              </a:ext>
-            </a:extLst>
-          </p:cNvPr>
-          <p:cNvPicPr>
-            <a:picLocks noChangeAspect="1"/>
-          </p:cNvPicPr>
-          <p:nvPr/>
-        </p:nvPicPr>
-        <p:blipFill>
-          <a:blip r:embed="rId6">
-            <a:grayscl/>
-          </a:blip>
-          <a:stretch>
-            <a:fillRect/>
-          </a:stretch>
-        </p:blipFill>
-        <p:spPr>
-          <a:xfrm flipH="1">
-            <a:off x="8881586" y="1203073"/>
-            <a:ext cx="319218" cy="815233"/>
-          </a:xfrm>
-          <a:prstGeom prst="rect">
-            <a:avLst/>
-          </a:prstGeom>
-        </p:spPr>
-      </p:pic>
-      <p:pic>
-        <p:nvPicPr>
-          <p:cNvPr id="110" name="Picture 109" descr="A yellow flowers on a black background&#10;&#10;Description automatically generated">
-            <a:extLst>
-              <a:ext uri="{FF2B5EF4-FFF2-40B4-BE49-F238E27FC236}">
-                <a16:creationId xmlns:a16="http://schemas.microsoft.com/office/drawing/2014/main" id="{63CF0213-3225-997C-78B5-8F014924A016}"/>
-              </a:ext>
-            </a:extLst>
-          </p:cNvPr>
-          <p:cNvPicPr>
-            <a:picLocks noChangeAspect="1"/>
-          </p:cNvPicPr>
-          <p:nvPr/>
-        </p:nvPicPr>
-        <p:blipFill>
-          <a:blip r:embed="rId7">
-            <a:grayscl/>
-          </a:blip>
-          <a:stretch>
-            <a:fillRect/>
-          </a:stretch>
-        </p:blipFill>
-        <p:spPr>
-          <a:xfrm>
-            <a:off x="9423721" y="1390227"/>
-            <a:ext cx="547220" cy="754276"/>
-          </a:xfrm>
-          <a:prstGeom prst="rect">
-            <a:avLst/>
-          </a:prstGeom>
-        </p:spPr>
-      </p:pic>
-      <p:pic>
-        <p:nvPicPr>
-          <p:cNvPr id="111" name="Picture 110" descr="A yellow flower with green leaves&#10;&#10;Description automatically generated">
-            <a:extLst>
-              <a:ext uri="{FF2B5EF4-FFF2-40B4-BE49-F238E27FC236}">
-                <a16:creationId xmlns:a16="http://schemas.microsoft.com/office/drawing/2014/main" id="{D5C626E6-E2EE-785E-0978-A27F7C4EC01F}"/>
-              </a:ext>
-            </a:extLst>
-          </p:cNvPr>
-          <p:cNvPicPr>
-            <a:picLocks noChangeAspect="1"/>
-          </p:cNvPicPr>
-          <p:nvPr/>
-        </p:nvPicPr>
-        <p:blipFill>
-          <a:blip r:embed="rId5"/>
-          <a:stretch>
-            <a:fillRect/>
-          </a:stretch>
-        </p:blipFill>
-        <p:spPr>
-          <a:xfrm>
-            <a:off x="8898932" y="1164861"/>
+            <a:off x="8983818" y="1182971"/>
             <a:ext cx="695647" cy="908434"/>
           </a:xfrm>
           <a:prstGeom prst="rect">
@@ -4751,10 +4683,10 @@
       </p:pic>
       <p:pic>
         <p:nvPicPr>
-          <p:cNvPr id="112" name="Picture 111" descr="A picture containing flower, plant&#10;&#10;Description automatically generated">
-            <a:extLst>
-              <a:ext uri="{FF2B5EF4-FFF2-40B4-BE49-F238E27FC236}">
-                <a16:creationId xmlns:a16="http://schemas.microsoft.com/office/drawing/2014/main" id="{1FD83227-53F8-0577-F4F1-E6FC8AD28248}"/>
+          <p:cNvPr id="37" name="Picture 36" descr="A yellow flower with green leaves&#10;&#10;Description automatically generated">
+            <a:extLst>
+              <a:ext uri="{FF2B5EF4-FFF2-40B4-BE49-F238E27FC236}">
+                <a16:creationId xmlns:a16="http://schemas.microsoft.com/office/drawing/2014/main" id="{A61DAA85-DC80-246B-CB60-32127876671E}"/>
               </a:ext>
             </a:extLst>
           </p:cNvPr>
@@ -4764,17 +4696,15 @@
           <p:nvPr/>
         </p:nvPicPr>
         <p:blipFill>
-          <a:blip r:embed="rId8">
-            <a:grayscl/>
-          </a:blip>
+          <a:blip r:embed="rId6"/>
           <a:stretch>
             <a:fillRect/>
           </a:stretch>
         </p:blipFill>
         <p:spPr>
           <a:xfrm>
-            <a:off x="8999188" y="1675379"/>
-            <a:ext cx="533458" cy="620908"/>
+            <a:off x="9500753" y="1545394"/>
+            <a:ext cx="479269" cy="615896"/>
           </a:xfrm>
           <a:prstGeom prst="rect">
             <a:avLst/>
@@ -4783,10 +4713,10 @@
       </p:pic>
       <p:pic>
         <p:nvPicPr>
-          <p:cNvPr id="119" name="Picture 118" descr="A yellow flower with green leaves&#10;&#10;Description automatically generated">
-            <a:extLst>
-              <a:ext uri="{FF2B5EF4-FFF2-40B4-BE49-F238E27FC236}">
-                <a16:creationId xmlns:a16="http://schemas.microsoft.com/office/drawing/2014/main" id="{FF5F8E1E-8648-4D8C-E529-075FFA951CA4}"/>
+          <p:cNvPr id="38" name="Picture 37" descr="A yellow flower with green leaves&#10;&#10;Description automatically generated">
+            <a:extLst>
+              <a:ext uri="{FF2B5EF4-FFF2-40B4-BE49-F238E27FC236}">
+                <a16:creationId xmlns:a16="http://schemas.microsoft.com/office/drawing/2014/main" id="{A9AEF9A3-786F-3D98-44D1-B3D0798EEFE2}"/>
               </a:ext>
             </a:extLst>
           </p:cNvPr>
@@ -4796,15 +4726,45 @@
           <p:nvPr/>
         </p:nvPicPr>
         <p:blipFill>
-          <a:blip r:embed="rId5"/>
+          <a:blip r:embed="rId6"/>
           <a:stretch>
             <a:fillRect/>
           </a:stretch>
         </p:blipFill>
         <p:spPr>
           <a:xfrm>
-            <a:off x="8393103" y="2333941"/>
-            <a:ext cx="479972" cy="636959"/>
+            <a:off x="8664860" y="1574930"/>
+            <a:ext cx="479269" cy="615896"/>
+          </a:xfrm>
+          <a:prstGeom prst="rect">
+            <a:avLst/>
+          </a:prstGeom>
+        </p:spPr>
+      </p:pic>
+      <p:pic>
+        <p:nvPicPr>
+          <p:cNvPr id="39" name="Picture 38" descr="A yellow flower with green leaves&#10;&#10;Description automatically generated">
+            <a:extLst>
+              <a:ext uri="{FF2B5EF4-FFF2-40B4-BE49-F238E27FC236}">
+                <a16:creationId xmlns:a16="http://schemas.microsoft.com/office/drawing/2014/main" id="{84BF578B-9954-A2D4-B039-CDB2745E44BF}"/>
+              </a:ext>
+            </a:extLst>
+          </p:cNvPr>
+          <p:cNvPicPr>
+            <a:picLocks noChangeAspect="1"/>
+          </p:cNvPicPr>
+          <p:nvPr/>
+        </p:nvPicPr>
+        <p:blipFill>
+          <a:blip r:embed="rId6"/>
+          <a:stretch>
+            <a:fillRect/>
+          </a:stretch>
+        </p:blipFill>
+        <p:spPr>
+          <a:xfrm>
+            <a:off x="9110840" y="1693921"/>
+            <a:ext cx="479269" cy="615896"/>
           </a:xfrm>
           <a:prstGeom prst="rect">
             <a:avLst/>
@@ -4813,28 +4773,29 @@
       </p:pic>
       <p:cxnSp>
         <p:nvCxnSpPr>
-          <p:cNvPr id="124" name="Straight Arrow Connector 123">
-            <a:extLst>
-              <a:ext uri="{FF2B5EF4-FFF2-40B4-BE49-F238E27FC236}">
-                <a16:creationId xmlns:a16="http://schemas.microsoft.com/office/drawing/2014/main" id="{9F415625-9639-3B24-C601-F6BF87E24731}"/>
+          <p:cNvPr id="40" name="Straight Arrow Connector 39">
+            <a:extLst>
+              <a:ext uri="{FF2B5EF4-FFF2-40B4-BE49-F238E27FC236}">
+                <a16:creationId xmlns:a16="http://schemas.microsoft.com/office/drawing/2014/main" id="{DCF45B9E-4645-5497-5596-A47C2618FB0A}"/>
               </a:ext>
             </a:extLst>
           </p:cNvPr>
           <p:cNvCxnSpPr>
             <a:cxnSpLocks/>
-            <a:endCxn id="119" idx="3"/>
+            <a:stCxn id="15" idx="3"/>
+            <a:endCxn id="43" idx="1"/>
           </p:cNvCxnSpPr>
           <p:nvPr/>
         </p:nvCxnSpPr>
         <p:spPr>
-          <a:xfrm flipH="1">
-            <a:off x="8873075" y="2648529"/>
-            <a:ext cx="535622" cy="3892"/>
+          <a:xfrm flipV="1">
+            <a:off x="5335847" y="2913262"/>
+            <a:ext cx="690794" cy="1153432"/>
           </a:xfrm>
           <a:prstGeom prst="straightConnector1">
             <a:avLst/>
           </a:prstGeom>
-          <a:ln w="19050">
+          <a:ln w="25400">
             <a:solidFill>
               <a:schemeClr val="tx1"/>
             </a:solidFill>
@@ -4859,158 +4820,29 @@
       </p:cxnSp>
       <p:cxnSp>
         <p:nvCxnSpPr>
-          <p:cNvPr id="128" name="Straight Arrow Connector 127">
-            <a:extLst>
-              <a:ext uri="{FF2B5EF4-FFF2-40B4-BE49-F238E27FC236}">
-                <a16:creationId xmlns:a16="http://schemas.microsoft.com/office/drawing/2014/main" id="{02FE501B-61EB-C93B-39DD-009A937856CA}"/>
+          <p:cNvPr id="41" name="Straight Arrow Connector 40">
+            <a:extLst>
+              <a:ext uri="{FF2B5EF4-FFF2-40B4-BE49-F238E27FC236}">
+                <a16:creationId xmlns:a16="http://schemas.microsoft.com/office/drawing/2014/main" id="{D34D6A94-572D-0939-EE8A-65BF7B4CCA46}"/>
               </a:ext>
             </a:extLst>
           </p:cNvPr>
           <p:cNvCxnSpPr>
             <a:cxnSpLocks/>
-            <a:stCxn id="37" idx="3"/>
-            <a:endCxn id="129" idx="1"/>
+            <a:stCxn id="15" idx="3"/>
+            <a:endCxn id="44" idx="1"/>
           </p:cNvCxnSpPr>
           <p:nvPr/>
         </p:nvCxnSpPr>
         <p:spPr>
           <a:xfrm flipV="1">
-            <a:off x="6301486" y="3372818"/>
-            <a:ext cx="536862" cy="7790"/>
+            <a:off x="5335847" y="4055214"/>
+            <a:ext cx="620774" cy="11480"/>
           </a:xfrm>
           <a:prstGeom prst="straightConnector1">
             <a:avLst/>
           </a:prstGeom>
-          <a:ln w="19050">
-            <a:solidFill>
-              <a:schemeClr val="tx1"/>
-            </a:solidFill>
-            <a:headEnd type="none"/>
-            <a:tailEnd type="triangle"/>
-          </a:ln>
-        </p:spPr>
-        <p:style>
-          <a:lnRef idx="1">
-            <a:schemeClr val="accent1"/>
-          </a:lnRef>
-          <a:fillRef idx="0">
-            <a:schemeClr val="accent1"/>
-          </a:fillRef>
-          <a:effectRef idx="0">
-            <a:schemeClr val="accent1"/>
-          </a:effectRef>
-          <a:fontRef idx="minor">
-            <a:schemeClr val="tx1"/>
-          </a:fontRef>
-        </p:style>
-      </p:cxnSp>
-      <p:sp>
-        <p:nvSpPr>
-          <p:cNvPr id="129" name="TextBox 128">
-            <a:extLst>
-              <a:ext uri="{FF2B5EF4-FFF2-40B4-BE49-F238E27FC236}">
-                <a16:creationId xmlns:a16="http://schemas.microsoft.com/office/drawing/2014/main" id="{23A72301-EABD-6043-E378-3A83D59151D9}"/>
-              </a:ext>
-            </a:extLst>
-          </p:cNvPr>
-          <p:cNvSpPr txBox="1"/>
-          <p:nvPr/>
-        </p:nvSpPr>
-        <p:spPr>
-          <a:xfrm>
-            <a:off x="6838348" y="3049652"/>
-            <a:ext cx="966931" cy="646331"/>
-          </a:xfrm>
-          <a:prstGeom prst="rect">
-            <a:avLst/>
-          </a:prstGeom>
-          <a:noFill/>
-        </p:spPr>
-        <p:txBody>
-          <a:bodyPr wrap="square" rtlCol="0">
-            <a:spAutoFit/>
-          </a:bodyPr>
-          <a:lstStyle/>
-          <a:p>
-            <a:r>
-              <a:rPr lang="en-US" dirty="0"/>
-              <a:t>Generic </a:t>
-            </a:r>
-          </a:p>
-          <a:p>
-            <a:r>
-              <a:rPr lang="en-US" dirty="0"/>
-              <a:t>effect</a:t>
-            </a:r>
-          </a:p>
-        </p:txBody>
-      </p:sp>
-      <p:sp>
-        <p:nvSpPr>
-          <p:cNvPr id="130" name="TextBox 129">
-            <a:extLst>
-              <a:ext uri="{FF2B5EF4-FFF2-40B4-BE49-F238E27FC236}">
-                <a16:creationId xmlns:a16="http://schemas.microsoft.com/office/drawing/2014/main" id="{FBA0BE6F-8E91-B2E0-2159-FB3962458532}"/>
-              </a:ext>
-            </a:extLst>
-          </p:cNvPr>
-          <p:cNvSpPr txBox="1"/>
-          <p:nvPr/>
-        </p:nvSpPr>
-        <p:spPr>
-          <a:xfrm>
-            <a:off x="6816781" y="3851971"/>
-            <a:ext cx="1758815" cy="646331"/>
-          </a:xfrm>
-          <a:prstGeom prst="rect">
-            <a:avLst/>
-          </a:prstGeom>
-          <a:noFill/>
-        </p:spPr>
-        <p:txBody>
-          <a:bodyPr wrap="square" rtlCol="0">
-            <a:spAutoFit/>
-          </a:bodyPr>
-          <a:lstStyle/>
-          <a:p>
-            <a:r>
-              <a:rPr lang="en-US" dirty="0"/>
-              <a:t>Species- specific </a:t>
-            </a:r>
-          </a:p>
-          <a:p>
-            <a:r>
-              <a:rPr lang="en-US" dirty="0"/>
-              <a:t>effect</a:t>
-            </a:r>
-          </a:p>
-        </p:txBody>
-      </p:sp>
-      <p:cxnSp>
-        <p:nvCxnSpPr>
-          <p:cNvPr id="131" name="Straight Arrow Connector 130">
-            <a:extLst>
-              <a:ext uri="{FF2B5EF4-FFF2-40B4-BE49-F238E27FC236}">
-                <a16:creationId xmlns:a16="http://schemas.microsoft.com/office/drawing/2014/main" id="{F0853569-42D1-DB15-D43A-334D36755004}"/>
-              </a:ext>
-            </a:extLst>
-          </p:cNvPr>
-          <p:cNvCxnSpPr>
-            <a:cxnSpLocks/>
-            <a:stCxn id="37" idx="3"/>
-            <a:endCxn id="130" idx="1"/>
-          </p:cNvCxnSpPr>
-          <p:nvPr/>
-        </p:nvCxnSpPr>
-        <p:spPr>
-          <a:xfrm>
-            <a:off x="6301486" y="3380608"/>
-            <a:ext cx="515295" cy="794529"/>
-          </a:xfrm>
-          <a:prstGeom prst="straightConnector1">
-            <a:avLst/>
-          </a:prstGeom>
-          <a:ln w="19050">
+          <a:ln w="25400">
             <a:solidFill>
               <a:schemeClr val="tx1"/>
             </a:solidFill>
@@ -5035,28 +4867,29 @@
       </p:cxnSp>
       <p:cxnSp>
         <p:nvCxnSpPr>
-          <p:cNvPr id="161" name="Straight Arrow Connector 160">
-            <a:extLst>
-              <a:ext uri="{FF2B5EF4-FFF2-40B4-BE49-F238E27FC236}">
-                <a16:creationId xmlns:a16="http://schemas.microsoft.com/office/drawing/2014/main" id="{6C97F064-E4B7-90AC-8BE5-F2CDB9EC881C}"/>
+          <p:cNvPr id="42" name="Straight Arrow Connector 41">
+            <a:extLst>
+              <a:ext uri="{FF2B5EF4-FFF2-40B4-BE49-F238E27FC236}">
+                <a16:creationId xmlns:a16="http://schemas.microsoft.com/office/drawing/2014/main" id="{147FEA17-FA8E-74E5-C73E-3F9750698DE2}"/>
               </a:ext>
             </a:extLst>
           </p:cNvPr>
           <p:cNvCxnSpPr>
             <a:cxnSpLocks/>
-            <a:endCxn id="162" idx="1"/>
+            <a:stCxn id="15" idx="3"/>
+            <a:endCxn id="45" idx="1"/>
           </p:cNvCxnSpPr>
           <p:nvPr/>
         </p:nvCxnSpPr>
         <p:spPr>
-          <a:xfrm flipV="1">
-            <a:off x="6208361" y="4833785"/>
-            <a:ext cx="560947" cy="11520"/>
+          <a:xfrm>
+            <a:off x="5335847" y="4066694"/>
+            <a:ext cx="723324" cy="1124033"/>
           </a:xfrm>
           <a:prstGeom prst="straightConnector1">
             <a:avLst/>
           </a:prstGeom>
-          <a:ln w="19050">
+          <a:ln w="25400">
             <a:solidFill>
               <a:schemeClr val="tx1"/>
             </a:solidFill>
@@ -5081,10 +4914,10 @@
       </p:cxnSp>
       <p:sp>
         <p:nvSpPr>
-          <p:cNvPr id="162" name="TextBox 161">
-            <a:extLst>
-              <a:ext uri="{FF2B5EF4-FFF2-40B4-BE49-F238E27FC236}">
-                <a16:creationId xmlns:a16="http://schemas.microsoft.com/office/drawing/2014/main" id="{DD7D829D-E900-1F53-8E47-41AA5D337BE9}"/>
+          <p:cNvPr id="43" name="TextBox 42">
+            <a:extLst>
+              <a:ext uri="{FF2B5EF4-FFF2-40B4-BE49-F238E27FC236}">
+                <a16:creationId xmlns:a16="http://schemas.microsoft.com/office/drawing/2014/main" id="{B0D8132C-1B36-7608-1B39-3A52359ED047}"/>
               </a:ext>
             </a:extLst>
           </p:cNvPr>
@@ -5093,8 +4926,8 @@
         </p:nvSpPr>
         <p:spPr>
           <a:xfrm>
-            <a:off x="6769308" y="4510619"/>
-            <a:ext cx="966931" cy="646331"/>
+            <a:off x="6026641" y="2713207"/>
+            <a:ext cx="1465722" cy="400110"/>
           </a:xfrm>
           <a:prstGeom prst="rect">
             <a:avLst/>
@@ -5102,30 +4935,24 @@
           <a:noFill/>
         </p:spPr>
         <p:txBody>
-          <a:bodyPr wrap="square" rtlCol="0">
+          <a:bodyPr wrap="none" rtlCol="0">
             <a:spAutoFit/>
           </a:bodyPr>
           <a:lstStyle/>
           <a:p>
             <a:r>
-              <a:rPr lang="en-US" dirty="0"/>
-              <a:t>Generic </a:t>
+              <a:rPr lang="en-US" sz="2000" dirty="0"/>
+              <a:t>Floral visitor</a:t>
             </a:r>
           </a:p>
-          <a:p>
-            <a:r>
-              <a:rPr lang="en-US" dirty="0"/>
-              <a:t>effect</a:t>
-            </a:r>
-          </a:p>
-        </p:txBody>
-      </p:sp>
-      <p:sp>
-        <p:nvSpPr>
-          <p:cNvPr id="163" name="TextBox 162">
-            <a:extLst>
-              <a:ext uri="{FF2B5EF4-FFF2-40B4-BE49-F238E27FC236}">
-                <a16:creationId xmlns:a16="http://schemas.microsoft.com/office/drawing/2014/main" id="{427A0CE9-3ACB-8A44-E31B-700C8B9172EA}"/>
+        </p:txBody>
+      </p:sp>
+      <p:sp>
+        <p:nvSpPr>
+          <p:cNvPr id="44" name="TextBox 43">
+            <a:extLst>
+              <a:ext uri="{FF2B5EF4-FFF2-40B4-BE49-F238E27FC236}">
+                <a16:creationId xmlns:a16="http://schemas.microsoft.com/office/drawing/2014/main" id="{76E6BAB8-8668-FE6F-5634-2CDAEDEA460F}"/>
               </a:ext>
             </a:extLst>
           </p:cNvPr>
@@ -5134,8 +4961,8 @@
         </p:nvSpPr>
         <p:spPr>
           <a:xfrm>
-            <a:off x="6747741" y="5271624"/>
-            <a:ext cx="1758815" cy="646331"/>
+            <a:off x="5956621" y="3855159"/>
+            <a:ext cx="1333441" cy="400110"/>
           </a:xfrm>
           <a:prstGeom prst="rect">
             <a:avLst/>
@@ -5149,42 +4976,72 @@
           <a:lstStyle/>
           <a:p>
             <a:r>
-              <a:rPr lang="en-US" dirty="0"/>
-              <a:t>Species- specific </a:t>
+              <a:rPr lang="en-US" sz="2000" dirty="0"/>
+              <a:t>Plant</a:t>
             </a:r>
           </a:p>
+        </p:txBody>
+      </p:sp>
+      <p:sp>
+        <p:nvSpPr>
+          <p:cNvPr id="45" name="TextBox 44">
+            <a:extLst>
+              <a:ext uri="{FF2B5EF4-FFF2-40B4-BE49-F238E27FC236}">
+                <a16:creationId xmlns:a16="http://schemas.microsoft.com/office/drawing/2014/main" id="{D644E3D0-C261-4748-D0E6-7453150262BB}"/>
+              </a:ext>
+            </a:extLst>
+          </p:cNvPr>
+          <p:cNvSpPr txBox="1"/>
+          <p:nvPr/>
+        </p:nvSpPr>
+        <p:spPr>
+          <a:xfrm>
+            <a:off x="6059171" y="4990672"/>
+            <a:ext cx="1300911" cy="400110"/>
+          </a:xfrm>
+          <a:prstGeom prst="rect">
+            <a:avLst/>
+          </a:prstGeom>
+          <a:noFill/>
+        </p:spPr>
+        <p:txBody>
+          <a:bodyPr wrap="square" rtlCol="0">
+            <a:spAutoFit/>
+          </a:bodyPr>
+          <a:lstStyle/>
           <a:p>
             <a:r>
-              <a:rPr lang="en-US" dirty="0"/>
-              <a:t>effect</a:t>
+              <a:rPr lang="en-US" sz="2000" dirty="0"/>
+              <a:t>Herbivore</a:t>
             </a:r>
           </a:p>
         </p:txBody>
       </p:sp>
       <p:cxnSp>
         <p:nvCxnSpPr>
-          <p:cNvPr id="164" name="Straight Arrow Connector 163">
-            <a:extLst>
-              <a:ext uri="{FF2B5EF4-FFF2-40B4-BE49-F238E27FC236}">
-                <a16:creationId xmlns:a16="http://schemas.microsoft.com/office/drawing/2014/main" id="{E5194922-7A2D-0DDF-4594-24C00D5FF839}"/>
+          <p:cNvPr id="57" name="Straight Arrow Connector 56">
+            <a:extLst>
+              <a:ext uri="{FF2B5EF4-FFF2-40B4-BE49-F238E27FC236}">
+                <a16:creationId xmlns:a16="http://schemas.microsoft.com/office/drawing/2014/main" id="{6B04EAF8-E0EC-5ADF-67D0-52C6BF7853D0}"/>
               </a:ext>
             </a:extLst>
           </p:cNvPr>
           <p:cNvCxnSpPr>
             <a:cxnSpLocks/>
-            <a:endCxn id="163" idx="1"/>
+            <a:stCxn id="43" idx="3"/>
+            <a:endCxn id="60" idx="1"/>
           </p:cNvCxnSpPr>
           <p:nvPr/>
         </p:nvCxnSpPr>
         <p:spPr>
           <a:xfrm>
-            <a:off x="6208361" y="4845305"/>
-            <a:ext cx="539380" cy="749485"/>
+            <a:off x="7492363" y="2913262"/>
+            <a:ext cx="801774" cy="9020"/>
           </a:xfrm>
           <a:prstGeom prst="straightConnector1">
             <a:avLst/>
           </a:prstGeom>
-          <a:ln w="19050">
+          <a:ln w="25400">
             <a:solidFill>
               <a:schemeClr val="tx1"/>
             </a:solidFill>
@@ -5207,60 +5064,219 @@
           </a:fontRef>
         </p:style>
       </p:cxnSp>
-      <p:pic>
-        <p:nvPicPr>
-          <p:cNvPr id="165" name="Picture 164" descr="A yellow flower with green leaves&#10;&#10;Description automatically generated">
-            <a:extLst>
-              <a:ext uri="{FF2B5EF4-FFF2-40B4-BE49-F238E27FC236}">
-                <a16:creationId xmlns:a16="http://schemas.microsoft.com/office/drawing/2014/main" id="{3F6CCED9-88B5-613A-2D71-5D02B7580AE7}"/>
-              </a:ext>
-            </a:extLst>
-          </p:cNvPr>
-          <p:cNvPicPr>
-            <a:picLocks noChangeAspect="1"/>
-          </p:cNvPicPr>
-          <p:nvPr/>
-        </p:nvPicPr>
-        <p:blipFill rotWithShape="1">
-          <a:blip r:embed="rId5"/>
-          <a:srcRect l="-4266" t="67628" r="-1" b="-1"/>
-          <a:stretch/>
-        </p:blipFill>
-        <p:spPr>
-          <a:xfrm>
-            <a:off x="7445648" y="4603641"/>
-            <a:ext cx="1405591" cy="569897"/>
-          </a:xfrm>
-          <a:prstGeom prst="rect">
-            <a:avLst/>
-          </a:prstGeom>
-        </p:spPr>
-      </p:pic>
+      <mc:AlternateContent xmlns:mc="http://schemas.openxmlformats.org/markup-compatibility/2006" xmlns:a14="http://schemas.microsoft.com/office/drawing/2010/main">
+        <mc:Choice Requires="a14">
+          <p:sp>
+            <p:nvSpPr>
+              <p:cNvPr id="60" name="TextBox 59">
+                <a:extLst>
+                  <a:ext uri="{FF2B5EF4-FFF2-40B4-BE49-F238E27FC236}">
+                    <a16:creationId xmlns:a16="http://schemas.microsoft.com/office/drawing/2014/main" id="{559FE593-FD66-1BFE-B5DD-172C6D584027}"/>
+                  </a:ext>
+                </a:extLst>
+              </p:cNvPr>
+              <p:cNvSpPr txBox="1"/>
+              <p:nvPr/>
+            </p:nvSpPr>
+            <p:spPr>
+              <a:xfrm>
+                <a:off x="8294137" y="2683338"/>
+                <a:ext cx="1469248" cy="477888"/>
+              </a:xfrm>
+              <a:prstGeom prst="rect">
+                <a:avLst/>
+              </a:prstGeom>
+              <a:noFill/>
+            </p:spPr>
+            <p:txBody>
+              <a:bodyPr wrap="none" rtlCol="0">
+                <a:spAutoFit/>
+              </a:bodyPr>
+              <a:lstStyle/>
+              <a:p>
+                <a:pPr/>
+                <a14:m>
+                  <m:oMathPara xmlns:m="http://schemas.openxmlformats.org/officeDocument/2006/math">
+                    <m:oMathParaPr>
+                      <m:jc m:val="centerGroup"/>
+                    </m:oMathParaPr>
+                    <m:oMath xmlns:m="http://schemas.openxmlformats.org/officeDocument/2006/math">
+                      <m:acc>
+                        <m:accPr>
+                          <m:chr m:val="̅"/>
+                          <m:ctrlPr>
+                            <a:rPr lang="en-AU" sz="2400" b="0" i="1" smtClean="0">
+                              <a:latin typeface="Cambria Math" panose="02040503050406030204" pitchFamily="18" charset="0"/>
+                            </a:rPr>
+                          </m:ctrlPr>
+                        </m:accPr>
+                        <m:e>
+                          <m:sSub>
+                            <m:sSubPr>
+                              <m:ctrlPr>
+                                <a:rPr lang="en-AU" sz="2400" b="0" i="1" smtClean="0">
+                                  <a:latin typeface="Cambria Math" panose="02040503050406030204" pitchFamily="18" charset="0"/>
+                                </a:rPr>
+                              </m:ctrlPr>
+                            </m:sSubPr>
+                            <m:e>
+                              <m:r>
+                                <a:rPr lang="en-AU" sz="2400" b="0" i="1" smtClean="0">
+                                  <a:latin typeface="Cambria Math" panose="02040503050406030204" pitchFamily="18" charset="0"/>
+                                </a:rPr>
+                                <m:t>𝛾</m:t>
+                              </m:r>
+                            </m:e>
+                            <m:sub>
+                              <m:r>
+                                <a:rPr lang="en-AU" sz="2400" b="0" i="1" smtClean="0">
+                                  <a:latin typeface="Cambria Math" panose="02040503050406030204" pitchFamily="18" charset="0"/>
+                                </a:rPr>
+                                <m:t>𝑖</m:t>
+                              </m:r>
+                              <m:r>
+                                <a:rPr lang="en-AU" sz="2400" b="0" i="1" smtClean="0">
+                                  <a:latin typeface="Cambria Math" panose="02040503050406030204" pitchFamily="18" charset="0"/>
+                                </a:rPr>
+                                <m:t>,</m:t>
+                              </m:r>
+                              <m:r>
+                                <a:rPr lang="en-AU" sz="2400" b="0" i="1" smtClean="0">
+                                  <a:latin typeface="Cambria Math" panose="02040503050406030204" pitchFamily="18" charset="0"/>
+                                </a:rPr>
+                                <m:t>𝐹𝑣</m:t>
+                              </m:r>
+                            </m:sub>
+                          </m:sSub>
+                        </m:e>
+                      </m:acc>
+                      <m:r>
+                        <a:rPr lang="en-AU" sz="2400" b="0" i="1" smtClean="0">
+                          <a:latin typeface="Cambria Math" panose="02040503050406030204" pitchFamily="18" charset="0"/>
+                        </a:rPr>
+                        <m:t>  , </m:t>
+                      </m:r>
+                      <m:acc>
+                        <m:accPr>
+                          <m:chr m:val="̂"/>
+                          <m:ctrlPr>
+                            <a:rPr lang="en-AU" sz="2400" b="0" i="1" smtClean="0">
+                              <a:latin typeface="Cambria Math" panose="02040503050406030204" pitchFamily="18" charset="0"/>
+                            </a:rPr>
+                          </m:ctrlPr>
+                        </m:accPr>
+                        <m:e>
+                          <m:sSub>
+                            <m:sSubPr>
+                              <m:ctrlPr>
+                                <a:rPr lang="en-AU" sz="2400" b="0" i="1" smtClean="0">
+                                  <a:latin typeface="Cambria Math" panose="02040503050406030204" pitchFamily="18" charset="0"/>
+                                </a:rPr>
+                              </m:ctrlPr>
+                            </m:sSubPr>
+                            <m:e>
+                              <m:r>
+                                <a:rPr lang="en-AU" sz="2400" b="0" i="1" smtClean="0">
+                                  <a:latin typeface="Cambria Math" panose="02040503050406030204" pitchFamily="18" charset="0"/>
+                                </a:rPr>
+                                <m:t>𝛾</m:t>
+                              </m:r>
+                            </m:e>
+                            <m:sub>
+                              <m:r>
+                                <a:rPr lang="en-AU" sz="2400" b="0" i="1" smtClean="0">
+                                  <a:latin typeface="Cambria Math" panose="02040503050406030204" pitchFamily="18" charset="0"/>
+                                </a:rPr>
+                                <m:t>𝑖𝑙</m:t>
+                              </m:r>
+                            </m:sub>
+                          </m:sSub>
+                        </m:e>
+                      </m:acc>
+                      <m:r>
+                        <a:rPr lang="en-AU" sz="2400" b="0" i="1" smtClean="0">
+                          <a:latin typeface="Cambria Math" panose="02040503050406030204" pitchFamily="18" charset="0"/>
+                        </a:rPr>
+                        <m:t> </m:t>
+                      </m:r>
+                    </m:oMath>
+                  </m:oMathPara>
+                </a14:m>
+                <a:endParaRPr lang="en-US" sz="2400" dirty="0"/>
+              </a:p>
+            </p:txBody>
+          </p:sp>
+        </mc:Choice>
+        <mc:Fallback xmlns="">
+          <p:sp>
+            <p:nvSpPr>
+              <p:cNvPr id="60" name="TextBox 59">
+                <a:extLst>
+                  <a:ext uri="{FF2B5EF4-FFF2-40B4-BE49-F238E27FC236}">
+                    <a16:creationId xmlns:a16="http://schemas.microsoft.com/office/drawing/2014/main" id="{559FE593-FD66-1BFE-B5DD-172C6D584027}"/>
+                  </a:ext>
+                </a:extLst>
+              </p:cNvPr>
+              <p:cNvSpPr txBox="1">
+                <a:spLocks noRot="1" noChangeAspect="1" noMove="1" noResize="1" noEditPoints="1" noAdjustHandles="1" noChangeArrowheads="1" noChangeShapeType="1" noTextEdit="1"/>
+              </p:cNvSpPr>
+              <p:nvPr/>
+            </p:nvSpPr>
+            <p:spPr>
+              <a:xfrm>
+                <a:off x="8294137" y="2683338"/>
+                <a:ext cx="1469248" cy="477888"/>
+              </a:xfrm>
+              <a:prstGeom prst="rect">
+                <a:avLst/>
+              </a:prstGeom>
+              <a:blipFill>
+                <a:blip r:embed="rId9"/>
+                <a:stretch>
+                  <a:fillRect t="-2564" r="-1724" b="-15385"/>
+                </a:stretch>
+              </a:blipFill>
+            </p:spPr>
+            <p:txBody>
+              <a:bodyPr/>
+              <a:lstStyle/>
+              <a:p>
+                <a:r>
+                  <a:rPr lang="en-US">
+                    <a:noFill/>
+                  </a:rPr>
+                  <a:t> </a:t>
+                </a:r>
+              </a:p>
+            </p:txBody>
+          </p:sp>
+        </mc:Fallback>
+      </mc:AlternateContent>
       <p:cxnSp>
         <p:nvCxnSpPr>
-          <p:cNvPr id="180" name="Straight Arrow Connector 179">
-            <a:extLst>
-              <a:ext uri="{FF2B5EF4-FFF2-40B4-BE49-F238E27FC236}">
-                <a16:creationId xmlns:a16="http://schemas.microsoft.com/office/drawing/2014/main" id="{E732E0F6-AF18-A234-3982-B210587246FE}"/>
+          <p:cNvPr id="63" name="Straight Arrow Connector 62">
+            <a:extLst>
+              <a:ext uri="{FF2B5EF4-FFF2-40B4-BE49-F238E27FC236}">
+                <a16:creationId xmlns:a16="http://schemas.microsoft.com/office/drawing/2014/main" id="{F07D4B55-9CCF-F0A7-49AB-A240D753FEA2}"/>
               </a:ext>
             </a:extLst>
           </p:cNvPr>
           <p:cNvCxnSpPr>
             <a:cxnSpLocks/>
-            <a:stCxn id="28" idx="3"/>
-            <a:endCxn id="40" idx="1"/>
+            <a:stCxn id="44" idx="3"/>
+            <a:endCxn id="64" idx="1"/>
           </p:cNvCxnSpPr>
           <p:nvPr/>
         </p:nvCxnSpPr>
         <p:spPr>
           <a:xfrm flipV="1">
-            <a:off x="4835285" y="6516785"/>
-            <a:ext cx="916309" cy="13838"/>
+            <a:off x="7290062" y="4053502"/>
+            <a:ext cx="1027892" cy="1712"/>
           </a:xfrm>
           <a:prstGeom prst="straightConnector1">
             <a:avLst/>
           </a:prstGeom>
-          <a:ln w="19050">
+          <a:ln w="25400">
             <a:solidFill>
               <a:schemeClr val="tx1"/>
             </a:solidFill>
@@ -5283,59 +5299,268 @@
           </a:fontRef>
         </p:style>
       </p:cxnSp>
-      <p:pic>
-        <p:nvPicPr>
-          <p:cNvPr id="188" name="Picture 187" descr="A yellow flower with green leaves&#10;&#10;Description automatically generated">
-            <a:extLst>
-              <a:ext uri="{FF2B5EF4-FFF2-40B4-BE49-F238E27FC236}">
-                <a16:creationId xmlns:a16="http://schemas.microsoft.com/office/drawing/2014/main" id="{E1711132-F643-6C27-49F5-DE72E1812F98}"/>
-              </a:ext>
-            </a:extLst>
-          </p:cNvPr>
-          <p:cNvPicPr>
-            <a:picLocks noChangeAspect="1"/>
-          </p:cNvPicPr>
-          <p:nvPr/>
-        </p:nvPicPr>
-        <p:blipFill>
-          <a:blip r:embed="rId5"/>
-          <a:stretch>
-            <a:fillRect/>
-          </a:stretch>
-        </p:blipFill>
-        <p:spPr>
-          <a:xfrm>
-            <a:off x="7236302" y="6279966"/>
-            <a:ext cx="383538" cy="500856"/>
-          </a:xfrm>
-          <a:prstGeom prst="rect">
-            <a:avLst/>
-          </a:prstGeom>
-        </p:spPr>
-      </p:pic>
+      <mc:AlternateContent xmlns:mc="http://schemas.openxmlformats.org/markup-compatibility/2006" xmlns:a14="http://schemas.microsoft.com/office/drawing/2010/main">
+        <mc:Choice Requires="a14">
+          <p:sp>
+            <p:nvSpPr>
+              <p:cNvPr id="64" name="TextBox 63">
+                <a:extLst>
+                  <a:ext uri="{FF2B5EF4-FFF2-40B4-BE49-F238E27FC236}">
+                    <a16:creationId xmlns:a16="http://schemas.microsoft.com/office/drawing/2014/main" id="{DD2F41E5-3390-2B0D-F095-4548BCA3F28C}"/>
+                  </a:ext>
+                </a:extLst>
+              </p:cNvPr>
+              <p:cNvSpPr txBox="1"/>
+              <p:nvPr/>
+            </p:nvSpPr>
+            <p:spPr>
+              <a:xfrm>
+                <a:off x="8317954" y="3793623"/>
+                <a:ext cx="1367860" cy="519758"/>
+              </a:xfrm>
+              <a:prstGeom prst="rect">
+                <a:avLst/>
+              </a:prstGeom>
+              <a:noFill/>
+            </p:spPr>
+            <p:txBody>
+              <a:bodyPr wrap="square" rtlCol="0">
+                <a:spAutoFit/>
+              </a:bodyPr>
+              <a:lstStyle/>
+              <a:p>
+                <a:pPr/>
+                <a14:m>
+                  <m:oMathPara xmlns:m="http://schemas.openxmlformats.org/officeDocument/2006/math">
+                    <m:oMathParaPr>
+                      <m:jc m:val="centerGroup"/>
+                    </m:oMathParaPr>
+                    <m:oMath xmlns:m="http://schemas.openxmlformats.org/officeDocument/2006/math">
+                      <m:acc>
+                        <m:accPr>
+                          <m:chr m:val="̅"/>
+                          <m:ctrlPr>
+                            <a:rPr lang="en-AU" sz="2400" b="0" i="1" smtClean="0">
+                              <a:latin typeface="Cambria Math" panose="02040503050406030204" pitchFamily="18" charset="0"/>
+                            </a:rPr>
+                          </m:ctrlPr>
+                        </m:accPr>
+                        <m:e>
+                          <m:sSub>
+                            <m:sSubPr>
+                              <m:ctrlPr>
+                                <a:rPr lang="en-AU" sz="2400" b="0" i="1" smtClean="0">
+                                  <a:latin typeface="Cambria Math" panose="02040503050406030204" pitchFamily="18" charset="0"/>
+                                </a:rPr>
+                              </m:ctrlPr>
+                            </m:sSubPr>
+                            <m:e>
+                              <m:r>
+                                <a:rPr lang="en-AU" sz="2400" b="0" i="1" smtClean="0">
+                                  <a:latin typeface="Cambria Math" panose="02040503050406030204" pitchFamily="18" charset="0"/>
+                                </a:rPr>
+                                <m:t>𝛼</m:t>
+                              </m:r>
+                            </m:e>
+                            <m:sub>
+                              <m:r>
+                                <a:rPr lang="en-AU" sz="2400" b="0" i="1" smtClean="0">
+                                  <a:latin typeface="Cambria Math" panose="02040503050406030204" pitchFamily="18" charset="0"/>
+                                </a:rPr>
+                                <m:t>𝑖</m:t>
+                              </m:r>
+                            </m:sub>
+                          </m:sSub>
+                        </m:e>
+                      </m:acc>
+                      <m:r>
+                        <a:rPr lang="en-AU" sz="2400" b="0" i="1" smtClean="0">
+                          <a:latin typeface="Cambria Math" panose="02040503050406030204" pitchFamily="18" charset="0"/>
+                        </a:rPr>
+                        <m:t> , </m:t>
+                      </m:r>
+                      <m:acc>
+                        <m:accPr>
+                          <m:chr m:val="̂"/>
+                          <m:ctrlPr>
+                            <a:rPr lang="en-AU" sz="2400" b="0" i="1" smtClean="0">
+                              <a:latin typeface="Cambria Math" panose="02040503050406030204" pitchFamily="18" charset="0"/>
+                            </a:rPr>
+                          </m:ctrlPr>
+                        </m:accPr>
+                        <m:e>
+                          <m:sSub>
+                            <m:sSubPr>
+                              <m:ctrlPr>
+                                <a:rPr lang="en-AU" sz="2400" b="0" i="1" smtClean="0">
+                                  <a:latin typeface="Cambria Math" panose="02040503050406030204" pitchFamily="18" charset="0"/>
+                                </a:rPr>
+                              </m:ctrlPr>
+                            </m:sSubPr>
+                            <m:e>
+                              <m:r>
+                                <a:rPr lang="en-AU" sz="2400" b="0" i="1" smtClean="0">
+                                  <a:latin typeface="Cambria Math" panose="02040503050406030204" pitchFamily="18" charset="0"/>
+                                </a:rPr>
+                                <m:t>𝛼</m:t>
+                              </m:r>
+                            </m:e>
+                            <m:sub>
+                              <m:r>
+                                <a:rPr lang="en-AU" sz="2400" b="0" i="1" smtClean="0">
+                                  <a:latin typeface="Cambria Math" panose="02040503050406030204" pitchFamily="18" charset="0"/>
+                                </a:rPr>
+                                <m:t>𝑖𝑗</m:t>
+                              </m:r>
+                            </m:sub>
+                          </m:sSub>
+                        </m:e>
+                      </m:acc>
+                      <m:r>
+                        <a:rPr lang="en-AU" sz="2400" b="0" i="1" smtClean="0">
+                          <a:latin typeface="Cambria Math" panose="02040503050406030204" pitchFamily="18" charset="0"/>
+                        </a:rPr>
+                        <m:t>, </m:t>
+                      </m:r>
+                      <m:acc>
+                        <m:accPr>
+                          <m:chr m:val="̂"/>
+                          <m:ctrlPr>
+                            <a:rPr lang="en-AU" sz="2400" i="1">
+                              <a:latin typeface="Cambria Math" panose="02040503050406030204" pitchFamily="18" charset="0"/>
+                            </a:rPr>
+                          </m:ctrlPr>
+                        </m:accPr>
+                        <m:e>
+                          <m:r>
+                            <a:rPr lang="en-AU" sz="2400" b="0" i="1" smtClean="0">
+                              <a:latin typeface="Cambria Math" panose="02040503050406030204" pitchFamily="18" charset="0"/>
+                            </a:rPr>
+                            <m:t> </m:t>
+                          </m:r>
+                          <m:sSub>
+                            <m:sSubPr>
+                              <m:ctrlPr>
+                                <a:rPr lang="en-AU" sz="2400" i="1">
+                                  <a:latin typeface="Cambria Math" panose="02040503050406030204" pitchFamily="18" charset="0"/>
+                                </a:rPr>
+                              </m:ctrlPr>
+                            </m:sSubPr>
+                            <m:e>
+                              <m:r>
+                                <a:rPr lang="en-AU" sz="2400" i="1">
+                                  <a:latin typeface="Cambria Math" panose="02040503050406030204" pitchFamily="18" charset="0"/>
+                                </a:rPr>
+                                <m:t>𝛽</m:t>
+                              </m:r>
+                            </m:e>
+                            <m:sub>
+                              <m:r>
+                                <a:rPr lang="en-AU" sz="2400" i="1">
+                                  <a:latin typeface="Cambria Math" panose="02040503050406030204" pitchFamily="18" charset="0"/>
+                                </a:rPr>
+                                <m:t>𝑖𝑗</m:t>
+                              </m:r>
+                              <m:r>
+                                <a:rPr lang="en-AU" sz="2400" b="0" i="1" smtClean="0">
+                                  <a:latin typeface="Cambria Math" panose="02040503050406030204" pitchFamily="18" charset="0"/>
+                                </a:rPr>
+                                <m:t>𝑘</m:t>
+                              </m:r>
+                              <m:r>
+                                <a:rPr lang="en-AU" sz="2400" b="0" i="1" smtClean="0">
+                                  <a:latin typeface="Cambria Math" panose="02040503050406030204" pitchFamily="18" charset="0"/>
+                                </a:rPr>
+                                <m:t>,</m:t>
+                              </m:r>
+                              <m:r>
+                                <a:rPr lang="en-AU" sz="2400" b="0" i="1" smtClean="0">
+                                  <a:latin typeface="Cambria Math" panose="02040503050406030204" pitchFamily="18" charset="0"/>
+                                </a:rPr>
+                                <m:t>𝑃𝑙𝑡</m:t>
+                              </m:r>
+                            </m:sub>
+                          </m:sSub>
+                        </m:e>
+                      </m:acc>
+                    </m:oMath>
+                  </m:oMathPara>
+                </a14:m>
+                <a:endParaRPr lang="en-US" sz="2400" dirty="0"/>
+              </a:p>
+            </p:txBody>
+          </p:sp>
+        </mc:Choice>
+        <mc:Fallback xmlns="">
+          <p:sp>
+            <p:nvSpPr>
+              <p:cNvPr id="64" name="TextBox 63">
+                <a:extLst>
+                  <a:ext uri="{FF2B5EF4-FFF2-40B4-BE49-F238E27FC236}">
+                    <a16:creationId xmlns:a16="http://schemas.microsoft.com/office/drawing/2014/main" id="{DD2F41E5-3390-2B0D-F095-4548BCA3F28C}"/>
+                  </a:ext>
+                </a:extLst>
+              </p:cNvPr>
+              <p:cNvSpPr txBox="1">
+                <a:spLocks noRot="1" noChangeAspect="1" noMove="1" noResize="1" noEditPoints="1" noAdjustHandles="1" noChangeArrowheads="1" noChangeShapeType="1" noTextEdit="1"/>
+              </p:cNvSpPr>
+              <p:nvPr/>
+            </p:nvSpPr>
+            <p:spPr>
+              <a:xfrm>
+                <a:off x="8317954" y="3793623"/>
+                <a:ext cx="1367860" cy="519758"/>
+              </a:xfrm>
+              <a:prstGeom prst="rect">
+                <a:avLst/>
+              </a:prstGeom>
+              <a:blipFill>
+                <a:blip r:embed="rId10"/>
+                <a:stretch>
+                  <a:fillRect t="-7143" r="-49541" b="-14286"/>
+                </a:stretch>
+              </a:blipFill>
+            </p:spPr>
+            <p:txBody>
+              <a:bodyPr/>
+              <a:lstStyle/>
+              <a:p>
+                <a:r>
+                  <a:rPr lang="en-US">
+                    <a:noFill/>
+                  </a:rPr>
+                  <a:t> </a:t>
+                </a:r>
+              </a:p>
+            </p:txBody>
+          </p:sp>
+        </mc:Fallback>
+      </mc:AlternateContent>
       <p:cxnSp>
         <p:nvCxnSpPr>
-          <p:cNvPr id="190" name="Straight Arrow Connector 189">
-            <a:extLst>
-              <a:ext uri="{FF2B5EF4-FFF2-40B4-BE49-F238E27FC236}">
-                <a16:creationId xmlns:a16="http://schemas.microsoft.com/office/drawing/2014/main" id="{55FB06AC-8DCB-3300-F37D-BFEC3F9C06C7}"/>
+          <p:cNvPr id="69" name="Straight Arrow Connector 68">
+            <a:extLst>
+              <a:ext uri="{FF2B5EF4-FFF2-40B4-BE49-F238E27FC236}">
+                <a16:creationId xmlns:a16="http://schemas.microsoft.com/office/drawing/2014/main" id="{6059AA1A-9F2A-97C6-9153-6EAA486E364C}"/>
               </a:ext>
             </a:extLst>
           </p:cNvPr>
           <p:cNvCxnSpPr>
             <a:cxnSpLocks/>
+            <a:stCxn id="45" idx="3"/>
+            <a:endCxn id="70" idx="1"/>
           </p:cNvCxnSpPr>
           <p:nvPr/>
         </p:nvCxnSpPr>
         <p:spPr>
-          <a:xfrm flipH="1">
-            <a:off x="7619840" y="6625782"/>
-            <a:ext cx="685508" cy="19227"/>
+          <a:xfrm flipV="1">
+            <a:off x="7360082" y="5172304"/>
+            <a:ext cx="991722" cy="18423"/>
           </a:xfrm>
           <a:prstGeom prst="straightConnector1">
             <a:avLst/>
           </a:prstGeom>
-          <a:ln w="19050">
+          <a:ln w="25400">
             <a:solidFill>
               <a:schemeClr val="tx1"/>
             </a:solidFill>
@@ -5358,12 +5583,200 @@
           </a:fontRef>
         </p:style>
       </p:cxnSp>
+      <mc:AlternateContent xmlns:mc="http://schemas.openxmlformats.org/markup-compatibility/2006" xmlns:a14="http://schemas.microsoft.com/office/drawing/2010/main">
+        <mc:Choice Requires="a14">
+          <p:sp>
+            <p:nvSpPr>
+              <p:cNvPr id="70" name="TextBox 69">
+                <a:extLst>
+                  <a:ext uri="{FF2B5EF4-FFF2-40B4-BE49-F238E27FC236}">
+                    <a16:creationId xmlns:a16="http://schemas.microsoft.com/office/drawing/2014/main" id="{D7BAC0F4-4B6B-F8AD-9111-2C4602C87CC1}"/>
+                  </a:ext>
+                </a:extLst>
+              </p:cNvPr>
+              <p:cNvSpPr txBox="1"/>
+              <p:nvPr/>
+            </p:nvSpPr>
+            <p:spPr>
+              <a:xfrm>
+                <a:off x="8351804" y="4933360"/>
+                <a:ext cx="1015203" cy="477888"/>
+              </a:xfrm>
+              <a:prstGeom prst="rect">
+                <a:avLst/>
+              </a:prstGeom>
+              <a:noFill/>
+            </p:spPr>
+            <p:txBody>
+              <a:bodyPr wrap="square" rtlCol="0">
+                <a:spAutoFit/>
+              </a:bodyPr>
+              <a:lstStyle/>
+              <a:p>
+                <a:pPr/>
+                <a14:m>
+                  <m:oMathPara xmlns:m="http://schemas.openxmlformats.org/officeDocument/2006/math">
+                    <m:oMathParaPr>
+                      <m:jc m:val="centerGroup"/>
+                    </m:oMathParaPr>
+                    <m:oMath xmlns:m="http://schemas.openxmlformats.org/officeDocument/2006/math">
+                      <m:acc>
+                        <m:accPr>
+                          <m:chr m:val="̅"/>
+                          <m:ctrlPr>
+                            <a:rPr lang="en-AU" sz="2400" b="0" i="1" smtClean="0">
+                              <a:latin typeface="Cambria Math" panose="02040503050406030204" pitchFamily="18" charset="0"/>
+                            </a:rPr>
+                          </m:ctrlPr>
+                        </m:accPr>
+                        <m:e>
+                          <m:sSub>
+                            <m:sSubPr>
+                              <m:ctrlPr>
+                                <a:rPr lang="en-AU" sz="2400" b="0" i="1" smtClean="0">
+                                  <a:latin typeface="Cambria Math" panose="02040503050406030204" pitchFamily="18" charset="0"/>
+                                </a:rPr>
+                              </m:ctrlPr>
+                            </m:sSubPr>
+                            <m:e>
+                              <m:r>
+                                <a:rPr lang="en-AU" sz="2400" b="0" i="1" smtClean="0">
+                                  <a:latin typeface="Cambria Math" panose="02040503050406030204" pitchFamily="18" charset="0"/>
+                                </a:rPr>
+                                <m:t>𝛾</m:t>
+                              </m:r>
+                            </m:e>
+                            <m:sub>
+                              <m:r>
+                                <a:rPr lang="en-AU" sz="2400" b="0" i="1" smtClean="0">
+                                  <a:latin typeface="Cambria Math" panose="02040503050406030204" pitchFamily="18" charset="0"/>
+                                </a:rPr>
+                                <m:t>𝑖</m:t>
+                              </m:r>
+                              <m:r>
+                                <a:rPr lang="en-AU" sz="2400" b="0" i="1" smtClean="0">
+                                  <a:latin typeface="Cambria Math" panose="02040503050406030204" pitchFamily="18" charset="0"/>
+                                </a:rPr>
+                                <m:t>,</m:t>
+                              </m:r>
+                              <m:r>
+                                <a:rPr lang="en-AU" sz="2400" b="0" i="1" smtClean="0">
+                                  <a:latin typeface="Cambria Math" panose="02040503050406030204" pitchFamily="18" charset="0"/>
+                                </a:rPr>
+                                <m:t>𝐻</m:t>
+                              </m:r>
+                            </m:sub>
+                          </m:sSub>
+                        </m:e>
+                      </m:acc>
+                      <m:r>
+                        <a:rPr lang="en-AU" sz="2400" b="0" i="1" smtClean="0">
+                          <a:latin typeface="Cambria Math" panose="02040503050406030204" pitchFamily="18" charset="0"/>
+                        </a:rPr>
+                        <m:t> , </m:t>
+                      </m:r>
+                      <m:acc>
+                        <m:accPr>
+                          <m:chr m:val="̂"/>
+                          <m:ctrlPr>
+                            <a:rPr lang="en-AU" sz="2400" b="0" i="1" smtClean="0">
+                              <a:latin typeface="Cambria Math" panose="02040503050406030204" pitchFamily="18" charset="0"/>
+                            </a:rPr>
+                          </m:ctrlPr>
+                        </m:accPr>
+                        <m:e>
+                          <m:sSub>
+                            <m:sSubPr>
+                              <m:ctrlPr>
+                                <a:rPr lang="en-AU" sz="2400" b="0" i="1" smtClean="0">
+                                  <a:latin typeface="Cambria Math" panose="02040503050406030204" pitchFamily="18" charset="0"/>
+                                </a:rPr>
+                              </m:ctrlPr>
+                            </m:sSubPr>
+                            <m:e>
+                              <m:r>
+                                <a:rPr lang="en-AU" sz="2400" b="0" i="1" smtClean="0">
+                                  <a:latin typeface="Cambria Math" panose="02040503050406030204" pitchFamily="18" charset="0"/>
+                                </a:rPr>
+                                <m:t>𝛾</m:t>
+                              </m:r>
+                            </m:e>
+                            <m:sub>
+                              <m:r>
+                                <a:rPr lang="en-AU" sz="2400" b="0" i="1" smtClean="0">
+                                  <a:latin typeface="Cambria Math" panose="02040503050406030204" pitchFamily="18" charset="0"/>
+                                </a:rPr>
+                                <m:t>𝑖h</m:t>
+                              </m:r>
+                            </m:sub>
+                          </m:sSub>
+                        </m:e>
+                      </m:acc>
+                      <m:r>
+                        <a:rPr lang="en-AU" sz="2400" b="0" i="1" smtClean="0">
+                          <a:latin typeface="Cambria Math" panose="02040503050406030204" pitchFamily="18" charset="0"/>
+                        </a:rPr>
+                        <m:t> </m:t>
+                      </m:r>
+                    </m:oMath>
+                  </m:oMathPara>
+                </a14:m>
+                <a:endParaRPr lang="en-US" sz="2400" dirty="0"/>
+              </a:p>
+            </p:txBody>
+          </p:sp>
+        </mc:Choice>
+        <mc:Fallback xmlns="">
+          <p:sp>
+            <p:nvSpPr>
+              <p:cNvPr id="70" name="TextBox 69">
+                <a:extLst>
+                  <a:ext uri="{FF2B5EF4-FFF2-40B4-BE49-F238E27FC236}">
+                    <a16:creationId xmlns:a16="http://schemas.microsoft.com/office/drawing/2014/main" id="{D7BAC0F4-4B6B-F8AD-9111-2C4602C87CC1}"/>
+                  </a:ext>
+                </a:extLst>
+              </p:cNvPr>
+              <p:cNvSpPr txBox="1">
+                <a:spLocks noRot="1" noChangeAspect="1" noMove="1" noResize="1" noEditPoints="1" noAdjustHandles="1" noChangeArrowheads="1" noChangeShapeType="1" noTextEdit="1"/>
+              </p:cNvSpPr>
+              <p:nvPr/>
+            </p:nvSpPr>
+            <p:spPr>
+              <a:xfrm>
+                <a:off x="8351804" y="4933360"/>
+                <a:ext cx="1015203" cy="477888"/>
+              </a:xfrm>
+              <a:prstGeom prst="rect">
+                <a:avLst/>
+              </a:prstGeom>
+              <a:blipFill>
+                <a:blip r:embed="rId11"/>
+                <a:stretch>
+                  <a:fillRect l="-1235" t="-2564" r="-32099" b="-15385"/>
+                </a:stretch>
+              </a:blipFill>
+            </p:spPr>
+            <p:txBody>
+              <a:bodyPr/>
+              <a:lstStyle/>
+              <a:p>
+                <a:r>
+                  <a:rPr lang="en-US">
+                    <a:noFill/>
+                  </a:rPr>
+                  <a:t> </a:t>
+                </a:r>
+              </a:p>
+            </p:txBody>
+          </p:sp>
+        </mc:Fallback>
+      </mc:AlternateContent>
       <p:pic>
         <p:nvPicPr>
-          <p:cNvPr id="192" name="Graphic 191" descr="Bee outline">
-            <a:extLst>
-              <a:ext uri="{FF2B5EF4-FFF2-40B4-BE49-F238E27FC236}">
-                <a16:creationId xmlns:a16="http://schemas.microsoft.com/office/drawing/2014/main" id="{8DA4DFE0-BFC5-BA37-DFA9-5CE39154E285}"/>
+          <p:cNvPr id="76" name="Picture 75" descr="A yellow flower with green leaves&#10;&#10;Description automatically generated">
+            <a:extLst>
+              <a:ext uri="{FF2B5EF4-FFF2-40B4-BE49-F238E27FC236}">
+                <a16:creationId xmlns:a16="http://schemas.microsoft.com/office/drawing/2014/main" id="{D2D74835-19C7-5DC9-6CF6-316001A05482}"/>
               </a:ext>
             </a:extLst>
           </p:cNvPr>
@@ -5372,22 +5785,15 @@
           </p:cNvPicPr>
           <p:nvPr/>
         </p:nvPicPr>
-        <p:blipFill>
-          <a:blip r:embed="rId9">
-            <a:extLst>
-              <a:ext uri="{96DAC541-7B7A-43D3-8B79-37D633B846F1}">
-                <asvg:svgBlip xmlns:asvg="http://schemas.microsoft.com/office/drawing/2016/SVG/main" r:embed="rId10"/>
-              </a:ext>
-            </a:extLst>
-          </a:blip>
-          <a:stretch>
-            <a:fillRect/>
-          </a:stretch>
+        <p:blipFill rotWithShape="1">
+          <a:blip r:embed="rId6"/>
+          <a:srcRect l="21433" t="2" r="42322" b="71760"/>
+          <a:stretch/>
         </p:blipFill>
         <p:spPr>
           <a:xfrm>
-            <a:off x="8282758" y="3225954"/>
-            <a:ext cx="585675" cy="585675"/>
+            <a:off x="9665125" y="2826802"/>
+            <a:ext cx="612145" cy="622800"/>
           </a:xfrm>
           <a:prstGeom prst="rect">
             <a:avLst/>
@@ -5396,10 +5802,10 @@
       </p:pic>
       <p:pic>
         <p:nvPicPr>
-          <p:cNvPr id="199" name="Picture 198" descr="A yellow flower with green leaves&#10;&#10;Description automatically generated">
-            <a:extLst>
-              <a:ext uri="{FF2B5EF4-FFF2-40B4-BE49-F238E27FC236}">
-                <a16:creationId xmlns:a16="http://schemas.microsoft.com/office/drawing/2014/main" id="{C0E6C2D4-BADF-D419-447B-296302984AED}"/>
+          <p:cNvPr id="77" name="Picture 76" descr="A close up of a bee&#10;&#10;Description automatically generated">
+            <a:extLst>
+              <a:ext uri="{FF2B5EF4-FFF2-40B4-BE49-F238E27FC236}">
+                <a16:creationId xmlns:a16="http://schemas.microsoft.com/office/drawing/2014/main" id="{162766EE-C537-AE66-D160-69785164DC8E}"/>
               </a:ext>
             </a:extLst>
           </p:cNvPr>
@@ -5409,42 +5815,13 @@
           <p:nvPr/>
         </p:nvPicPr>
         <p:blipFill rotWithShape="1">
-          <a:blip r:embed="rId5"/>
-          <a:srcRect l="21433" t="2" r="42322" b="71760"/>
-          <a:stretch/>
-        </p:blipFill>
-        <p:spPr>
-          <a:xfrm>
-            <a:off x="8368633" y="3916969"/>
-            <a:ext cx="610286" cy="620909"/>
-          </a:xfrm>
-          <a:prstGeom prst="rect">
-            <a:avLst/>
-          </a:prstGeom>
-        </p:spPr>
-      </p:pic>
-      <p:pic>
-        <p:nvPicPr>
-          <p:cNvPr id="203" name="Picture 202" descr="A close up of a bee&#10;&#10;Description automatically generated">
-            <a:extLst>
-              <a:ext uri="{FF2B5EF4-FFF2-40B4-BE49-F238E27FC236}">
-                <a16:creationId xmlns:a16="http://schemas.microsoft.com/office/drawing/2014/main" id="{BD229309-D8B3-DA96-DC7A-BF15165104E7}"/>
-              </a:ext>
-            </a:extLst>
-          </p:cNvPr>
-          <p:cNvPicPr>
-            <a:picLocks noChangeAspect="1"/>
-          </p:cNvPicPr>
-          <p:nvPr/>
-        </p:nvPicPr>
-        <p:blipFill rotWithShape="1">
-          <a:blip r:embed="rId11"/>
+          <a:blip r:embed="rId12"/>
           <a:srcRect l="15648" t="5920"/>
           <a:stretch/>
         </p:blipFill>
         <p:spPr>
           <a:xfrm rot="19007941">
-            <a:off x="9158225" y="3875031"/>
+            <a:off x="10454717" y="2784865"/>
             <a:ext cx="478181" cy="480618"/>
           </a:xfrm>
           <a:prstGeom prst="rect">
@@ -5454,10 +5831,10 @@
       </p:pic>
       <p:sp>
         <p:nvSpPr>
-          <p:cNvPr id="206" name="Freeform 205">
-            <a:extLst>
-              <a:ext uri="{FF2B5EF4-FFF2-40B4-BE49-F238E27FC236}">
-                <a16:creationId xmlns:a16="http://schemas.microsoft.com/office/drawing/2014/main" id="{5795B63E-81F1-946D-1017-DA620C097895}"/>
+          <p:cNvPr id="78" name="Freeform 77">
+            <a:extLst>
+              <a:ext uri="{FF2B5EF4-FFF2-40B4-BE49-F238E27FC236}">
+                <a16:creationId xmlns:a16="http://schemas.microsoft.com/office/drawing/2014/main" id="{F6592990-91A5-DC2C-E3B8-FE9750A7704F}"/>
               </a:ext>
             </a:extLst>
           </p:cNvPr>
@@ -5466,7 +5843,7 @@
         </p:nvSpPr>
         <p:spPr>
           <a:xfrm>
-            <a:off x="8605506" y="3681313"/>
+            <a:off x="9980022" y="2630192"/>
             <a:ext cx="852819" cy="490637"/>
           </a:xfrm>
           <a:custGeom>
@@ -5622,10 +5999,10 @@
       </p:sp>
       <p:pic>
         <p:nvPicPr>
-          <p:cNvPr id="209" name="Picture 208" descr="A yellow flower with green leaves&#10;&#10;Description automatically generated">
-            <a:extLst>
-              <a:ext uri="{FF2B5EF4-FFF2-40B4-BE49-F238E27FC236}">
-                <a16:creationId xmlns:a16="http://schemas.microsoft.com/office/drawing/2014/main" id="{B5EB0D56-7C77-C21E-E1F4-A53DCE6BECEE}"/>
+          <p:cNvPr id="79" name="Picture 78" descr="A yellow flower with green leaves&#10;&#10;Description automatically generated">
+            <a:extLst>
+              <a:ext uri="{FF2B5EF4-FFF2-40B4-BE49-F238E27FC236}">
+                <a16:creationId xmlns:a16="http://schemas.microsoft.com/office/drawing/2014/main" id="{0500C868-1AFA-A788-675F-A9D5F37D0F68}"/>
               </a:ext>
             </a:extLst>
           </p:cNvPr>
@@ -5635,26 +6012,101 @@
           <p:nvPr/>
         </p:nvPicPr>
         <p:blipFill rotWithShape="1">
-          <a:blip r:embed="rId5"/>
-          <a:srcRect l="21433" t="2" r="42322" b="71760"/>
+          <a:blip r:embed="rId6"/>
+          <a:srcRect l="-4266" t="67628" r="-1" b="-1"/>
           <a:stretch/>
         </p:blipFill>
         <p:spPr>
           <a:xfrm>
-            <a:off x="7551638" y="3298110"/>
-            <a:ext cx="610286" cy="620909"/>
+            <a:off x="9614316" y="4891441"/>
+            <a:ext cx="1405591" cy="569897"/>
           </a:xfrm>
           <a:prstGeom prst="rect">
             <a:avLst/>
           </a:prstGeom>
         </p:spPr>
       </p:pic>
-      <p:sp>
-        <p:nvSpPr>
-          <p:cNvPr id="210" name="Freeform 209">
-            <a:extLst>
-              <a:ext uri="{FF2B5EF4-FFF2-40B4-BE49-F238E27FC236}">
-                <a16:creationId xmlns:a16="http://schemas.microsoft.com/office/drawing/2014/main" id="{B9ACC1A9-DE10-3318-2BDF-E1DF6242641D}"/>
+      <p:pic>
+        <p:nvPicPr>
+          <p:cNvPr id="80" name="Picture 79" descr="A yellow caterpillar with red dots&#10;&#10;Description automatically generated">
+            <a:extLst>
+              <a:ext uri="{FF2B5EF4-FFF2-40B4-BE49-F238E27FC236}">
+                <a16:creationId xmlns:a16="http://schemas.microsoft.com/office/drawing/2014/main" id="{5ED095F9-6249-C401-BBD9-549F44B2DA67}"/>
+              </a:ext>
+            </a:extLst>
+          </p:cNvPr>
+          <p:cNvPicPr>
+            <a:picLocks noChangeAspect="1"/>
+          </p:cNvPicPr>
+          <p:nvPr/>
+        </p:nvPicPr>
+        <p:blipFill>
+          <a:blip r:embed="rId13">
+            <a:extLst>
+              <a:ext uri="{BEBA8EAE-BF5A-486C-A8C5-ECC9F3942E4B}">
+                <a14:imgProps xmlns:a14="http://schemas.microsoft.com/office/drawing/2010/main">
+                  <a14:imgLayer r:embed="rId14">
+                    <a14:imgEffect>
+                      <a14:backgroundRemoval t="10000" b="90000" l="10000" r="90000"/>
+                    </a14:imgEffect>
+                  </a14:imgLayer>
+                </a14:imgProps>
+              </a:ext>
+            </a:extLst>
+          </a:blip>
+          <a:stretch>
+            <a:fillRect/>
+          </a:stretch>
+        </p:blipFill>
+        <p:spPr>
+          <a:xfrm rot="2255016">
+            <a:off x="10324666" y="4920912"/>
+            <a:ext cx="907411" cy="423987"/>
+          </a:xfrm>
+          <a:prstGeom prst="rect">
+            <a:avLst/>
+          </a:prstGeom>
+        </p:spPr>
+      </p:pic>
+      <p:pic>
+        <p:nvPicPr>
+          <p:cNvPr id="81" name="Picture 80" descr="A group of pink flowers&#10;&#10;Description automatically generated with medium confidence">
+            <a:extLst>
+              <a:ext uri="{FF2B5EF4-FFF2-40B4-BE49-F238E27FC236}">
+                <a16:creationId xmlns:a16="http://schemas.microsoft.com/office/drawing/2014/main" id="{9E15F0E4-A0CE-6D0F-C59F-EBB4F53558E7}"/>
+              </a:ext>
+            </a:extLst>
+          </p:cNvPr>
+          <p:cNvPicPr>
+            <a:picLocks noChangeAspect="1"/>
+          </p:cNvPicPr>
+          <p:nvPr/>
+        </p:nvPicPr>
+        <p:blipFill>
+          <a:blip r:embed="rId15"/>
+          <a:stretch>
+            <a:fillRect/>
+          </a:stretch>
+        </p:blipFill>
+        <p:spPr>
+          <a:xfrm>
+            <a:off x="10595130" y="3681503"/>
+            <a:ext cx="384261" cy="580189"/>
+          </a:xfrm>
+          <a:prstGeom prst="rect">
+            <a:avLst/>
+          </a:prstGeom>
+          <a:solidFill>
+            <a:schemeClr val="bg1"/>
+          </a:solidFill>
+        </p:spPr>
+      </p:pic>
+      <p:sp>
+        <p:nvSpPr>
+          <p:cNvPr id="82" name="Oval 81">
+            <a:extLst>
+              <a:ext uri="{FF2B5EF4-FFF2-40B4-BE49-F238E27FC236}">
+                <a16:creationId xmlns:a16="http://schemas.microsoft.com/office/drawing/2014/main" id="{60872CA6-D726-2165-DE9B-9CC1A0985373}"/>
               </a:ext>
             </a:extLst>
           </p:cNvPr>
@@ -5663,133 +6115,17 @@
         </p:nvSpPr>
         <p:spPr>
           <a:xfrm>
-            <a:off x="7788511" y="3062454"/>
-            <a:ext cx="852819" cy="490637"/>
+            <a:off x="10565082" y="3858375"/>
+            <a:ext cx="1299563" cy="620909"/>
           </a:xfrm>
-          <a:custGeom>
+          <a:prstGeom prst="ellipse">
             <a:avLst/>
-            <a:gdLst>
-              <a:gd name="connsiteX0" fmla="*/ 581357 w 852819"/>
-              <a:gd name="connsiteY0" fmla="*/ 490637 h 490637"/>
-              <a:gd name="connsiteX1" fmla="*/ 352757 w 852819"/>
-              <a:gd name="connsiteY1" fmla="*/ 304900 h 490637"/>
-              <a:gd name="connsiteX2" fmla="*/ 224169 w 852819"/>
-              <a:gd name="connsiteY2" fmla="*/ 290612 h 490637"/>
-              <a:gd name="connsiteX3" fmla="*/ 309894 w 852819"/>
-              <a:gd name="connsiteY3" fmla="*/ 404912 h 490637"/>
-              <a:gd name="connsiteX4" fmla="*/ 438482 w 852819"/>
-              <a:gd name="connsiteY4" fmla="*/ 190600 h 490637"/>
-              <a:gd name="connsiteX5" fmla="*/ 238457 w 852819"/>
-              <a:gd name="connsiteY5" fmla="*/ 90587 h 490637"/>
-              <a:gd name="connsiteX6" fmla="*/ 9857 w 852819"/>
-              <a:gd name="connsiteY6" fmla="*/ 219175 h 490637"/>
-              <a:gd name="connsiteX7" fmla="*/ 38432 w 852819"/>
-              <a:gd name="connsiteY7" fmla="*/ 333475 h 490637"/>
-              <a:gd name="connsiteX8" fmla="*/ 124157 w 852819"/>
-              <a:gd name="connsiteY8" fmla="*/ 262037 h 490637"/>
-              <a:gd name="connsiteX9" fmla="*/ 267032 w 852819"/>
-              <a:gd name="connsiteY9" fmla="*/ 19150 h 490637"/>
-              <a:gd name="connsiteX10" fmla="*/ 852819 w 852819"/>
-              <a:gd name="connsiteY10" fmla="*/ 33437 h 490637"/>
-            </a:gdLst>
-            <a:ahLst/>
-            <a:cxnLst>
-              <a:cxn ang="0">
-                <a:pos x="connsiteX0" y="connsiteY0"/>
-              </a:cxn>
-              <a:cxn ang="0">
-                <a:pos x="connsiteX1" y="connsiteY1"/>
-              </a:cxn>
-              <a:cxn ang="0">
-                <a:pos x="connsiteX2" y="connsiteY2"/>
-              </a:cxn>
-              <a:cxn ang="0">
-                <a:pos x="connsiteX3" y="connsiteY3"/>
-              </a:cxn>
-              <a:cxn ang="0">
-                <a:pos x="connsiteX4" y="connsiteY4"/>
-              </a:cxn>
-              <a:cxn ang="0">
-                <a:pos x="connsiteX5" y="connsiteY5"/>
-              </a:cxn>
-              <a:cxn ang="0">
-                <a:pos x="connsiteX6" y="connsiteY6"/>
-              </a:cxn>
-              <a:cxn ang="0">
-                <a:pos x="connsiteX7" y="connsiteY7"/>
-              </a:cxn>
-              <a:cxn ang="0">
-                <a:pos x="connsiteX8" y="connsiteY8"/>
-              </a:cxn>
-              <a:cxn ang="0">
-                <a:pos x="connsiteX9" y="connsiteY9"/>
-              </a:cxn>
-              <a:cxn ang="0">
-                <a:pos x="connsiteX10" y="connsiteY10"/>
-              </a:cxn>
-            </a:cxnLst>
-            <a:rect l="l" t="t" r="r" b="b"/>
-            <a:pathLst>
-              <a:path w="852819" h="490637">
-                <a:moveTo>
-                  <a:pt x="581357" y="490637"/>
-                </a:moveTo>
-                <a:cubicBezTo>
-                  <a:pt x="496822" y="414437"/>
-                  <a:pt x="412288" y="338237"/>
-                  <a:pt x="352757" y="304900"/>
-                </a:cubicBezTo>
-                <a:cubicBezTo>
-                  <a:pt x="293226" y="271563"/>
-                  <a:pt x="231313" y="273943"/>
-                  <a:pt x="224169" y="290612"/>
-                </a:cubicBezTo>
-                <a:cubicBezTo>
-                  <a:pt x="217025" y="307281"/>
-                  <a:pt x="274175" y="421581"/>
-                  <a:pt x="309894" y="404912"/>
-                </a:cubicBezTo>
-                <a:cubicBezTo>
-                  <a:pt x="345613" y="388243"/>
-                  <a:pt x="450388" y="242987"/>
-                  <a:pt x="438482" y="190600"/>
-                </a:cubicBezTo>
-                <a:cubicBezTo>
-                  <a:pt x="426576" y="138213"/>
-                  <a:pt x="309894" y="85824"/>
-                  <a:pt x="238457" y="90587"/>
-                </a:cubicBezTo>
-                <a:cubicBezTo>
-                  <a:pt x="167019" y="95349"/>
-                  <a:pt x="43194" y="178694"/>
-                  <a:pt x="9857" y="219175"/>
-                </a:cubicBezTo>
-                <a:cubicBezTo>
-                  <a:pt x="-23481" y="259656"/>
-                  <a:pt x="38432" y="333475"/>
-                  <a:pt x="38432" y="333475"/>
-                </a:cubicBezTo>
-                <a:cubicBezTo>
-                  <a:pt x="57482" y="340619"/>
-                  <a:pt x="86057" y="314424"/>
-                  <a:pt x="124157" y="262037"/>
-                </a:cubicBezTo>
-                <a:cubicBezTo>
-                  <a:pt x="162257" y="209650"/>
-                  <a:pt x="145588" y="57250"/>
-                  <a:pt x="267032" y="19150"/>
-                </a:cubicBezTo>
-                <a:cubicBezTo>
-                  <a:pt x="388476" y="-18950"/>
-                  <a:pt x="620647" y="7243"/>
-                  <a:pt x="852819" y="33437"/>
-                </a:cubicBezTo>
-              </a:path>
-            </a:pathLst>
-          </a:custGeom>
+          </a:prstGeom>
           <a:noFill/>
-          <a:ln>
-            <a:tailEnd type="triangle"/>
+          <a:ln w="15875">
+            <a:solidFill>
+              <a:schemeClr val="tx1"/>
+            </a:solidFill>
           </a:ln>
         </p:spPr>
         <p:style>
@@ -5819,10 +6155,10 @@
       </p:sp>
       <p:pic>
         <p:nvPicPr>
-          <p:cNvPr id="223" name="Graphic 222" descr="Ladybug with solid fill">
-            <a:extLst>
-              <a:ext uri="{FF2B5EF4-FFF2-40B4-BE49-F238E27FC236}">
-                <a16:creationId xmlns:a16="http://schemas.microsoft.com/office/drawing/2014/main" id="{FD3F00C2-BE3A-A714-279E-6304C5C760FA}"/>
+          <p:cNvPr id="83" name="Picture 82" descr="A yellow flowers on a black background&#10;&#10;Description automatically generated">
+            <a:extLst>
+              <a:ext uri="{FF2B5EF4-FFF2-40B4-BE49-F238E27FC236}">
+                <a16:creationId xmlns:a16="http://schemas.microsoft.com/office/drawing/2014/main" id="{CDBDE8ED-552A-9B62-6219-88FBB11CF626}"/>
               </a:ext>
             </a:extLst>
           </p:cNvPr>
@@ -5832,21 +6168,15 @@
           <p:nvPr/>
         </p:nvPicPr>
         <p:blipFill>
-          <a:blip r:embed="rId12">
-            <a:extLst>
-              <a:ext uri="{96DAC541-7B7A-43D3-8B79-37D633B846F1}">
-                <asvg:svgBlip xmlns:asvg="http://schemas.microsoft.com/office/drawing/2016/SVG/main" r:embed="rId13"/>
-              </a:ext>
-            </a:extLst>
-          </a:blip>
+          <a:blip r:embed="rId16"/>
           <a:stretch>
             <a:fillRect/>
           </a:stretch>
         </p:blipFill>
         <p:spPr>
-          <a:xfrm rot="19009770">
-            <a:off x="7815574" y="4693529"/>
-            <a:ext cx="465306" cy="465306"/>
+          <a:xfrm>
+            <a:off x="11281805" y="3633629"/>
+            <a:ext cx="547220" cy="754276"/>
           </a:xfrm>
           <a:prstGeom prst="rect">
             <a:avLst/>
@@ -5855,10 +6185,10 @@
       </p:pic>
       <p:pic>
         <p:nvPicPr>
-          <p:cNvPr id="225" name="Graphic 224" descr="Beetle with solid fill">
-            <a:extLst>
-              <a:ext uri="{FF2B5EF4-FFF2-40B4-BE49-F238E27FC236}">
-                <a16:creationId xmlns:a16="http://schemas.microsoft.com/office/drawing/2014/main" id="{8B6E42B1-B8EA-CCBE-4B25-82E115912E68}"/>
+          <p:cNvPr id="84" name="Picture 83" descr="A yellow flower with green leaves&#10;&#10;Description automatically generated">
+            <a:extLst>
+              <a:ext uri="{FF2B5EF4-FFF2-40B4-BE49-F238E27FC236}">
+                <a16:creationId xmlns:a16="http://schemas.microsoft.com/office/drawing/2014/main" id="{3847D5FA-BC98-653B-2867-6CE910EAEDC1}"/>
               </a:ext>
             </a:extLst>
           </p:cNvPr>
@@ -5868,21 +6198,15 @@
           <p:nvPr/>
         </p:nvPicPr>
         <p:blipFill>
-          <a:blip r:embed="rId14">
-            <a:extLst>
-              <a:ext uri="{96DAC541-7B7A-43D3-8B79-37D633B846F1}">
-                <asvg:svgBlip xmlns:asvg="http://schemas.microsoft.com/office/drawing/2016/SVG/main" r:embed="rId15"/>
-              </a:ext>
-            </a:extLst>
-          </a:blip>
+          <a:blip r:embed="rId6"/>
           <a:stretch>
             <a:fillRect/>
           </a:stretch>
         </p:blipFill>
         <p:spPr>
-          <a:xfrm rot="2310277">
-            <a:off x="8349682" y="4719842"/>
-            <a:ext cx="445043" cy="445043"/>
+          <a:xfrm>
+            <a:off x="10822684" y="3291723"/>
+            <a:ext cx="695647" cy="908434"/>
           </a:xfrm>
           <a:prstGeom prst="rect">
             <a:avLst/>
@@ -5891,10 +6215,10 @@
       </p:pic>
       <p:pic>
         <p:nvPicPr>
-          <p:cNvPr id="226" name="Picture 225" descr="A yellow flower with green leaves&#10;&#10;Description automatically generated">
-            <a:extLst>
-              <a:ext uri="{FF2B5EF4-FFF2-40B4-BE49-F238E27FC236}">
-                <a16:creationId xmlns:a16="http://schemas.microsoft.com/office/drawing/2014/main" id="{4A68C3F2-0C49-13FD-1FF6-B341BCF89F40}"/>
+          <p:cNvPr id="85" name="Picture 84" descr="A picture containing flower, plant&#10;&#10;Description automatically generated">
+            <a:extLst>
+              <a:ext uri="{FF2B5EF4-FFF2-40B4-BE49-F238E27FC236}">
+                <a16:creationId xmlns:a16="http://schemas.microsoft.com/office/drawing/2014/main" id="{243B5D6C-7E6A-A866-137B-9A47AEF9A14D}"/>
               </a:ext>
             </a:extLst>
           </p:cNvPr>
@@ -5903,56 +6227,429 @@
           </p:cNvPicPr>
           <p:nvPr/>
         </p:nvPicPr>
-        <p:blipFill rotWithShape="1">
-          <a:blip r:embed="rId5"/>
-          <a:srcRect l="-4266" t="67628" r="-1" b="-1"/>
-          <a:stretch/>
+        <p:blipFill>
+          <a:blip r:embed="rId17"/>
+          <a:stretch>
+            <a:fillRect/>
+          </a:stretch>
         </p:blipFill>
         <p:spPr>
           <a:xfrm>
-            <a:off x="8127055" y="5255036"/>
-            <a:ext cx="1405591" cy="569897"/>
+            <a:off x="10785600" y="3789358"/>
+            <a:ext cx="533458" cy="620908"/>
           </a:xfrm>
           <a:prstGeom prst="rect">
             <a:avLst/>
           </a:prstGeom>
         </p:spPr>
       </p:pic>
-      <p:pic>
-        <p:nvPicPr>
-          <p:cNvPr id="232" name="Picture 231" descr="A close up of a bee&#10;&#10;Description automatically generated">
-            <a:extLst>
-              <a:ext uri="{FF2B5EF4-FFF2-40B4-BE49-F238E27FC236}">
-                <a16:creationId xmlns:a16="http://schemas.microsoft.com/office/drawing/2014/main" id="{398178C7-AB5E-31D4-FFA6-5ED0427F59E3}"/>
-              </a:ext>
-            </a:extLst>
-          </p:cNvPr>
-          <p:cNvPicPr>
-            <a:picLocks noChangeAspect="1"/>
-          </p:cNvPicPr>
+      <mc:AlternateContent xmlns:mc="http://schemas.openxmlformats.org/markup-compatibility/2006" xmlns:a14="http://schemas.microsoft.com/office/drawing/2010/main">
+        <mc:Choice Requires="a14">
+          <p:sp>
+            <p:nvSpPr>
+              <p:cNvPr id="98" name="TextBox 97">
+                <a:extLst>
+                  <a:ext uri="{FF2B5EF4-FFF2-40B4-BE49-F238E27FC236}">
+                    <a16:creationId xmlns:a16="http://schemas.microsoft.com/office/drawing/2014/main" id="{F90407AC-DECB-9E85-6787-EA02455E5219}"/>
+                  </a:ext>
+                </a:extLst>
+              </p:cNvPr>
+              <p:cNvSpPr txBox="1"/>
+              <p:nvPr/>
+            </p:nvSpPr>
+            <p:spPr>
+              <a:xfrm>
+                <a:off x="47741" y="4356396"/>
+                <a:ext cx="8352735" cy="2491901"/>
+              </a:xfrm>
+              <a:prstGeom prst="rect">
+                <a:avLst/>
+              </a:prstGeom>
+              <a:noFill/>
+            </p:spPr>
+            <p:txBody>
+              <a:bodyPr wrap="square" rtlCol="0">
+                <a:spAutoFit/>
+              </a:bodyPr>
+              <a:lstStyle/>
+              <a:p>
+                <a14:m>
+                  <m:oMath xmlns:m="http://schemas.openxmlformats.org/officeDocument/2006/math">
+                    <m:r>
+                      <a:rPr lang="en-AU" sz="2000" b="0" i="1" smtClean="0">
+                        <a:latin typeface="Cambria Math" panose="02040503050406030204" pitchFamily="18" charset="0"/>
+                      </a:rPr>
+                      <m:t>𝑖</m:t>
+                    </m:r>
+                    <m:r>
+                      <a:rPr lang="en-AU" sz="2000" b="0" i="1" smtClean="0">
+                        <a:latin typeface="Cambria Math" panose="02040503050406030204" pitchFamily="18" charset="0"/>
+                      </a:rPr>
+                      <m:t>, </m:t>
+                    </m:r>
+                    <m:r>
+                      <a:rPr lang="en-AU" sz="2000" b="0" i="1" smtClean="0">
+                        <a:latin typeface="Cambria Math" panose="02040503050406030204" pitchFamily="18" charset="0"/>
+                      </a:rPr>
+                      <m:t>𝑗</m:t>
+                    </m:r>
+                    <m:r>
+                      <a:rPr lang="en-AU" sz="2000" b="0" i="1" smtClean="0">
+                        <a:latin typeface="Cambria Math" panose="02040503050406030204" pitchFamily="18" charset="0"/>
+                      </a:rPr>
+                      <m:t>, </m:t>
+                    </m:r>
+                    <m:r>
+                      <a:rPr lang="en-AU" sz="2000" b="0" i="1" smtClean="0">
+                        <a:latin typeface="Cambria Math" panose="02040503050406030204" pitchFamily="18" charset="0"/>
+                      </a:rPr>
+                      <m:t>𝑘</m:t>
+                    </m:r>
+                  </m:oMath>
+                </a14:m>
+                <a:r>
+                  <a:rPr lang="en-AU" sz="2000" i="1" dirty="0">
+                    <a:latin typeface="Cambria Math" panose="02040503050406030204" pitchFamily="18" charset="0"/>
+                  </a:rPr>
+                  <a:t> </a:t>
+                </a:r>
+                <a:r>
+                  <a:rPr lang="en-AU" dirty="0">
+                    <a:latin typeface="Cambria Math" panose="02040503050406030204" pitchFamily="18" charset="0"/>
+                  </a:rPr>
+                  <a:t>= plant species, </a:t>
+                </a:r>
+                <a14:m>
+                  <m:oMath xmlns:m="http://schemas.openxmlformats.org/officeDocument/2006/math">
+                    <m:r>
+                      <a:rPr lang="en-AU" i="1">
+                        <a:latin typeface="Cambria Math" panose="02040503050406030204" pitchFamily="18" charset="0"/>
+                      </a:rPr>
+                      <m:t>𝑖</m:t>
+                    </m:r>
+                    <m:r>
+                      <a:rPr lang="en-AU" i="1" smtClean="0">
+                        <a:latin typeface="Cambria Math" panose="02040503050406030204" pitchFamily="18" charset="0"/>
+                        <a:ea typeface="Cambria Math" panose="02040503050406030204" pitchFamily="18" charset="0"/>
+                      </a:rPr>
+                      <m:t>≠</m:t>
+                    </m:r>
+                    <m:r>
+                      <a:rPr lang="en-AU" i="1">
+                        <a:latin typeface="Cambria Math" panose="02040503050406030204" pitchFamily="18" charset="0"/>
+                      </a:rPr>
+                      <m:t>𝑗</m:t>
+                    </m:r>
+                    <m:r>
+                      <a:rPr lang="en-AU" i="1" smtClean="0">
+                        <a:latin typeface="Cambria Math" panose="02040503050406030204" pitchFamily="18" charset="0"/>
+                        <a:ea typeface="Cambria Math" panose="02040503050406030204" pitchFamily="18" charset="0"/>
+                      </a:rPr>
+                      <m:t>≠</m:t>
+                    </m:r>
+                    <m:r>
+                      <a:rPr lang="en-AU" i="1">
+                        <a:latin typeface="Cambria Math" panose="02040503050406030204" pitchFamily="18" charset="0"/>
+                      </a:rPr>
+                      <m:t>𝑘</m:t>
+                    </m:r>
+                  </m:oMath>
+                </a14:m>
+                <a:r>
+                  <a:rPr lang="en-AU" i="1" dirty="0">
+                    <a:latin typeface="Cambria Math" panose="02040503050406030204" pitchFamily="18" charset="0"/>
+                  </a:rPr>
+                  <a:t> </a:t>
+                </a:r>
+                <a:endParaRPr lang="en-AU" dirty="0">
+                  <a:latin typeface="Cambria Math" panose="02040503050406030204" pitchFamily="18" charset="0"/>
+                </a:endParaRPr>
+              </a:p>
+              <a:p>
+                <a14:m>
+                  <m:oMath xmlns:m="http://schemas.openxmlformats.org/officeDocument/2006/math">
+                    <m:r>
+                      <a:rPr lang="en-AU" sz="2000" b="0" i="1" smtClean="0">
+                        <a:latin typeface="Cambria Math" panose="02040503050406030204" pitchFamily="18" charset="0"/>
+                      </a:rPr>
+                      <m:t>𝑙</m:t>
+                    </m:r>
+                  </m:oMath>
+                </a14:m>
+                <a:r>
+                  <a:rPr lang="en-AU" dirty="0">
+                    <a:latin typeface="Cambria Math" panose="02040503050406030204" pitchFamily="18" charset="0"/>
+                  </a:rPr>
+                  <a:t>= one floral visitor species</a:t>
+                </a:r>
+              </a:p>
+              <a:p>
+                <a14:m>
+                  <m:oMath xmlns:m="http://schemas.openxmlformats.org/officeDocument/2006/math">
+                    <m:r>
+                      <a:rPr lang="en-AU" b="0" i="1" smtClean="0">
+                        <a:latin typeface="Cambria Math" panose="02040503050406030204" pitchFamily="18" charset="0"/>
+                      </a:rPr>
+                      <m:t>h</m:t>
+                    </m:r>
+                  </m:oMath>
+                </a14:m>
+                <a:r>
+                  <a:rPr lang="en-AU" dirty="0">
+                    <a:latin typeface="Cambria Math" panose="02040503050406030204" pitchFamily="18" charset="0"/>
+                  </a:rPr>
+                  <a:t>= one herbivore species</a:t>
+                </a:r>
+              </a:p>
+              <a:p>
+                <a14:m>
+                  <m:oMath xmlns:m="http://schemas.openxmlformats.org/officeDocument/2006/math">
+                    <m:r>
+                      <a:rPr lang="en-AU" sz="2000" b="0" i="1" smtClean="0">
+                        <a:latin typeface="Cambria Math" panose="02040503050406030204" pitchFamily="18" charset="0"/>
+                      </a:rPr>
+                      <m:t>𝛼</m:t>
+                    </m:r>
+                  </m:oMath>
+                </a14:m>
+                <a:r>
+                  <a:rPr lang="en-AU" b="0" i="1" dirty="0">
+                    <a:latin typeface="Cambria Math" panose="02040503050406030204" pitchFamily="18" charset="0"/>
+                  </a:rPr>
+                  <a:t> </a:t>
+                </a:r>
+                <a:r>
+                  <a:rPr lang="en-AU" dirty="0">
+                    <a:latin typeface="Cambria Math" panose="02040503050406030204" pitchFamily="18" charset="0"/>
+                  </a:rPr>
+                  <a:t>= one plant species effect on the focal </a:t>
+                </a:r>
+              </a:p>
+              <a:p>
+                <a14:m>
+                  <m:oMath xmlns:m="http://schemas.openxmlformats.org/officeDocument/2006/math">
+                    <m:r>
+                      <a:rPr lang="en-AU" sz="2000" b="0" i="1" smtClean="0">
+                        <a:latin typeface="Cambria Math" panose="02040503050406030204" pitchFamily="18" charset="0"/>
+                      </a:rPr>
+                      <m:t>𝛾</m:t>
+                    </m:r>
+                  </m:oMath>
+                </a14:m>
+                <a:r>
+                  <a:rPr lang="en-AU" b="0" i="1" dirty="0">
+                    <a:latin typeface="Cambria Math" panose="02040503050406030204" pitchFamily="18" charset="0"/>
+                  </a:rPr>
+                  <a:t> </a:t>
+                </a:r>
+                <a:r>
+                  <a:rPr lang="en-AU" dirty="0">
+                    <a:latin typeface="Cambria Math" panose="02040503050406030204" pitchFamily="18" charset="0"/>
+                  </a:rPr>
+                  <a:t>= one higher trophic level species effect on the focal </a:t>
+                </a:r>
+              </a:p>
+              <a:p>
+                <a14:m>
+                  <m:oMath xmlns:m="http://schemas.openxmlformats.org/officeDocument/2006/math">
+                    <m:r>
+                      <a:rPr lang="en-AU" sz="2000" b="0" i="1" smtClean="0">
+                        <a:latin typeface="Cambria Math" panose="02040503050406030204" pitchFamily="18" charset="0"/>
+                      </a:rPr>
+                      <m:t>𝛽</m:t>
+                    </m:r>
+                  </m:oMath>
+                </a14:m>
+                <a:r>
+                  <a:rPr lang="en-AU" b="0" i="1" dirty="0">
+                    <a:latin typeface="Cambria Math" panose="02040503050406030204" pitchFamily="18" charset="0"/>
+                  </a:rPr>
+                  <a:t> </a:t>
+                </a:r>
+                <a:r>
+                  <a:rPr lang="en-AU" dirty="0">
+                    <a:latin typeface="Cambria Math" panose="02040503050406030204" pitchFamily="18" charset="0"/>
+                  </a:rPr>
+                  <a:t>= one species (plant or HTL) effect on a pairwise plant interaction</a:t>
+                </a:r>
+                <a:endParaRPr lang="en-AU" b="0" i="1" dirty="0">
+                  <a:latin typeface="Cambria Math" panose="02040503050406030204" pitchFamily="18" charset="0"/>
+                </a:endParaRPr>
+              </a:p>
+              <a:p>
+                <a14:m>
+                  <m:oMath xmlns:m="http://schemas.openxmlformats.org/officeDocument/2006/math">
+                    <m:acc>
+                      <m:accPr>
+                        <m:chr m:val="̅"/>
+                        <m:ctrlPr>
+                          <a:rPr lang="en-AU" sz="2000" b="0" i="1" smtClean="0">
+                            <a:latin typeface="Cambria Math" panose="02040503050406030204" pitchFamily="18" charset="0"/>
+                          </a:rPr>
+                        </m:ctrlPr>
+                      </m:accPr>
+                      <m:e>
+                        <m:r>
+                          <a:rPr lang="en-AU" sz="2000" b="0" i="1" smtClean="0">
+                            <a:latin typeface="Cambria Math" panose="02040503050406030204" pitchFamily="18" charset="0"/>
+                          </a:rPr>
+                          <m:t>𝑝𝑎𝑟𝑎𝑚𝑒𝑡𝑒𝑟</m:t>
+                        </m:r>
+                      </m:e>
+                    </m:acc>
+                  </m:oMath>
+                </a14:m>
+                <a:r>
+                  <a:rPr lang="en-US" sz="2000" dirty="0"/>
+                  <a:t> </a:t>
+                </a:r>
+                <a:r>
+                  <a:rPr lang="en-US" dirty="0"/>
+                  <a:t>= generic effect of all </a:t>
+                </a:r>
+                <a:r>
+                  <a:rPr lang="en-US" dirty="0" err="1"/>
+                  <a:t>neighbours</a:t>
+                </a:r>
+                <a:r>
+                  <a:rPr lang="en-US" dirty="0"/>
+                  <a:t> of one guild on the focal species</a:t>
+                </a:r>
+              </a:p>
+              <a:p>
+                <a14:m>
+                  <m:oMath xmlns:m="http://schemas.openxmlformats.org/officeDocument/2006/math">
+                    <m:acc>
+                      <m:accPr>
+                        <m:chr m:val="̂"/>
+                        <m:ctrlPr>
+                          <a:rPr lang="en-US" sz="2000" i="1" smtClean="0">
+                            <a:latin typeface="Cambria Math" panose="02040503050406030204" pitchFamily="18" charset="0"/>
+                          </a:rPr>
+                        </m:ctrlPr>
+                      </m:accPr>
+                      <m:e>
+                        <m:r>
+                          <a:rPr lang="en-AU" sz="2000" b="0" i="1" smtClean="0">
+                            <a:latin typeface="Cambria Math" panose="02040503050406030204" pitchFamily="18" charset="0"/>
+                          </a:rPr>
+                          <m:t>𝑝𝑎𝑟𝑎𝑚𝑒𝑡𝑒𝑟</m:t>
+                        </m:r>
+                      </m:e>
+                    </m:acc>
+                  </m:oMath>
+                </a14:m>
+                <a:r>
+                  <a:rPr lang="en-US" dirty="0"/>
+                  <a:t>= species-specific effect of one species on the focal species</a:t>
+                </a:r>
+              </a:p>
+            </p:txBody>
+          </p:sp>
+        </mc:Choice>
+        <mc:Fallback xmlns="">
+          <p:sp>
+            <p:nvSpPr>
+              <p:cNvPr id="98" name="TextBox 97">
+                <a:extLst>
+                  <a:ext uri="{FF2B5EF4-FFF2-40B4-BE49-F238E27FC236}">
+                    <a16:creationId xmlns:a16="http://schemas.microsoft.com/office/drawing/2014/main" id="{F90407AC-DECB-9E85-6787-EA02455E5219}"/>
+                  </a:ext>
+                </a:extLst>
+              </p:cNvPr>
+              <p:cNvSpPr txBox="1">
+                <a:spLocks noRot="1" noChangeAspect="1" noMove="1" noResize="1" noEditPoints="1" noAdjustHandles="1" noChangeArrowheads="1" noChangeShapeType="1" noTextEdit="1"/>
+              </p:cNvSpPr>
+              <p:nvPr/>
+            </p:nvSpPr>
+            <p:spPr>
+              <a:xfrm>
+                <a:off x="47741" y="4356396"/>
+                <a:ext cx="8352735" cy="2491901"/>
+              </a:xfrm>
+              <a:prstGeom prst="rect">
+                <a:avLst/>
+              </a:prstGeom>
+              <a:blipFill>
+                <a:blip r:embed="rId18"/>
+                <a:stretch>
+                  <a:fillRect l="-303" t="-508" b="-2538"/>
+                </a:stretch>
+              </a:blipFill>
+            </p:spPr>
+            <p:txBody>
+              <a:bodyPr/>
+              <a:lstStyle/>
+              <a:p>
+                <a:r>
+                  <a:rPr lang="en-US">
+                    <a:noFill/>
+                  </a:rPr>
+                  <a:t> </a:t>
+                </a:r>
+              </a:p>
+            </p:txBody>
+          </p:sp>
+        </mc:Fallback>
+      </mc:AlternateContent>
+      <p:sp>
+        <p:nvSpPr>
+          <p:cNvPr id="106" name="Right Brace 105">
+            <a:extLst>
+              <a:ext uri="{FF2B5EF4-FFF2-40B4-BE49-F238E27FC236}">
+                <a16:creationId xmlns:a16="http://schemas.microsoft.com/office/drawing/2014/main" id="{C29823CD-B9C7-B87C-FD8A-C01B5FCA2380}"/>
+              </a:ext>
+            </a:extLst>
+          </p:cNvPr>
+          <p:cNvSpPr/>
           <p:nvPr/>
-        </p:nvPicPr>
-        <p:blipFill rotWithShape="1">
-          <a:blip r:embed="rId11"/>
-          <a:srcRect l="15648" t="5920"/>
-          <a:stretch/>
-        </p:blipFill>
+        </p:nvSpPr>
         <p:spPr>
-          <a:xfrm rot="19007941">
-            <a:off x="7723503" y="5758939"/>
-            <a:ext cx="478181" cy="480618"/>
+          <a:xfrm>
+            <a:off x="7805687" y="4052223"/>
+            <a:ext cx="254808" cy="1132249"/>
           </a:xfrm>
-          <a:prstGeom prst="rect">
-            <a:avLst/>
+          <a:prstGeom prst="rightBrace">
+            <a:avLst>
+              <a:gd name="adj1" fmla="val 8333"/>
+              <a:gd name="adj2" fmla="val 52121"/>
+            </a:avLst>
           </a:prstGeom>
+          <a:ln w="22225">
+            <a:solidFill>
+              <a:schemeClr val="tx1"/>
+            </a:solidFill>
+          </a:ln>
         </p:spPr>
-      </p:pic>
+        <p:style>
+          <a:lnRef idx="1">
+            <a:schemeClr val="accent1"/>
+          </a:lnRef>
+          <a:fillRef idx="0">
+            <a:schemeClr val="accent1"/>
+          </a:fillRef>
+          <a:effectRef idx="0">
+            <a:schemeClr val="accent1"/>
+          </a:effectRef>
+          <a:fontRef idx="minor">
+            <a:schemeClr val="tx1"/>
+          </a:fontRef>
+        </p:style>
+        <p:txBody>
+          <a:bodyPr rtlCol="0" anchor="ctr"/>
+          <a:lstStyle/>
+          <a:p>
+            <a:pPr algn="ctr"/>
+            <a:endParaRPr lang="en-US"/>
+          </a:p>
+        </p:txBody>
+      </p:sp>
       <p:cxnSp>
         <p:nvCxnSpPr>
-          <p:cNvPr id="233" name="Straight Arrow Connector 232">
-            <a:extLst>
-              <a:ext uri="{FF2B5EF4-FFF2-40B4-BE49-F238E27FC236}">
-                <a16:creationId xmlns:a16="http://schemas.microsoft.com/office/drawing/2014/main" id="{9526693C-8FBA-3A09-7BBA-FE0B92569768}"/>
+          <p:cNvPr id="115" name="Straight Arrow Connector 114">
+            <a:extLst>
+              <a:ext uri="{FF2B5EF4-FFF2-40B4-BE49-F238E27FC236}">
+                <a16:creationId xmlns:a16="http://schemas.microsoft.com/office/drawing/2014/main" id="{7122EE99-034E-2FA0-2980-F73CB8ECD001}"/>
               </a:ext>
             </a:extLst>
           </p:cNvPr>
@@ -5963,13 +6660,13 @@
         </p:nvCxnSpPr>
         <p:spPr>
           <a:xfrm>
-            <a:off x="7979450" y="6211783"/>
-            <a:ext cx="0" cy="344890"/>
+            <a:off x="8052211" y="3513600"/>
+            <a:ext cx="254597" cy="0"/>
           </a:xfrm>
           <a:prstGeom prst="straightConnector1">
             <a:avLst/>
           </a:prstGeom>
-          <a:ln w="19050">
+          <a:ln w="25400">
             <a:solidFill>
               <a:schemeClr val="tx1"/>
             </a:solidFill>
@@ -5992,112 +6689,397 @@
           </a:fontRef>
         </p:style>
       </p:cxnSp>
-      <p:pic>
-        <p:nvPicPr>
-          <p:cNvPr id="238" name="Picture 237" descr="A yellow flowers on a stem&#10;&#10;Description automatically generated">
-            <a:extLst>
-              <a:ext uri="{FF2B5EF4-FFF2-40B4-BE49-F238E27FC236}">
-                <a16:creationId xmlns:a16="http://schemas.microsoft.com/office/drawing/2014/main" id="{72F26070-2299-3395-C13E-284C84D8FC35}"/>
-              </a:ext>
-            </a:extLst>
-          </p:cNvPr>
-          <p:cNvPicPr>
-            <a:picLocks noChangeAspect="1"/>
-          </p:cNvPicPr>
+      <p:cxnSp>
+        <p:nvCxnSpPr>
+          <p:cNvPr id="116" name="Straight Arrow Connector 115">
+            <a:extLst>
+              <a:ext uri="{FF2B5EF4-FFF2-40B4-BE49-F238E27FC236}">
+                <a16:creationId xmlns:a16="http://schemas.microsoft.com/office/drawing/2014/main" id="{0CC86CBB-1D85-C01C-E2DE-1EC465C287AC}"/>
+              </a:ext>
+            </a:extLst>
+          </p:cNvPr>
+          <p:cNvCxnSpPr>
+            <a:cxnSpLocks/>
+          </p:cNvCxnSpPr>
           <p:nvPr/>
-        </p:nvPicPr>
-        <p:blipFill>
-          <a:blip r:embed="rId16"/>
-          <a:stretch>
-            <a:fillRect/>
-          </a:stretch>
-        </p:blipFill>
+        </p:nvCxnSpPr>
         <p:spPr>
           <a:xfrm>
-            <a:off x="9407867" y="2277246"/>
-            <a:ext cx="431179" cy="855080"/>
+            <a:off x="8052212" y="4644000"/>
+            <a:ext cx="254597" cy="0"/>
           </a:xfrm>
-          <a:prstGeom prst="rect">
+          <a:prstGeom prst="straightConnector1">
             <a:avLst/>
           </a:prstGeom>
+          <a:ln w="25400">
+            <a:solidFill>
+              <a:schemeClr val="tx1"/>
+            </a:solidFill>
+            <a:headEnd type="none"/>
+            <a:tailEnd type="triangle"/>
+          </a:ln>
         </p:spPr>
-      </p:pic>
-      <p:pic>
-        <p:nvPicPr>
-          <p:cNvPr id="239" name="Picture 238" descr="A yellow flowers on a stem&#10;&#10;Description automatically generated">
-            <a:extLst>
-              <a:ext uri="{FF2B5EF4-FFF2-40B4-BE49-F238E27FC236}">
-                <a16:creationId xmlns:a16="http://schemas.microsoft.com/office/drawing/2014/main" id="{49B2B854-5098-CB24-EDB7-2D0D84CCAF91}"/>
-              </a:ext>
-            </a:extLst>
-          </p:cNvPr>
-          <p:cNvPicPr>
-            <a:picLocks noChangeAspect="1"/>
-          </p:cNvPicPr>
+        <p:style>
+          <a:lnRef idx="1">
+            <a:schemeClr val="accent1"/>
+          </a:lnRef>
+          <a:fillRef idx="0">
+            <a:schemeClr val="accent1"/>
+          </a:fillRef>
+          <a:effectRef idx="0">
+            <a:schemeClr val="accent1"/>
+          </a:effectRef>
+          <a:fontRef idx="minor">
+            <a:schemeClr val="tx1"/>
+          </a:fontRef>
+        </p:style>
+      </p:cxnSp>
+      <mc:AlternateContent xmlns:mc="http://schemas.openxmlformats.org/markup-compatibility/2006" xmlns:a14="http://schemas.microsoft.com/office/drawing/2010/main">
+        <mc:Choice Requires="a14">
+          <p:sp>
+            <p:nvSpPr>
+              <p:cNvPr id="118" name="TextBox 117">
+                <a:extLst>
+                  <a:ext uri="{FF2B5EF4-FFF2-40B4-BE49-F238E27FC236}">
+                    <a16:creationId xmlns:a16="http://schemas.microsoft.com/office/drawing/2014/main" id="{CB219AF7-466B-1697-3AA7-80C7A05E9FA8}"/>
+                  </a:ext>
+                </a:extLst>
+              </p:cNvPr>
+              <p:cNvSpPr txBox="1"/>
+              <p:nvPr/>
+            </p:nvSpPr>
+            <p:spPr>
+              <a:xfrm>
+                <a:off x="8317954" y="3222917"/>
+                <a:ext cx="561711" cy="519758"/>
+              </a:xfrm>
+              <a:prstGeom prst="rect">
+                <a:avLst/>
+              </a:prstGeom>
+              <a:noFill/>
+            </p:spPr>
+            <p:txBody>
+              <a:bodyPr wrap="square" rtlCol="0">
+                <a:spAutoFit/>
+              </a:bodyPr>
+              <a:lstStyle/>
+              <a:p>
+                <a:pPr/>
+                <a14:m>
+                  <m:oMathPara xmlns:m="http://schemas.openxmlformats.org/officeDocument/2006/math">
+                    <m:oMathParaPr>
+                      <m:jc m:val="centerGroup"/>
+                    </m:oMathParaPr>
+                    <m:oMath xmlns:m="http://schemas.openxmlformats.org/officeDocument/2006/math">
+                      <m:acc>
+                        <m:accPr>
+                          <m:chr m:val="̂"/>
+                          <m:ctrlPr>
+                            <a:rPr lang="en-AU" sz="2400" b="0" i="1" smtClean="0">
+                              <a:latin typeface="Cambria Math" panose="02040503050406030204" pitchFamily="18" charset="0"/>
+                            </a:rPr>
+                          </m:ctrlPr>
+                        </m:accPr>
+                        <m:e>
+                          <m:sSub>
+                            <m:sSubPr>
+                              <m:ctrlPr>
+                                <a:rPr lang="en-AU" sz="2400" b="0" i="1" smtClean="0">
+                                  <a:latin typeface="Cambria Math" panose="02040503050406030204" pitchFamily="18" charset="0"/>
+                                </a:rPr>
+                              </m:ctrlPr>
+                            </m:sSubPr>
+                            <m:e>
+                              <m:r>
+                                <a:rPr lang="en-AU" sz="2400" b="0" i="1" smtClean="0">
+                                  <a:latin typeface="Cambria Math" panose="02040503050406030204" pitchFamily="18" charset="0"/>
+                                </a:rPr>
+                                <m:t>𝛽</m:t>
+                              </m:r>
+                            </m:e>
+                            <m:sub>
+                              <m:r>
+                                <a:rPr lang="en-AU" sz="2400" b="0" i="1" smtClean="0">
+                                  <a:latin typeface="Cambria Math" panose="02040503050406030204" pitchFamily="18" charset="0"/>
+                                </a:rPr>
+                                <m:t>𝑖𝑗𝑙</m:t>
+                              </m:r>
+                              <m:r>
+                                <a:rPr lang="en-AU" sz="2400" b="0" i="1" smtClean="0">
+                                  <a:latin typeface="Cambria Math" panose="02040503050406030204" pitchFamily="18" charset="0"/>
+                                </a:rPr>
+                                <m:t>, </m:t>
+                              </m:r>
+                              <m:r>
+                                <a:rPr lang="en-AU" sz="2400" b="0" i="1" smtClean="0">
+                                  <a:latin typeface="Cambria Math" panose="02040503050406030204" pitchFamily="18" charset="0"/>
+                                </a:rPr>
+                                <m:t>𝐹𝑣</m:t>
+                              </m:r>
+                            </m:sub>
+                          </m:sSub>
+                        </m:e>
+                      </m:acc>
+                      <m:r>
+                        <a:rPr lang="en-AU" sz="2400" b="0" i="1" smtClean="0">
+                          <a:latin typeface="Cambria Math" panose="02040503050406030204" pitchFamily="18" charset="0"/>
+                        </a:rPr>
+                        <m:t> </m:t>
+                      </m:r>
+                    </m:oMath>
+                  </m:oMathPara>
+                </a14:m>
+                <a:endParaRPr lang="en-US" sz="2400" dirty="0"/>
+              </a:p>
+            </p:txBody>
+          </p:sp>
+        </mc:Choice>
+        <mc:Fallback xmlns="">
+          <p:sp>
+            <p:nvSpPr>
+              <p:cNvPr id="118" name="TextBox 117">
+                <a:extLst>
+                  <a:ext uri="{FF2B5EF4-FFF2-40B4-BE49-F238E27FC236}">
+                    <a16:creationId xmlns:a16="http://schemas.microsoft.com/office/drawing/2014/main" id="{CB219AF7-466B-1697-3AA7-80C7A05E9FA8}"/>
+                  </a:ext>
+                </a:extLst>
+              </p:cNvPr>
+              <p:cNvSpPr txBox="1">
+                <a:spLocks noRot="1" noChangeAspect="1" noMove="1" noResize="1" noEditPoints="1" noAdjustHandles="1" noChangeArrowheads="1" noChangeShapeType="1" noTextEdit="1"/>
+              </p:cNvSpPr>
+              <p:nvPr/>
+            </p:nvSpPr>
+            <p:spPr>
+              <a:xfrm>
+                <a:off x="8317954" y="3222917"/>
+                <a:ext cx="561711" cy="519758"/>
+              </a:xfrm>
+              <a:prstGeom prst="rect">
+                <a:avLst/>
+              </a:prstGeom>
+              <a:blipFill>
+                <a:blip r:embed="rId19"/>
+                <a:stretch>
+                  <a:fillRect l="-8696" t="-4762" r="-86957" b="-11905"/>
+                </a:stretch>
+              </a:blipFill>
+            </p:spPr>
+            <p:txBody>
+              <a:bodyPr/>
+              <a:lstStyle/>
+              <a:p>
+                <a:r>
+                  <a:rPr lang="en-US">
+                    <a:noFill/>
+                  </a:rPr>
+                  <a:t> </a:t>
+                </a:r>
+              </a:p>
+            </p:txBody>
+          </p:sp>
+        </mc:Fallback>
+      </mc:AlternateContent>
+      <mc:AlternateContent xmlns:mc="http://schemas.openxmlformats.org/markup-compatibility/2006" xmlns:a14="http://schemas.microsoft.com/office/drawing/2010/main">
+        <mc:Choice Requires="a14">
+          <p:sp>
+            <p:nvSpPr>
+              <p:cNvPr id="119" name="TextBox 118">
+                <a:extLst>
+                  <a:ext uri="{FF2B5EF4-FFF2-40B4-BE49-F238E27FC236}">
+                    <a16:creationId xmlns:a16="http://schemas.microsoft.com/office/drawing/2014/main" id="{25D71E78-93B6-0D3C-C3CD-8C45562520BC}"/>
+                  </a:ext>
+                </a:extLst>
+              </p:cNvPr>
+              <p:cNvSpPr txBox="1"/>
+              <p:nvPr/>
+            </p:nvSpPr>
+            <p:spPr>
+              <a:xfrm>
+                <a:off x="8326012" y="4367711"/>
+                <a:ext cx="561711" cy="519758"/>
+              </a:xfrm>
+              <a:prstGeom prst="rect">
+                <a:avLst/>
+              </a:prstGeom>
+              <a:noFill/>
+            </p:spPr>
+            <p:txBody>
+              <a:bodyPr wrap="square" rtlCol="0">
+                <a:spAutoFit/>
+              </a:bodyPr>
+              <a:lstStyle/>
+              <a:p>
+                <a:pPr/>
+                <a14:m>
+                  <m:oMathPara xmlns:m="http://schemas.openxmlformats.org/officeDocument/2006/math">
+                    <m:oMathParaPr>
+                      <m:jc m:val="centerGroup"/>
+                    </m:oMathParaPr>
+                    <m:oMath xmlns:m="http://schemas.openxmlformats.org/officeDocument/2006/math">
+                      <m:acc>
+                        <m:accPr>
+                          <m:chr m:val="̂"/>
+                          <m:ctrlPr>
+                            <a:rPr lang="en-AU" sz="2400" b="0" i="1" smtClean="0">
+                              <a:latin typeface="Cambria Math" panose="02040503050406030204" pitchFamily="18" charset="0"/>
+                            </a:rPr>
+                          </m:ctrlPr>
+                        </m:accPr>
+                        <m:e>
+                          <m:sSub>
+                            <m:sSubPr>
+                              <m:ctrlPr>
+                                <a:rPr lang="en-AU" sz="2400" b="0" i="1" smtClean="0">
+                                  <a:latin typeface="Cambria Math" panose="02040503050406030204" pitchFamily="18" charset="0"/>
+                                </a:rPr>
+                              </m:ctrlPr>
+                            </m:sSubPr>
+                            <m:e>
+                              <m:r>
+                                <a:rPr lang="en-AU" sz="2400" b="0" i="1" smtClean="0">
+                                  <a:latin typeface="Cambria Math" panose="02040503050406030204" pitchFamily="18" charset="0"/>
+                                </a:rPr>
+                                <m:t>𝛽</m:t>
+                              </m:r>
+                            </m:e>
+                            <m:sub>
+                              <m:r>
+                                <a:rPr lang="en-AU" sz="2400" b="0" i="1" smtClean="0">
+                                  <a:latin typeface="Cambria Math" panose="02040503050406030204" pitchFamily="18" charset="0"/>
+                                </a:rPr>
+                                <m:t>𝑖𝑗h</m:t>
+                              </m:r>
+                              <m:r>
+                                <a:rPr lang="en-AU" sz="2400" b="0" i="1" smtClean="0">
+                                  <a:latin typeface="Cambria Math" panose="02040503050406030204" pitchFamily="18" charset="0"/>
+                                </a:rPr>
+                                <m:t>,</m:t>
+                              </m:r>
+                              <m:r>
+                                <a:rPr lang="en-AU" sz="2400" b="0" i="1" smtClean="0">
+                                  <a:latin typeface="Cambria Math" panose="02040503050406030204" pitchFamily="18" charset="0"/>
+                                </a:rPr>
+                                <m:t>𝐻</m:t>
+                              </m:r>
+                            </m:sub>
+                          </m:sSub>
+                        </m:e>
+                      </m:acc>
+                      <m:r>
+                        <a:rPr lang="en-AU" sz="2400" b="0" i="1" smtClean="0">
+                          <a:latin typeface="Cambria Math" panose="02040503050406030204" pitchFamily="18" charset="0"/>
+                        </a:rPr>
+                        <m:t> </m:t>
+                      </m:r>
+                    </m:oMath>
+                  </m:oMathPara>
+                </a14:m>
+                <a:endParaRPr lang="en-US" sz="2400" dirty="0"/>
+              </a:p>
+            </p:txBody>
+          </p:sp>
+        </mc:Choice>
+        <mc:Fallback xmlns="">
+          <p:sp>
+            <p:nvSpPr>
+              <p:cNvPr id="119" name="TextBox 118">
+                <a:extLst>
+                  <a:ext uri="{FF2B5EF4-FFF2-40B4-BE49-F238E27FC236}">
+                    <a16:creationId xmlns:a16="http://schemas.microsoft.com/office/drawing/2014/main" id="{25D71E78-93B6-0D3C-C3CD-8C45562520BC}"/>
+                  </a:ext>
+                </a:extLst>
+              </p:cNvPr>
+              <p:cNvSpPr txBox="1">
+                <a:spLocks noRot="1" noChangeAspect="1" noMove="1" noResize="1" noEditPoints="1" noAdjustHandles="1" noChangeArrowheads="1" noChangeShapeType="1" noTextEdit="1"/>
+              </p:cNvSpPr>
+              <p:nvPr/>
+            </p:nvSpPr>
+            <p:spPr>
+              <a:xfrm>
+                <a:off x="8326012" y="4367711"/>
+                <a:ext cx="561711" cy="519758"/>
+              </a:xfrm>
+              <a:prstGeom prst="rect">
+                <a:avLst/>
+              </a:prstGeom>
+              <a:blipFill>
+                <a:blip r:embed="rId20"/>
+                <a:stretch>
+                  <a:fillRect l="-8889" t="-7143" r="-84444" b="-14286"/>
+                </a:stretch>
+              </a:blipFill>
+            </p:spPr>
+            <p:txBody>
+              <a:bodyPr/>
+              <a:lstStyle/>
+              <a:p>
+                <a:r>
+                  <a:rPr lang="en-US">
+                    <a:noFill/>
+                  </a:rPr>
+                  <a:t> </a:t>
+                </a:r>
+              </a:p>
+            </p:txBody>
+          </p:sp>
+        </mc:Fallback>
+      </mc:AlternateContent>
+      <p:sp>
+        <p:nvSpPr>
+          <p:cNvPr id="141" name="Right Brace 140">
+            <a:extLst>
+              <a:ext uri="{FF2B5EF4-FFF2-40B4-BE49-F238E27FC236}">
+                <a16:creationId xmlns:a16="http://schemas.microsoft.com/office/drawing/2014/main" id="{2B13B52F-A646-A738-A737-C40A53502DED}"/>
+              </a:ext>
+            </a:extLst>
+          </p:cNvPr>
+          <p:cNvSpPr/>
           <p:nvPr/>
-        </p:nvPicPr>
-        <p:blipFill>
-          <a:blip r:embed="rId16"/>
-          <a:stretch>
-            <a:fillRect/>
-          </a:stretch>
-        </p:blipFill>
+        </p:nvSpPr>
         <p:spPr>
           <a:xfrm>
-            <a:off x="8289079" y="6016041"/>
-            <a:ext cx="431179" cy="855080"/>
+            <a:off x="7805687" y="2922282"/>
+            <a:ext cx="254808" cy="1132249"/>
           </a:xfrm>
-          <a:prstGeom prst="rect">
-            <a:avLst/>
+          <a:prstGeom prst="rightBrace">
+            <a:avLst>
+              <a:gd name="adj1" fmla="val 8333"/>
+              <a:gd name="adj2" fmla="val 52121"/>
+            </a:avLst>
           </a:prstGeom>
+          <a:ln w="22225">
+            <a:solidFill>
+              <a:schemeClr val="tx1"/>
+            </a:solidFill>
+          </a:ln>
         </p:spPr>
-      </p:pic>
-      <p:pic>
-        <p:nvPicPr>
-          <p:cNvPr id="241" name="Picture 240" descr="A yellow caterpillar with red dots&#10;&#10;Description automatically generated">
-            <a:extLst>
-              <a:ext uri="{FF2B5EF4-FFF2-40B4-BE49-F238E27FC236}">
-                <a16:creationId xmlns:a16="http://schemas.microsoft.com/office/drawing/2014/main" id="{5429FD89-906D-6D56-EB49-1D202CD53B5E}"/>
-              </a:ext>
-            </a:extLst>
-          </p:cNvPr>
-          <p:cNvPicPr>
-            <a:picLocks noChangeAspect="1"/>
-          </p:cNvPicPr>
-          <p:nvPr/>
-        </p:nvPicPr>
-        <p:blipFill>
-          <a:blip r:embed="rId17">
-            <a:extLst>
-              <a:ext uri="{BEBA8EAE-BF5A-486C-A8C5-ECC9F3942E4B}">
-                <a14:imgProps xmlns:a14="http://schemas.microsoft.com/office/drawing/2010/main">
-                  <a14:imgLayer r:embed="rId18">
-                    <a14:imgEffect>
-                      <a14:backgroundRemoval t="10000" b="90000" l="10000" r="90000"/>
-                    </a14:imgEffect>
-                  </a14:imgLayer>
-                </a14:imgProps>
-              </a:ext>
-            </a:extLst>
-          </a:blip>
-          <a:stretch>
-            <a:fillRect/>
-          </a:stretch>
-        </p:blipFill>
-        <p:spPr>
-          <a:xfrm rot="2255016">
-            <a:off x="8837405" y="5284507"/>
-            <a:ext cx="907411" cy="423987"/>
-          </a:xfrm>
-          <a:prstGeom prst="rect">
-            <a:avLst/>
-          </a:prstGeom>
-        </p:spPr>
-      </p:pic>
+        <p:style>
+          <a:lnRef idx="1">
+            <a:schemeClr val="accent1"/>
+          </a:lnRef>
+          <a:fillRef idx="0">
+            <a:schemeClr val="accent1"/>
+          </a:fillRef>
+          <a:effectRef idx="0">
+            <a:schemeClr val="accent1"/>
+          </a:effectRef>
+          <a:fontRef idx="minor">
+            <a:schemeClr val="tx1"/>
+          </a:fontRef>
+        </p:style>
+        <p:txBody>
+          <a:bodyPr rtlCol="0" anchor="ctr"/>
+          <a:lstStyle/>
+          <a:p>
+            <a:pPr algn="ctr"/>
+            <a:endParaRPr lang="en-US"/>
+          </a:p>
+        </p:txBody>
+      </p:sp>
     </p:spTree>
     <p:extLst>
       <p:ext uri="{BB962C8B-B14F-4D97-AF65-F5344CB8AC3E}">
-        <p14:creationId xmlns:p14="http://schemas.microsoft.com/office/powerpoint/2010/main" val="2840824956"/>
+        <p14:creationId xmlns:p14="http://schemas.microsoft.com/office/powerpoint/2010/main" val="2872016306"/>
       </p:ext>
     </p:extLst>
   </p:cSld>
@@ -6400,4 +7382,299 @@
     </a:ext>
   </a:extLst>
 </a:theme>
+</file>
+
+<file path=ppt/theme/theme2.xml><?xml version="1.0" encoding="utf-8"?>
+<a:theme xmlns:a="http://schemas.openxmlformats.org/drawingml/2006/main" name="Office Theme">
+  <a:themeElements>
+    <a:clrScheme name="Office">
+      <a:dk1>
+        <a:sysClr val="windowText" lastClr="000000"/>
+      </a:dk1>
+      <a:lt1>
+        <a:sysClr val="window" lastClr="FFFFFF"/>
+      </a:lt1>
+      <a:dk2>
+        <a:srgbClr val="44546A"/>
+      </a:dk2>
+      <a:lt2>
+        <a:srgbClr val="E7E6E6"/>
+      </a:lt2>
+      <a:accent1>
+        <a:srgbClr val="4472C4"/>
+      </a:accent1>
+      <a:accent2>
+        <a:srgbClr val="ED7D31"/>
+      </a:accent2>
+      <a:accent3>
+        <a:srgbClr val="A5A5A5"/>
+      </a:accent3>
+      <a:accent4>
+        <a:srgbClr val="FFC000"/>
+      </a:accent4>
+      <a:accent5>
+        <a:srgbClr val="5B9BD5"/>
+      </a:accent5>
+      <a:accent6>
+        <a:srgbClr val="70AD47"/>
+      </a:accent6>
+      <a:hlink>
+        <a:srgbClr val="0563C1"/>
+      </a:hlink>
+      <a:folHlink>
+        <a:srgbClr val="954F72"/>
+      </a:folHlink>
+    </a:clrScheme>
+    <a:fontScheme name="Office">
+      <a:majorFont>
+        <a:latin typeface="Calibri Light" panose="020F0302020204030204"/>
+        <a:ea typeface=""/>
+        <a:cs typeface=""/>
+        <a:font script="Jpan" typeface="游ゴシック Light"/>
+        <a:font script="Hang" typeface="맑은 고딕"/>
+        <a:font script="Hans" typeface="等线 Light"/>
+        <a:font script="Hant" typeface="新細明體"/>
+        <a:font script="Arab" typeface="Times New Roman"/>
+        <a:font script="Hebr" typeface="Times New Roman"/>
+        <a:font script="Thai" typeface="Angsana New"/>
+        <a:font script="Ethi" typeface="Nyala"/>
+        <a:font script="Beng" typeface="Vrinda"/>
+        <a:font script="Gujr" typeface="Shruti"/>
+        <a:font script="Khmr" typeface="MoolBoran"/>
+        <a:font script="Knda" typeface="Tunga"/>
+        <a:font script="Guru" typeface="Raavi"/>
+        <a:font script="Cans" typeface="Euphemia"/>
+        <a:font script="Cher" typeface="Plantagenet Cherokee"/>
+        <a:font script="Yiii" typeface="Microsoft Yi Baiti"/>
+        <a:font script="Tibt" typeface="Microsoft Himalaya"/>
+        <a:font script="Thaa" typeface="MV Boli"/>
+        <a:font script="Deva" typeface="Mangal"/>
+        <a:font script="Telu" typeface="Gautami"/>
+        <a:font script="Taml" typeface="Latha"/>
+        <a:font script="Syrc" typeface="Estrangelo Edessa"/>
+        <a:font script="Orya" typeface="Kalinga"/>
+        <a:font script="Mlym" typeface="Kartika"/>
+        <a:font script="Laoo" typeface="DokChampa"/>
+        <a:font script="Sinh" typeface="Iskoola Pota"/>
+        <a:font script="Mong" typeface="Mongolian Baiti"/>
+        <a:font script="Viet" typeface="Times New Roman"/>
+        <a:font script="Uigh" typeface="Microsoft Uighur"/>
+        <a:font script="Geor" typeface="Sylfaen"/>
+        <a:font script="Armn" typeface="Arial"/>
+        <a:font script="Bugi" typeface="Leelawadee UI"/>
+        <a:font script="Bopo" typeface="Microsoft JhengHei"/>
+        <a:font script="Java" typeface="Javanese Text"/>
+        <a:font script="Lisu" typeface="Segoe UI"/>
+        <a:font script="Mymr" typeface="Myanmar Text"/>
+        <a:font script="Nkoo" typeface="Ebrima"/>
+        <a:font script="Olck" typeface="Nirmala UI"/>
+        <a:font script="Osma" typeface="Ebrima"/>
+        <a:font script="Phag" typeface="Phagspa"/>
+        <a:font script="Syrn" typeface="Estrangelo Edessa"/>
+        <a:font script="Syrj" typeface="Estrangelo Edessa"/>
+        <a:font script="Syre" typeface="Estrangelo Edessa"/>
+        <a:font script="Sora" typeface="Nirmala UI"/>
+        <a:font script="Tale" typeface="Microsoft Tai Le"/>
+        <a:font script="Talu" typeface="Microsoft New Tai Lue"/>
+        <a:font script="Tfng" typeface="Ebrima"/>
+      </a:majorFont>
+      <a:minorFont>
+        <a:latin typeface="Calibri" panose="020F0502020204030204"/>
+        <a:ea typeface=""/>
+        <a:cs typeface=""/>
+        <a:font script="Jpan" typeface="游ゴシック"/>
+        <a:font script="Hang" typeface="맑은 고딕"/>
+        <a:font script="Hans" typeface="等线"/>
+        <a:font script="Hant" typeface="新細明體"/>
+        <a:font script="Arab" typeface="Arial"/>
+        <a:font script="Hebr" typeface="Arial"/>
+        <a:font script="Thai" typeface="Cordia New"/>
+        <a:font script="Ethi" typeface="Nyala"/>
+        <a:font script="Beng" typeface="Vrinda"/>
+        <a:font script="Gujr" typeface="Shruti"/>
+        <a:font script="Khmr" typeface="DaunPenh"/>
+        <a:font script="Knda" typeface="Tunga"/>
+        <a:font script="Guru" typeface="Raavi"/>
+        <a:font script="Cans" typeface="Euphemia"/>
+        <a:font script="Cher" typeface="Plantagenet Cherokee"/>
+        <a:font script="Yiii" typeface="Microsoft Yi Baiti"/>
+        <a:font script="Tibt" typeface="Microsoft Himalaya"/>
+        <a:font script="Thaa" typeface="MV Boli"/>
+        <a:font script="Deva" typeface="Mangal"/>
+        <a:font script="Telu" typeface="Gautami"/>
+        <a:font script="Taml" typeface="Latha"/>
+        <a:font script="Syrc" typeface="Estrangelo Edessa"/>
+        <a:font script="Orya" typeface="Kalinga"/>
+        <a:font script="Mlym" typeface="Kartika"/>
+        <a:font script="Laoo" typeface="DokChampa"/>
+        <a:font script="Sinh" typeface="Iskoola Pota"/>
+        <a:font script="Mong" typeface="Mongolian Baiti"/>
+        <a:font script="Viet" typeface="Arial"/>
+        <a:font script="Uigh" typeface="Microsoft Uighur"/>
+        <a:font script="Geor" typeface="Sylfaen"/>
+        <a:font script="Armn" typeface="Arial"/>
+        <a:font script="Bugi" typeface="Leelawadee UI"/>
+        <a:font script="Bopo" typeface="Microsoft JhengHei"/>
+        <a:font script="Java" typeface="Javanese Text"/>
+        <a:font script="Lisu" typeface="Segoe UI"/>
+        <a:font script="Mymr" typeface="Myanmar Text"/>
+        <a:font script="Nkoo" typeface="Ebrima"/>
+        <a:font script="Olck" typeface="Nirmala UI"/>
+        <a:font script="Osma" typeface="Ebrima"/>
+        <a:font script="Phag" typeface="Phagspa"/>
+        <a:font script="Syrn" typeface="Estrangelo Edessa"/>
+        <a:font script="Syrj" typeface="Estrangelo Edessa"/>
+        <a:font script="Syre" typeface="Estrangelo Edessa"/>
+        <a:font script="Sora" typeface="Nirmala UI"/>
+        <a:font script="Tale" typeface="Microsoft Tai Le"/>
+        <a:font script="Talu" typeface="Microsoft New Tai Lue"/>
+        <a:font script="Tfng" typeface="Ebrima"/>
+      </a:minorFont>
+    </a:fontScheme>
+    <a:fmtScheme name="Office">
+      <a:fillStyleLst>
+        <a:solidFill>
+          <a:schemeClr val="phClr"/>
+        </a:solidFill>
+        <a:gradFill rotWithShape="1">
+          <a:gsLst>
+            <a:gs pos="0">
+              <a:schemeClr val="phClr">
+                <a:lumMod val="110000"/>
+                <a:satMod val="105000"/>
+                <a:tint val="67000"/>
+              </a:schemeClr>
+            </a:gs>
+            <a:gs pos="50000">
+              <a:schemeClr val="phClr">
+                <a:lumMod val="105000"/>
+                <a:satMod val="103000"/>
+                <a:tint val="73000"/>
+              </a:schemeClr>
+            </a:gs>
+            <a:gs pos="100000">
+              <a:schemeClr val="phClr">
+                <a:lumMod val="105000"/>
+                <a:satMod val="109000"/>
+                <a:tint val="81000"/>
+              </a:schemeClr>
+            </a:gs>
+          </a:gsLst>
+          <a:lin ang="5400000" scaled="0"/>
+        </a:gradFill>
+        <a:gradFill rotWithShape="1">
+          <a:gsLst>
+            <a:gs pos="0">
+              <a:schemeClr val="phClr">
+                <a:satMod val="103000"/>
+                <a:lumMod val="102000"/>
+                <a:tint val="94000"/>
+              </a:schemeClr>
+            </a:gs>
+            <a:gs pos="50000">
+              <a:schemeClr val="phClr">
+                <a:satMod val="110000"/>
+                <a:lumMod val="100000"/>
+                <a:shade val="100000"/>
+              </a:schemeClr>
+            </a:gs>
+            <a:gs pos="100000">
+              <a:schemeClr val="phClr">
+                <a:lumMod val="99000"/>
+                <a:satMod val="120000"/>
+                <a:shade val="78000"/>
+              </a:schemeClr>
+            </a:gs>
+          </a:gsLst>
+          <a:lin ang="5400000" scaled="0"/>
+        </a:gradFill>
+      </a:fillStyleLst>
+      <a:lnStyleLst>
+        <a:ln w="6350" cap="flat" cmpd="sng" algn="ctr">
+          <a:solidFill>
+            <a:schemeClr val="phClr"/>
+          </a:solidFill>
+          <a:prstDash val="solid"/>
+          <a:miter lim="800000"/>
+        </a:ln>
+        <a:ln w="12700" cap="flat" cmpd="sng" algn="ctr">
+          <a:solidFill>
+            <a:schemeClr val="phClr"/>
+          </a:solidFill>
+          <a:prstDash val="solid"/>
+          <a:miter lim="800000"/>
+        </a:ln>
+        <a:ln w="19050" cap="flat" cmpd="sng" algn="ctr">
+          <a:solidFill>
+            <a:schemeClr val="phClr"/>
+          </a:solidFill>
+          <a:prstDash val="solid"/>
+          <a:miter lim="800000"/>
+        </a:ln>
+      </a:lnStyleLst>
+      <a:effectStyleLst>
+        <a:effectStyle>
+          <a:effectLst/>
+        </a:effectStyle>
+        <a:effectStyle>
+          <a:effectLst/>
+        </a:effectStyle>
+        <a:effectStyle>
+          <a:effectLst>
+            <a:outerShdw blurRad="57150" dist="19050" dir="5400000" algn="ctr" rotWithShape="0">
+              <a:srgbClr val="000000">
+                <a:alpha val="63000"/>
+              </a:srgbClr>
+            </a:outerShdw>
+          </a:effectLst>
+        </a:effectStyle>
+      </a:effectStyleLst>
+      <a:bgFillStyleLst>
+        <a:solidFill>
+          <a:schemeClr val="phClr"/>
+        </a:solidFill>
+        <a:solidFill>
+          <a:schemeClr val="phClr">
+            <a:tint val="95000"/>
+            <a:satMod val="170000"/>
+          </a:schemeClr>
+        </a:solidFill>
+        <a:gradFill rotWithShape="1">
+          <a:gsLst>
+            <a:gs pos="0">
+              <a:schemeClr val="phClr">
+                <a:tint val="93000"/>
+                <a:satMod val="150000"/>
+                <a:shade val="98000"/>
+                <a:lumMod val="102000"/>
+              </a:schemeClr>
+            </a:gs>
+            <a:gs pos="50000">
+              <a:schemeClr val="phClr">
+                <a:tint val="98000"/>
+                <a:satMod val="130000"/>
+                <a:shade val="90000"/>
+                <a:lumMod val="103000"/>
+              </a:schemeClr>
+            </a:gs>
+            <a:gs pos="100000">
+              <a:schemeClr val="phClr">
+                <a:shade val="63000"/>
+                <a:satMod val="120000"/>
+              </a:schemeClr>
+            </a:gs>
+          </a:gsLst>
+          <a:lin ang="5400000" scaled="0"/>
+        </a:gradFill>
+      </a:bgFillStyleLst>
+    </a:fmtScheme>
+  </a:themeElements>
+  <a:objectDefaults/>
+  <a:extraClrSchemeLst/>
+  <a:extLst>
+    <a:ext uri="{05A4C25C-085E-4340-85A3-A5531E510DB2}">
+      <thm15:themeFamily xmlns:thm15="http://schemas.microsoft.com/office/thememl/2012/main" name="Office Theme" id="{62F939B6-93AF-4DB8-9C6B-D6C7DFDC589F}" vid="{4A3C46E8-61CC-4603-A589-7422A47A8E4A}"/>
+    </a:ext>
+  </a:extLst>
+</a:theme>
 </file>
--- a/relatedocuments/Chapt1_conceptualfig.pptx
+++ b/relatedocuments/Chapt1_conceptualfig.pptx
@@ -5,10 +5,12 @@
     <p:sldMasterId id="2147483648" r:id="rId1"/>
   </p:sldMasterIdLst>
   <p:notesMasterIdLst>
-    <p:notesMasterId r:id="rId3"/>
+    <p:notesMasterId r:id="rId5"/>
   </p:notesMasterIdLst>
   <p:sldIdLst>
     <p:sldId id="257" r:id="rId2"/>
+    <p:sldId id="258" r:id="rId3"/>
+    <p:sldId id="259" r:id="rId4"/>
   </p:sldIdLst>
   <p:sldSz cx="12192000" cy="6858000"/>
   <p:notesSz cx="6858000" cy="9144000"/>
@@ -111,6 +113,9 @@
     <p:ext uri="{EFAFB233-063F-42B5-8137-9DF3F51BA10A}">
       <p15:sldGuideLst xmlns:p15="http://schemas.microsoft.com/office/powerpoint/2012/main"/>
     </p:ext>
+    <p:ext uri="{2D200454-40CA-4A62-9FC3-DE9A4176ACB9}">
+      <p15:notesGuideLst xmlns:p15="http://schemas.microsoft.com/office/powerpoint/2012/main"/>
+    </p:ext>
   </p:extLst>
 </p:presentation>
 </file>
@@ -197,7 +202,7 @@
           <a:p>
             <a:fld id="{385B58D3-3A08-D94A-9131-73EA1863793E}" type="datetimeFigureOut">
               <a:rPr lang="en-US" smtClean="0"/>
-              <a:t>9/13/23</a:t>
+              <a:t>12/11/23</a:t>
             </a:fld>
             <a:endParaRPr lang="en-US"/>
           </a:p>
@@ -549,6 +554,90 @@
 </p:notes>
 </file>
 
+<file path=ppt/notesSlides/notesSlide2.xml><?xml version="1.0" encoding="utf-8"?>
+<p:notes xmlns:a="http://schemas.openxmlformats.org/drawingml/2006/main" xmlns:r="http://schemas.openxmlformats.org/officeDocument/2006/relationships" xmlns:p="http://schemas.openxmlformats.org/presentationml/2006/main">
+  <p:cSld>
+    <p:spTree>
+      <p:nvGrpSpPr>
+        <p:cNvPr id="1" name=""/>
+        <p:cNvGrpSpPr/>
+        <p:nvPr/>
+      </p:nvGrpSpPr>
+      <p:grpSpPr>
+        <a:xfrm>
+          <a:off x="0" y="0"/>
+          <a:ext cx="0" cy="0"/>
+          <a:chOff x="0" y="0"/>
+          <a:chExt cx="0" cy="0"/>
+        </a:xfrm>
+      </p:grpSpPr>
+      <p:sp>
+        <p:nvSpPr>
+          <p:cNvPr id="2" name="Slide Image Placeholder 1"/>
+          <p:cNvSpPr>
+            <a:spLocks noGrp="1" noRot="1" noChangeAspect="1"/>
+          </p:cNvSpPr>
+          <p:nvPr>
+            <p:ph type="sldImg"/>
+          </p:nvPr>
+        </p:nvSpPr>
+        <p:spPr/>
+      </p:sp>
+      <p:sp>
+        <p:nvSpPr>
+          <p:cNvPr id="3" name="Notes Placeholder 2"/>
+          <p:cNvSpPr>
+            <a:spLocks noGrp="1"/>
+          </p:cNvSpPr>
+          <p:nvPr>
+            <p:ph type="body" idx="1"/>
+          </p:nvPr>
+        </p:nvSpPr>
+        <p:spPr/>
+        <p:txBody>
+          <a:bodyPr/>
+          <a:lstStyle/>
+          <a:p>
+            <a:endParaRPr lang="en-US"/>
+          </a:p>
+        </p:txBody>
+      </p:sp>
+      <p:sp>
+        <p:nvSpPr>
+          <p:cNvPr id="4" name="Slide Number Placeholder 3"/>
+          <p:cNvSpPr>
+            <a:spLocks noGrp="1"/>
+          </p:cNvSpPr>
+          <p:nvPr>
+            <p:ph type="sldNum" sz="quarter" idx="5"/>
+          </p:nvPr>
+        </p:nvSpPr>
+        <p:spPr/>
+        <p:txBody>
+          <a:bodyPr/>
+          <a:lstStyle/>
+          <a:p>
+            <a:fld id="{9910859B-E1F6-D74B-9CCC-5C4B5D2CEA30}" type="slidenum">
+              <a:rPr lang="en-US" smtClean="0"/>
+              <a:t>2</a:t>
+            </a:fld>
+            <a:endParaRPr lang="en-US"/>
+          </a:p>
+        </p:txBody>
+      </p:sp>
+    </p:spTree>
+    <p:extLst>
+      <p:ext uri="{BB962C8B-B14F-4D97-AF65-F5344CB8AC3E}">
+        <p14:creationId xmlns:p14="http://schemas.microsoft.com/office/powerpoint/2010/main" val="3302590495"/>
+      </p:ext>
+    </p:extLst>
+  </p:cSld>
+  <p:clrMapOvr>
+    <a:masterClrMapping/>
+  </p:clrMapOvr>
+</p:notes>
+</file>
+
 <file path=ppt/slideLayouts/slideLayout1.xml><?xml version="1.0" encoding="utf-8"?>
 <p:sldLayout xmlns:a="http://schemas.openxmlformats.org/drawingml/2006/main" xmlns:r="http://schemas.openxmlformats.org/officeDocument/2006/relationships" xmlns:p="http://schemas.openxmlformats.org/presentationml/2006/main" type="title" preserve="1">
   <p:cSld name="Title Slide">
@@ -698,7 +787,7 @@
           <a:p>
             <a:fld id="{1D8E0F60-F98E-E04E-8062-CC04F8BA2750}" type="datetimeFigureOut">
               <a:rPr lang="en-US" smtClean="0"/>
-              <a:t>9/13/23</a:t>
+              <a:t>12/11/23</a:t>
             </a:fld>
             <a:endParaRPr lang="en-US"/>
           </a:p>
@@ -898,7 +987,7 @@
           <a:p>
             <a:fld id="{1D8E0F60-F98E-E04E-8062-CC04F8BA2750}" type="datetimeFigureOut">
               <a:rPr lang="en-US" smtClean="0"/>
-              <a:t>9/13/23</a:t>
+              <a:t>12/11/23</a:t>
             </a:fld>
             <a:endParaRPr lang="en-US"/>
           </a:p>
@@ -1108,7 +1197,7 @@
           <a:p>
             <a:fld id="{1D8E0F60-F98E-E04E-8062-CC04F8BA2750}" type="datetimeFigureOut">
               <a:rPr lang="en-US" smtClean="0"/>
-              <a:t>9/13/23</a:t>
+              <a:t>12/11/23</a:t>
             </a:fld>
             <a:endParaRPr lang="en-US"/>
           </a:p>
@@ -1308,7 +1397,7 @@
           <a:p>
             <a:fld id="{1D8E0F60-F98E-E04E-8062-CC04F8BA2750}" type="datetimeFigureOut">
               <a:rPr lang="en-US" smtClean="0"/>
-              <a:t>9/13/23</a:t>
+              <a:t>12/11/23</a:t>
             </a:fld>
             <a:endParaRPr lang="en-US"/>
           </a:p>
@@ -1584,7 +1673,7 @@
           <a:p>
             <a:fld id="{1D8E0F60-F98E-E04E-8062-CC04F8BA2750}" type="datetimeFigureOut">
               <a:rPr lang="en-US" smtClean="0"/>
-              <a:t>9/13/23</a:t>
+              <a:t>12/11/23</a:t>
             </a:fld>
             <a:endParaRPr lang="en-US"/>
           </a:p>
@@ -1852,7 +1941,7 @@
           <a:p>
             <a:fld id="{1D8E0F60-F98E-E04E-8062-CC04F8BA2750}" type="datetimeFigureOut">
               <a:rPr lang="en-US" smtClean="0"/>
-              <a:t>9/13/23</a:t>
+              <a:t>12/11/23</a:t>
             </a:fld>
             <a:endParaRPr lang="en-US"/>
           </a:p>
@@ -2267,7 +2356,7 @@
           <a:p>
             <a:fld id="{1D8E0F60-F98E-E04E-8062-CC04F8BA2750}" type="datetimeFigureOut">
               <a:rPr lang="en-US" smtClean="0"/>
-              <a:t>9/13/23</a:t>
+              <a:t>12/11/23</a:t>
             </a:fld>
             <a:endParaRPr lang="en-US"/>
           </a:p>
@@ -2409,7 +2498,7 @@
           <a:p>
             <a:fld id="{1D8E0F60-F98E-E04E-8062-CC04F8BA2750}" type="datetimeFigureOut">
               <a:rPr lang="en-US" smtClean="0"/>
-              <a:t>9/13/23</a:t>
+              <a:t>12/11/23</a:t>
             </a:fld>
             <a:endParaRPr lang="en-US"/>
           </a:p>
@@ -2522,7 +2611,7 @@
           <a:p>
             <a:fld id="{1D8E0F60-F98E-E04E-8062-CC04F8BA2750}" type="datetimeFigureOut">
               <a:rPr lang="en-US" smtClean="0"/>
-              <a:t>9/13/23</a:t>
+              <a:t>12/11/23</a:t>
             </a:fld>
             <a:endParaRPr lang="en-US"/>
           </a:p>
@@ -2835,7 +2924,7 @@
           <a:p>
             <a:fld id="{1D8E0F60-F98E-E04E-8062-CC04F8BA2750}" type="datetimeFigureOut">
               <a:rPr lang="en-US" smtClean="0"/>
-              <a:t>9/13/23</a:t>
+              <a:t>12/11/23</a:t>
             </a:fld>
             <a:endParaRPr lang="en-US"/>
           </a:p>
@@ -3124,7 +3213,7 @@
           <a:p>
             <a:fld id="{1D8E0F60-F98E-E04E-8062-CC04F8BA2750}" type="datetimeFigureOut">
               <a:rPr lang="en-US" smtClean="0"/>
-              <a:t>9/13/23</a:t>
+              <a:t>12/11/23</a:t>
             </a:fld>
             <a:endParaRPr lang="en-US"/>
           </a:p>
@@ -3367,7 +3456,7 @@
           <a:p>
             <a:fld id="{1D8E0F60-F98E-E04E-8062-CC04F8BA2750}" type="datetimeFigureOut">
               <a:rPr lang="en-US" smtClean="0"/>
-              <a:t>9/13/23</a:t>
+              <a:t>12/11/23</a:t>
             </a:fld>
             <a:endParaRPr lang="en-US"/>
           </a:p>
@@ -3976,8 +4065,8 @@
             <a:solidFill>
               <a:schemeClr val="tx1"/>
             </a:solidFill>
-            <a:headEnd type="none"/>
-            <a:tailEnd type="triangle"/>
+            <a:headEnd type="triangle"/>
+            <a:tailEnd type="none"/>
           </a:ln>
         </p:spPr>
         <p:style>
@@ -4104,8 +4193,8 @@
             <a:solidFill>
               <a:schemeClr val="tx1"/>
             </a:solidFill>
-            <a:headEnd type="none"/>
-            <a:tailEnd type="triangle"/>
+            <a:headEnd type="triangle"/>
+            <a:tailEnd type="none"/>
           </a:ln>
         </p:spPr>
         <p:style>
@@ -4225,8 +4314,8 @@
             <a:solidFill>
               <a:schemeClr val="tx1"/>
             </a:solidFill>
-            <a:headEnd type="none"/>
-            <a:tailEnd type="triangle"/>
+            <a:headEnd type="triangle"/>
+            <a:tailEnd type="none"/>
           </a:ln>
         </p:spPr>
         <p:style>
@@ -4385,8 +4474,8 @@
             <a:solidFill>
               <a:schemeClr val="tx1"/>
             </a:solidFill>
-            <a:headEnd type="none"/>
-            <a:tailEnd type="triangle"/>
+            <a:headEnd type="triangle"/>
+            <a:tailEnd type="none"/>
           </a:ln>
         </p:spPr>
         <p:style>
@@ -4799,8 +4888,8 @@
             <a:solidFill>
               <a:schemeClr val="tx1"/>
             </a:solidFill>
-            <a:headEnd type="none"/>
-            <a:tailEnd type="triangle"/>
+            <a:headEnd type="triangle"/>
+            <a:tailEnd type="none"/>
           </a:ln>
         </p:spPr>
         <p:style>
@@ -4846,8 +4935,8 @@
             <a:solidFill>
               <a:schemeClr val="tx1"/>
             </a:solidFill>
-            <a:headEnd type="none"/>
-            <a:tailEnd type="triangle"/>
+            <a:headEnd type="triangle"/>
+            <a:tailEnd type="none"/>
           </a:ln>
         </p:spPr>
         <p:style>
@@ -4893,8 +4982,8 @@
             <a:solidFill>
               <a:schemeClr val="tx1"/>
             </a:solidFill>
-            <a:headEnd type="none"/>
-            <a:tailEnd type="triangle"/>
+            <a:headEnd type="triangle"/>
+            <a:tailEnd type="none"/>
           </a:ln>
         </p:spPr>
         <p:style>
@@ -5045,8 +5134,8 @@
             <a:solidFill>
               <a:schemeClr val="tx1"/>
             </a:solidFill>
-            <a:headEnd type="none"/>
-            <a:tailEnd type="triangle"/>
+            <a:headEnd type="triangle"/>
+            <a:tailEnd type="none"/>
           </a:ln>
         </p:spPr>
         <p:style>
@@ -5280,8 +5369,8 @@
             <a:solidFill>
               <a:schemeClr val="tx1"/>
             </a:solidFill>
-            <a:headEnd type="none"/>
-            <a:tailEnd type="triangle"/>
+            <a:headEnd type="triangle"/>
+            <a:tailEnd type="none"/>
           </a:ln>
         </p:spPr>
         <p:style>
@@ -5564,8 +5653,8 @@
             <a:solidFill>
               <a:schemeClr val="tx1"/>
             </a:solidFill>
-            <a:headEnd type="none"/>
-            <a:tailEnd type="triangle"/>
+            <a:headEnd type="triangle"/>
+            <a:tailEnd type="none"/>
           </a:ln>
         </p:spPr>
         <p:style>
@@ -6259,7 +6348,7 @@
             </p:nvSpPr>
             <p:spPr>
               <a:xfrm>
-                <a:off x="47741" y="4356396"/>
+                <a:off x="147065" y="4356396"/>
                 <a:ext cx="8352735" cy="2491901"/>
               </a:xfrm>
               <a:prstGeom prst="rect">
@@ -6564,7 +6653,7 @@
             </p:nvSpPr>
             <p:spPr>
               <a:xfrm>
-                <a:off x="47741" y="4356396"/>
+                <a:off x="147065" y="4356396"/>
                 <a:ext cx="8352735" cy="2491901"/>
               </a:xfrm>
               <a:prstGeom prst="rect">
@@ -6671,7 +6760,7 @@
               <a:schemeClr val="tx1"/>
             </a:solidFill>
             <a:headEnd type="none"/>
-            <a:tailEnd type="triangle"/>
+            <a:tailEnd type="none"/>
           </a:ln>
         </p:spPr>
         <p:style>
@@ -6716,7 +6805,7 @@
               <a:schemeClr val="tx1"/>
             </a:solidFill>
             <a:headEnd type="none"/>
-            <a:tailEnd type="triangle"/>
+            <a:tailEnd type="none"/>
           </a:ln>
         </p:spPr>
         <p:style>
@@ -7080,6 +7169,662 @@
     <p:extLst>
       <p:ext uri="{BB962C8B-B14F-4D97-AF65-F5344CB8AC3E}">
         <p14:creationId xmlns:p14="http://schemas.microsoft.com/office/powerpoint/2010/main" val="2872016306"/>
+      </p:ext>
+    </p:extLst>
+  </p:cSld>
+  <p:clrMapOvr>
+    <a:masterClrMapping/>
+  </p:clrMapOvr>
+</p:sld>
+</file>
+
+<file path=ppt/slides/slide2.xml><?xml version="1.0" encoding="utf-8"?>
+<p:sld xmlns:a="http://schemas.openxmlformats.org/drawingml/2006/main" xmlns:r="http://schemas.openxmlformats.org/officeDocument/2006/relationships" xmlns:p="http://schemas.openxmlformats.org/presentationml/2006/main">
+  <p:cSld>
+    <p:spTree>
+      <p:nvGrpSpPr>
+        <p:cNvPr id="1" name=""/>
+        <p:cNvGrpSpPr/>
+        <p:nvPr/>
+      </p:nvGrpSpPr>
+      <p:grpSpPr>
+        <a:xfrm>
+          <a:off x="0" y="0"/>
+          <a:ext cx="0" cy="0"/>
+          <a:chOff x="0" y="0"/>
+          <a:chExt cx="0" cy="0"/>
+        </a:xfrm>
+      </p:grpSpPr>
+      <p:sp>
+        <p:nvSpPr>
+          <p:cNvPr id="15" name="Triangle 14">
+            <a:extLst>
+              <a:ext uri="{FF2B5EF4-FFF2-40B4-BE49-F238E27FC236}">
+                <a16:creationId xmlns:a16="http://schemas.microsoft.com/office/drawing/2014/main" id="{DD6B27D6-69AE-B256-C06F-31BDDBD075F2}"/>
+              </a:ext>
+            </a:extLst>
+          </p:cNvPr>
+          <p:cNvSpPr/>
+          <p:nvPr/>
+        </p:nvSpPr>
+        <p:spPr>
+          <a:xfrm rot="10800000">
+            <a:off x="5347382" y="4377185"/>
+            <a:ext cx="3146911" cy="790559"/>
+          </a:xfrm>
+          <a:prstGeom prst="triangle">
+            <a:avLst>
+              <a:gd name="adj" fmla="val 0"/>
+            </a:avLst>
+          </a:prstGeom>
+          <a:gradFill flip="none" rotWithShape="1">
+            <a:gsLst>
+              <a:gs pos="0">
+                <a:schemeClr val="accent6">
+                  <a:lumMod val="20000"/>
+                  <a:lumOff val="80000"/>
+                </a:schemeClr>
+              </a:gs>
+              <a:gs pos="100000">
+                <a:srgbClr val="009F73"/>
+              </a:gs>
+            </a:gsLst>
+            <a:lin ang="10800000" scaled="1"/>
+            <a:tileRect/>
+          </a:gradFill>
+          <a:ln>
+            <a:solidFill>
+              <a:schemeClr val="tx1"/>
+            </a:solidFill>
+          </a:ln>
+        </p:spPr>
+        <p:style>
+          <a:lnRef idx="2">
+            <a:schemeClr val="accent1">
+              <a:shade val="15000"/>
+            </a:schemeClr>
+          </a:lnRef>
+          <a:fillRef idx="1">
+            <a:schemeClr val="accent1"/>
+          </a:fillRef>
+          <a:effectRef idx="0">
+            <a:schemeClr val="accent1"/>
+          </a:effectRef>
+          <a:fontRef idx="minor">
+            <a:schemeClr val="lt1"/>
+          </a:fontRef>
+        </p:style>
+        <p:txBody>
+          <a:bodyPr vert="horz" rtlCol="0" anchor="ctr"/>
+          <a:lstStyle/>
+          <a:p>
+            <a:pPr algn="ctr"/>
+            <a:endParaRPr lang="en-US" dirty="0">
+              <a:solidFill>
+                <a:schemeClr val="tx1"/>
+              </a:solidFill>
+            </a:endParaRPr>
+          </a:p>
+        </p:txBody>
+      </p:sp>
+      <p:sp>
+        <p:nvSpPr>
+          <p:cNvPr id="17" name="Triangle 16">
+            <a:extLst>
+              <a:ext uri="{FF2B5EF4-FFF2-40B4-BE49-F238E27FC236}">
+                <a16:creationId xmlns:a16="http://schemas.microsoft.com/office/drawing/2014/main" id="{6F2DE9E9-3222-DD02-CF3F-10593F2728E4}"/>
+              </a:ext>
+            </a:extLst>
+          </p:cNvPr>
+          <p:cNvSpPr/>
+          <p:nvPr/>
+        </p:nvSpPr>
+        <p:spPr>
+          <a:xfrm flipV="1">
+            <a:off x="2200472" y="4377186"/>
+            <a:ext cx="3146911" cy="790560"/>
+          </a:xfrm>
+          <a:prstGeom prst="triangle">
+            <a:avLst>
+              <a:gd name="adj" fmla="val 0"/>
+            </a:avLst>
+          </a:prstGeom>
+          <a:gradFill flip="none" rotWithShape="1">
+            <a:gsLst>
+              <a:gs pos="0">
+                <a:schemeClr val="accent2">
+                  <a:lumMod val="20000"/>
+                  <a:lumOff val="80000"/>
+                </a:schemeClr>
+              </a:gs>
+              <a:gs pos="100000">
+                <a:srgbClr val="E6A000"/>
+              </a:gs>
+            </a:gsLst>
+            <a:lin ang="10800000" scaled="1"/>
+            <a:tileRect/>
+          </a:gradFill>
+          <a:ln>
+            <a:solidFill>
+              <a:schemeClr val="tx1"/>
+            </a:solidFill>
+          </a:ln>
+        </p:spPr>
+        <p:style>
+          <a:lnRef idx="2">
+            <a:schemeClr val="accent1">
+              <a:shade val="15000"/>
+            </a:schemeClr>
+          </a:lnRef>
+          <a:fillRef idx="1">
+            <a:schemeClr val="accent1"/>
+          </a:fillRef>
+          <a:effectRef idx="0">
+            <a:schemeClr val="accent1"/>
+          </a:effectRef>
+          <a:fontRef idx="minor">
+            <a:schemeClr val="lt1"/>
+          </a:fontRef>
+        </p:style>
+        <p:txBody>
+          <a:bodyPr rtlCol="0" anchor="t" anchorCtr="0"/>
+          <a:lstStyle/>
+          <a:p>
+            <a:pPr algn="ctr"/>
+            <a:endParaRPr lang="en-US" dirty="0">
+              <a:solidFill>
+                <a:schemeClr val="tx1"/>
+              </a:solidFill>
+            </a:endParaRPr>
+          </a:p>
+        </p:txBody>
+      </p:sp>
+      <p:sp>
+        <p:nvSpPr>
+          <p:cNvPr id="18" name="TextBox 17">
+            <a:extLst>
+              <a:ext uri="{FF2B5EF4-FFF2-40B4-BE49-F238E27FC236}">
+                <a16:creationId xmlns:a16="http://schemas.microsoft.com/office/drawing/2014/main" id="{B4555309-FD35-1CC7-B6F4-30681A30923B}"/>
+              </a:ext>
+            </a:extLst>
+          </p:cNvPr>
+          <p:cNvSpPr txBox="1"/>
+          <p:nvPr/>
+        </p:nvSpPr>
+        <p:spPr>
+          <a:xfrm>
+            <a:off x="3303199" y="4317815"/>
+            <a:ext cx="3069108" cy="646331"/>
+          </a:xfrm>
+          <a:prstGeom prst="rect">
+            <a:avLst/>
+          </a:prstGeom>
+          <a:noFill/>
+        </p:spPr>
+        <p:txBody>
+          <a:bodyPr wrap="square" rtlCol="0">
+            <a:spAutoFit/>
+          </a:bodyPr>
+          <a:lstStyle/>
+          <a:p>
+            <a:r>
+              <a:rPr lang="en-US" dirty="0">
+                <a:solidFill>
+                  <a:schemeClr val="tx1"/>
+                </a:solidFill>
+              </a:rPr>
+              <a:t>Negative (-)</a:t>
+            </a:r>
+          </a:p>
+          <a:p>
+            <a:endParaRPr lang="en-US" dirty="0"/>
+          </a:p>
+        </p:txBody>
+      </p:sp>
+      <p:sp>
+        <p:nvSpPr>
+          <p:cNvPr id="19" name="TextBox 18">
+            <a:extLst>
+              <a:ext uri="{FF2B5EF4-FFF2-40B4-BE49-F238E27FC236}">
+                <a16:creationId xmlns:a16="http://schemas.microsoft.com/office/drawing/2014/main" id="{05FE8CD7-BA71-67EA-3A3C-9632BE20B8EA}"/>
+              </a:ext>
+            </a:extLst>
+          </p:cNvPr>
+          <p:cNvSpPr txBox="1"/>
+          <p:nvPr/>
+        </p:nvSpPr>
+        <p:spPr>
+          <a:xfrm>
+            <a:off x="7180764" y="4317814"/>
+            <a:ext cx="3745131" cy="646331"/>
+          </a:xfrm>
+          <a:prstGeom prst="rect">
+            <a:avLst/>
+          </a:prstGeom>
+          <a:noFill/>
+        </p:spPr>
+        <p:txBody>
+          <a:bodyPr wrap="square" rtlCol="0">
+            <a:spAutoFit/>
+          </a:bodyPr>
+          <a:lstStyle/>
+          <a:p>
+            <a:r>
+              <a:rPr lang="en-US" dirty="0">
+                <a:solidFill>
+                  <a:schemeClr val="tx1"/>
+                </a:solidFill>
+              </a:rPr>
+              <a:t>Positive</a:t>
+            </a:r>
+            <a:r>
+              <a:rPr lang="en-US" sz="2000" dirty="0">
+                <a:solidFill>
+                  <a:schemeClr val="tx1"/>
+                </a:solidFill>
+              </a:rPr>
+              <a:t> (+)</a:t>
+            </a:r>
+            <a:endParaRPr lang="en-US" sz="1600" dirty="0">
+              <a:solidFill>
+                <a:schemeClr val="tx1"/>
+              </a:solidFill>
+            </a:endParaRPr>
+          </a:p>
+          <a:p>
+            <a:endParaRPr lang="en-US" sz="1600" dirty="0"/>
+          </a:p>
+        </p:txBody>
+      </p:sp>
+      <p:sp>
+        <p:nvSpPr>
+          <p:cNvPr id="22" name="Rectangle 21">
+            <a:extLst>
+              <a:ext uri="{FF2B5EF4-FFF2-40B4-BE49-F238E27FC236}">
+                <a16:creationId xmlns:a16="http://schemas.microsoft.com/office/drawing/2014/main" id="{611D00C3-D1DC-D7EF-AAB4-E9D45B1A5E87}"/>
+              </a:ext>
+            </a:extLst>
+          </p:cNvPr>
+          <p:cNvSpPr/>
+          <p:nvPr/>
+        </p:nvSpPr>
+        <p:spPr>
+          <a:xfrm>
+            <a:off x="1894470" y="4376460"/>
+            <a:ext cx="1471613" cy="495217"/>
+          </a:xfrm>
+          <a:prstGeom prst="rect">
+            <a:avLst/>
+          </a:prstGeom>
+          <a:solidFill>
+            <a:schemeClr val="bg1"/>
+          </a:solidFill>
+        </p:spPr>
+        <p:style>
+          <a:lnRef idx="2">
+            <a:schemeClr val="accent1">
+              <a:shade val="15000"/>
+            </a:schemeClr>
+          </a:lnRef>
+          <a:fillRef idx="1">
+            <a:schemeClr val="accent1"/>
+          </a:fillRef>
+          <a:effectRef idx="0">
+            <a:schemeClr val="accent1"/>
+          </a:effectRef>
+          <a:fontRef idx="minor">
+            <a:schemeClr val="lt1"/>
+          </a:fontRef>
+        </p:style>
+        <p:txBody>
+          <a:bodyPr rtlCol="0" anchor="ctr"/>
+          <a:lstStyle/>
+          <a:p>
+            <a:pPr algn="ctr"/>
+            <a:endParaRPr lang="en-US"/>
+          </a:p>
+        </p:txBody>
+      </p:sp>
+      <p:sp>
+        <p:nvSpPr>
+          <p:cNvPr id="23" name="Rectangle 22">
+            <a:extLst>
+              <a:ext uri="{FF2B5EF4-FFF2-40B4-BE49-F238E27FC236}">
+                <a16:creationId xmlns:a16="http://schemas.microsoft.com/office/drawing/2014/main" id="{B4F5BCAA-F3E4-7189-2A08-A180F45C62FD}"/>
+              </a:ext>
+            </a:extLst>
+          </p:cNvPr>
+          <p:cNvSpPr/>
+          <p:nvPr/>
+        </p:nvSpPr>
+        <p:spPr>
+          <a:xfrm>
+            <a:off x="1890083" y="4285905"/>
+            <a:ext cx="1476000" cy="1560081"/>
+          </a:xfrm>
+          <a:prstGeom prst="rect">
+            <a:avLst/>
+          </a:prstGeom>
+          <a:solidFill>
+            <a:schemeClr val="bg1"/>
+          </a:solidFill>
+          <a:ln>
+            <a:noFill/>
+          </a:ln>
+        </p:spPr>
+        <p:style>
+          <a:lnRef idx="2">
+            <a:schemeClr val="accent1">
+              <a:shade val="15000"/>
+            </a:schemeClr>
+          </a:lnRef>
+          <a:fillRef idx="1">
+            <a:schemeClr val="accent1"/>
+          </a:fillRef>
+          <a:effectRef idx="0">
+            <a:schemeClr val="accent1"/>
+          </a:effectRef>
+          <a:fontRef idx="minor">
+            <a:schemeClr val="lt1"/>
+          </a:fontRef>
+        </p:style>
+        <p:txBody>
+          <a:bodyPr rtlCol="0" anchor="ctr"/>
+          <a:lstStyle/>
+          <a:p>
+            <a:pPr algn="ctr"/>
+            <a:endParaRPr lang="en-US"/>
+          </a:p>
+        </p:txBody>
+      </p:sp>
+    </p:spTree>
+    <p:extLst>
+      <p:ext uri="{BB962C8B-B14F-4D97-AF65-F5344CB8AC3E}">
+        <p14:creationId xmlns:p14="http://schemas.microsoft.com/office/powerpoint/2010/main" val="190339579"/>
+      </p:ext>
+    </p:extLst>
+  </p:cSld>
+  <p:clrMapOvr>
+    <a:masterClrMapping/>
+  </p:clrMapOvr>
+</p:sld>
+</file>
+
+<file path=ppt/slides/slide3.xml><?xml version="1.0" encoding="utf-8"?>
+<p:sld xmlns:a="http://schemas.openxmlformats.org/drawingml/2006/main" xmlns:r="http://schemas.openxmlformats.org/officeDocument/2006/relationships" xmlns:p="http://schemas.openxmlformats.org/presentationml/2006/main">
+  <p:cSld>
+    <p:spTree>
+      <p:nvGrpSpPr>
+        <p:cNvPr id="1" name=""/>
+        <p:cNvGrpSpPr/>
+        <p:nvPr/>
+      </p:nvGrpSpPr>
+      <p:grpSpPr>
+        <a:xfrm>
+          <a:off x="0" y="0"/>
+          <a:ext cx="0" cy="0"/>
+          <a:chOff x="0" y="0"/>
+          <a:chExt cx="0" cy="0"/>
+        </a:xfrm>
+      </p:grpSpPr>
+      <p:grpSp>
+        <p:nvGrpSpPr>
+          <p:cNvPr id="3" name="Group 2">
+            <a:extLst>
+              <a:ext uri="{FF2B5EF4-FFF2-40B4-BE49-F238E27FC236}">
+                <a16:creationId xmlns:a16="http://schemas.microsoft.com/office/drawing/2014/main" id="{A0EE3B45-E28D-AD7F-3C5B-5FE8F9D542C3}"/>
+              </a:ext>
+            </a:extLst>
+          </p:cNvPr>
+          <p:cNvGrpSpPr/>
+          <p:nvPr/>
+        </p:nvGrpSpPr>
+        <p:grpSpPr>
+          <a:xfrm>
+            <a:off x="1478067" y="1535253"/>
+            <a:ext cx="8225037" cy="919724"/>
+            <a:chOff x="1478068" y="1525837"/>
+            <a:chExt cx="4974633" cy="841775"/>
+          </a:xfrm>
+        </p:grpSpPr>
+        <p:sp>
+          <p:nvSpPr>
+            <p:cNvPr id="4" name="Triangle 3">
+              <a:extLst>
+                <a:ext uri="{FF2B5EF4-FFF2-40B4-BE49-F238E27FC236}">
+                  <a16:creationId xmlns:a16="http://schemas.microsoft.com/office/drawing/2014/main" id="{7487D961-D2CF-D6A3-5FDB-E22993131E6A}"/>
+                </a:ext>
+              </a:extLst>
+            </p:cNvPr>
+            <p:cNvSpPr/>
+            <p:nvPr/>
+          </p:nvSpPr>
+          <p:spPr>
+            <a:xfrm>
+              <a:off x="1478070" y="1525838"/>
+              <a:ext cx="3842075" cy="690889"/>
+            </a:xfrm>
+            <a:prstGeom prst="triangle">
+              <a:avLst>
+                <a:gd name="adj" fmla="val 0"/>
+              </a:avLst>
+            </a:prstGeom>
+            <a:gradFill flip="none" rotWithShape="1">
+              <a:gsLst>
+                <a:gs pos="0">
+                  <a:schemeClr val="accent2">
+                    <a:lumMod val="20000"/>
+                    <a:lumOff val="80000"/>
+                  </a:schemeClr>
+                </a:gs>
+                <a:gs pos="100000">
+                  <a:srgbClr val="E6A000"/>
+                </a:gs>
+              </a:gsLst>
+              <a:lin ang="10800000" scaled="1"/>
+              <a:tileRect/>
+            </a:gradFill>
+            <a:ln>
+              <a:solidFill>
+                <a:schemeClr val="tx1"/>
+              </a:solidFill>
+            </a:ln>
+          </p:spPr>
+          <p:style>
+            <a:lnRef idx="2">
+              <a:schemeClr val="accent1">
+                <a:shade val="15000"/>
+              </a:schemeClr>
+            </a:lnRef>
+            <a:fillRef idx="1">
+              <a:schemeClr val="accent1"/>
+            </a:fillRef>
+            <a:effectRef idx="0">
+              <a:schemeClr val="accent1"/>
+            </a:effectRef>
+            <a:fontRef idx="minor">
+              <a:schemeClr val="lt1"/>
+            </a:fontRef>
+          </p:style>
+          <p:txBody>
+            <a:bodyPr rtlCol="0" anchor="t" anchorCtr="0"/>
+            <a:lstStyle/>
+            <a:p>
+              <a:pPr algn="ctr"/>
+              <a:endParaRPr lang="en-US" dirty="0">
+                <a:solidFill>
+                  <a:schemeClr val="tx1"/>
+                </a:solidFill>
+              </a:endParaRPr>
+            </a:p>
+          </p:txBody>
+        </p:sp>
+        <p:sp>
+          <p:nvSpPr>
+            <p:cNvPr id="5" name="Triangle 4">
+              <a:extLst>
+                <a:ext uri="{FF2B5EF4-FFF2-40B4-BE49-F238E27FC236}">
+                  <a16:creationId xmlns:a16="http://schemas.microsoft.com/office/drawing/2014/main" id="{3DF14EF0-002D-675E-85B7-42D6C69C90BF}"/>
+                </a:ext>
+              </a:extLst>
+            </p:cNvPr>
+            <p:cNvSpPr/>
+            <p:nvPr/>
+          </p:nvSpPr>
+          <p:spPr>
+            <a:xfrm rot="10800000">
+              <a:off x="1478069" y="1525838"/>
+              <a:ext cx="3842075" cy="690889"/>
+            </a:xfrm>
+            <a:prstGeom prst="triangle">
+              <a:avLst>
+                <a:gd name="adj" fmla="val 0"/>
+              </a:avLst>
+            </a:prstGeom>
+            <a:gradFill flip="none" rotWithShape="1">
+              <a:gsLst>
+                <a:gs pos="0">
+                  <a:schemeClr val="accent6">
+                    <a:lumMod val="20000"/>
+                    <a:lumOff val="80000"/>
+                  </a:schemeClr>
+                </a:gs>
+                <a:gs pos="100000">
+                  <a:srgbClr val="009F73"/>
+                </a:gs>
+              </a:gsLst>
+              <a:lin ang="10800000" scaled="1"/>
+              <a:tileRect/>
+            </a:gradFill>
+            <a:ln>
+              <a:solidFill>
+                <a:schemeClr val="tx1"/>
+              </a:solidFill>
+            </a:ln>
+          </p:spPr>
+          <p:style>
+            <a:lnRef idx="2">
+              <a:schemeClr val="accent1">
+                <a:shade val="15000"/>
+              </a:schemeClr>
+            </a:lnRef>
+            <a:fillRef idx="1">
+              <a:schemeClr val="accent1"/>
+            </a:fillRef>
+            <a:effectRef idx="0">
+              <a:schemeClr val="accent1"/>
+            </a:effectRef>
+            <a:fontRef idx="minor">
+              <a:schemeClr val="lt1"/>
+            </a:fontRef>
+          </p:style>
+          <p:txBody>
+            <a:bodyPr vert="horz" rtlCol="0" anchor="ctr"/>
+            <a:lstStyle/>
+            <a:p>
+              <a:pPr algn="ctr"/>
+              <a:endParaRPr lang="en-US" dirty="0">
+                <a:solidFill>
+                  <a:schemeClr val="tx1"/>
+                </a:solidFill>
+              </a:endParaRPr>
+            </a:p>
+          </p:txBody>
+        </p:sp>
+        <p:sp>
+          <p:nvSpPr>
+            <p:cNvPr id="6" name="TextBox 5">
+              <a:extLst>
+                <a:ext uri="{FF2B5EF4-FFF2-40B4-BE49-F238E27FC236}">
+                  <a16:creationId xmlns:a16="http://schemas.microsoft.com/office/drawing/2014/main" id="{A25FE922-EA05-6864-C751-38C382A86884}"/>
+                </a:ext>
+              </a:extLst>
+            </p:cNvPr>
+            <p:cNvSpPr txBox="1"/>
+            <p:nvPr/>
+          </p:nvSpPr>
+          <p:spPr>
+            <a:xfrm>
+              <a:off x="4187586" y="1525837"/>
+              <a:ext cx="2265115" cy="534775"/>
+            </a:xfrm>
+            <a:prstGeom prst="rect">
+              <a:avLst/>
+            </a:prstGeom>
+            <a:noFill/>
+          </p:spPr>
+          <p:txBody>
+            <a:bodyPr wrap="square" rtlCol="0">
+              <a:spAutoFit/>
+            </a:bodyPr>
+            <a:lstStyle/>
+            <a:p>
+              <a:r>
+                <a:rPr lang="en-US" sz="2800" dirty="0">
+                  <a:solidFill>
+                    <a:schemeClr val="tx1"/>
+                  </a:solidFill>
+                </a:rPr>
+                <a:t>Positive (+)</a:t>
+              </a:r>
+              <a:endParaRPr lang="en-US" sz="2000" dirty="0">
+                <a:solidFill>
+                  <a:schemeClr val="tx1"/>
+                </a:solidFill>
+              </a:endParaRPr>
+            </a:p>
+            <a:p>
+              <a:endParaRPr lang="en-US" sz="2000" dirty="0"/>
+            </a:p>
+          </p:txBody>
+        </p:sp>
+        <p:sp>
+          <p:nvSpPr>
+            <p:cNvPr id="2" name="TextBox 1">
+              <a:extLst>
+                <a:ext uri="{FF2B5EF4-FFF2-40B4-BE49-F238E27FC236}">
+                  <a16:creationId xmlns:a16="http://schemas.microsoft.com/office/drawing/2014/main" id="{6B8B6DE7-BCEB-AEAA-9397-6C4116FBE0D3}"/>
+                </a:ext>
+              </a:extLst>
+            </p:cNvPr>
+            <p:cNvSpPr txBox="1"/>
+            <p:nvPr/>
+          </p:nvSpPr>
+          <p:spPr>
+            <a:xfrm>
+              <a:off x="1478068" y="1753611"/>
+              <a:ext cx="2092369" cy="614001"/>
+            </a:xfrm>
+            <a:prstGeom prst="rect">
+              <a:avLst/>
+            </a:prstGeom>
+            <a:noFill/>
+          </p:spPr>
+          <p:txBody>
+            <a:bodyPr wrap="square" rtlCol="0">
+              <a:spAutoFit/>
+            </a:bodyPr>
+            <a:lstStyle/>
+            <a:p>
+              <a:r>
+                <a:rPr lang="en-US" sz="2800" dirty="0">
+                  <a:solidFill>
+                    <a:schemeClr val="tx1"/>
+                  </a:solidFill>
+                </a:rPr>
+                <a:t>Negative (-)</a:t>
+              </a:r>
+            </a:p>
+            <a:p>
+              <a:endParaRPr lang="en-US" sz="2800" dirty="0"/>
+            </a:p>
+          </p:txBody>
+        </p:sp>
+      </p:grpSp>
+    </p:spTree>
+    <p:extLst>
+      <p:ext uri="{BB962C8B-B14F-4D97-AF65-F5344CB8AC3E}">
+        <p14:creationId xmlns:p14="http://schemas.microsoft.com/office/powerpoint/2010/main" val="2525700406"/>
       </p:ext>
     </p:extLst>
   </p:cSld>

--- a/relatedocuments/Chapt1_conceptualfig.pptx
+++ b/relatedocuments/Chapt1_conceptualfig.pptx
@@ -202,7 +202,7 @@
           <a:p>
             <a:fld id="{385B58D3-3A08-D94A-9131-73EA1863793E}" type="datetimeFigureOut">
               <a:rPr lang="en-US" smtClean="0"/>
-              <a:t>12/11/23</a:t>
+              <a:t>1/15/24</a:t>
             </a:fld>
             <a:endParaRPr lang="en-US"/>
           </a:p>
@@ -787,7 +787,7 @@
           <a:p>
             <a:fld id="{1D8E0F60-F98E-E04E-8062-CC04F8BA2750}" type="datetimeFigureOut">
               <a:rPr lang="en-US" smtClean="0"/>
-              <a:t>12/11/23</a:t>
+              <a:t>1/15/24</a:t>
             </a:fld>
             <a:endParaRPr lang="en-US"/>
           </a:p>
@@ -987,7 +987,7 @@
           <a:p>
             <a:fld id="{1D8E0F60-F98E-E04E-8062-CC04F8BA2750}" type="datetimeFigureOut">
               <a:rPr lang="en-US" smtClean="0"/>
-              <a:t>12/11/23</a:t>
+              <a:t>1/15/24</a:t>
             </a:fld>
             <a:endParaRPr lang="en-US"/>
           </a:p>
@@ -1197,7 +1197,7 @@
           <a:p>
             <a:fld id="{1D8E0F60-F98E-E04E-8062-CC04F8BA2750}" type="datetimeFigureOut">
               <a:rPr lang="en-US" smtClean="0"/>
-              <a:t>12/11/23</a:t>
+              <a:t>1/15/24</a:t>
             </a:fld>
             <a:endParaRPr lang="en-US"/>
           </a:p>
@@ -1397,7 +1397,7 @@
           <a:p>
             <a:fld id="{1D8E0F60-F98E-E04E-8062-CC04F8BA2750}" type="datetimeFigureOut">
               <a:rPr lang="en-US" smtClean="0"/>
-              <a:t>12/11/23</a:t>
+              <a:t>1/15/24</a:t>
             </a:fld>
             <a:endParaRPr lang="en-US"/>
           </a:p>
@@ -1673,7 +1673,7 @@
           <a:p>
             <a:fld id="{1D8E0F60-F98E-E04E-8062-CC04F8BA2750}" type="datetimeFigureOut">
               <a:rPr lang="en-US" smtClean="0"/>
-              <a:t>12/11/23</a:t>
+              <a:t>1/15/24</a:t>
             </a:fld>
             <a:endParaRPr lang="en-US"/>
           </a:p>
@@ -1941,7 +1941,7 @@
           <a:p>
             <a:fld id="{1D8E0F60-F98E-E04E-8062-CC04F8BA2750}" type="datetimeFigureOut">
               <a:rPr lang="en-US" smtClean="0"/>
-              <a:t>12/11/23</a:t>
+              <a:t>1/15/24</a:t>
             </a:fld>
             <a:endParaRPr lang="en-US"/>
           </a:p>
@@ -2356,7 +2356,7 @@
           <a:p>
             <a:fld id="{1D8E0F60-F98E-E04E-8062-CC04F8BA2750}" type="datetimeFigureOut">
               <a:rPr lang="en-US" smtClean="0"/>
-              <a:t>12/11/23</a:t>
+              <a:t>1/15/24</a:t>
             </a:fld>
             <a:endParaRPr lang="en-US"/>
           </a:p>
@@ -2498,7 +2498,7 @@
           <a:p>
             <a:fld id="{1D8E0F60-F98E-E04E-8062-CC04F8BA2750}" type="datetimeFigureOut">
               <a:rPr lang="en-US" smtClean="0"/>
-              <a:t>12/11/23</a:t>
+              <a:t>1/15/24</a:t>
             </a:fld>
             <a:endParaRPr lang="en-US"/>
           </a:p>
@@ -2611,7 +2611,7 @@
           <a:p>
             <a:fld id="{1D8E0F60-F98E-E04E-8062-CC04F8BA2750}" type="datetimeFigureOut">
               <a:rPr lang="en-US" smtClean="0"/>
-              <a:t>12/11/23</a:t>
+              <a:t>1/15/24</a:t>
             </a:fld>
             <a:endParaRPr lang="en-US"/>
           </a:p>
@@ -2924,7 +2924,7 @@
           <a:p>
             <a:fld id="{1D8E0F60-F98E-E04E-8062-CC04F8BA2750}" type="datetimeFigureOut">
               <a:rPr lang="en-US" smtClean="0"/>
-              <a:t>12/11/23</a:t>
+              <a:t>1/15/24</a:t>
             </a:fld>
             <a:endParaRPr lang="en-US"/>
           </a:p>
@@ -3213,7 +3213,7 @@
           <a:p>
             <a:fld id="{1D8E0F60-F98E-E04E-8062-CC04F8BA2750}" type="datetimeFigureOut">
               <a:rPr lang="en-US" smtClean="0"/>
-              <a:t>12/11/23</a:t>
+              <a:t>1/15/24</a:t>
             </a:fld>
             <a:endParaRPr lang="en-US"/>
           </a:p>
@@ -3456,7 +3456,7 @@
           <a:p>
             <a:fld id="{1D8E0F60-F98E-E04E-8062-CC04F8BA2750}" type="datetimeFigureOut">
               <a:rPr lang="en-US" smtClean="0"/>
-              <a:t>12/11/23</a:t>
+              <a:t>1/15/24</a:t>
             </a:fld>
             <a:endParaRPr lang="en-US"/>
           </a:p>
@@ -3916,8 +3916,8 @@
         </p:blipFill>
         <p:spPr>
           <a:xfrm>
-            <a:off x="1069882" y="2399309"/>
-            <a:ext cx="282974" cy="340308"/>
+            <a:off x="1241793" y="2077742"/>
+            <a:ext cx="455388" cy="547655"/>
           </a:xfrm>
           <a:prstGeom prst="rect">
             <a:avLst/>
@@ -4065,8 +4065,8 @@
             <a:solidFill>
               <a:schemeClr val="tx1"/>
             </a:solidFill>
-            <a:headEnd type="triangle"/>
-            <a:tailEnd type="none"/>
+            <a:headEnd type="none"/>
+            <a:tailEnd type="triangle"/>
           </a:ln>
         </p:spPr>
         <p:style>
@@ -4106,8 +4106,8 @@
         </p:blipFill>
         <p:spPr>
           <a:xfrm>
-            <a:off x="-1" y="1789450"/>
-            <a:ext cx="695647" cy="908434"/>
+            <a:off x="13851" y="1413339"/>
+            <a:ext cx="1015617" cy="1326278"/>
           </a:xfrm>
           <a:prstGeom prst="rect">
             <a:avLst/>
@@ -4193,8 +4193,8 @@
             <a:solidFill>
               <a:schemeClr val="tx1"/>
             </a:solidFill>
-            <a:headEnd type="triangle"/>
-            <a:tailEnd type="none"/>
+            <a:headEnd type="none"/>
+            <a:tailEnd type="triangle"/>
           </a:ln>
         </p:spPr>
         <p:style>
@@ -4314,8 +4314,8 @@
             <a:solidFill>
               <a:schemeClr val="tx1"/>
             </a:solidFill>
-            <a:headEnd type="triangle"/>
-            <a:tailEnd type="none"/>
+            <a:headEnd type="none"/>
+            <a:tailEnd type="triangle"/>
           </a:ln>
         </p:spPr>
         <p:style>
@@ -4474,8 +4474,8 @@
             <a:solidFill>
               <a:schemeClr val="tx1"/>
             </a:solidFill>
-            <a:headEnd type="triangle"/>
-            <a:tailEnd type="none"/>
+            <a:headEnd type="none"/>
+            <a:tailEnd type="triangle"/>
           </a:ln>
         </p:spPr>
         <p:style>
@@ -4762,8 +4762,8 @@
         </p:blipFill>
         <p:spPr>
           <a:xfrm>
-            <a:off x="8983818" y="1182971"/>
-            <a:ext cx="695647" cy="908434"/>
+            <a:off x="8939148" y="1138083"/>
+            <a:ext cx="790600" cy="1032432"/>
           </a:xfrm>
           <a:prstGeom prst="rect">
             <a:avLst/>
@@ -4888,8 +4888,8 @@
             <a:solidFill>
               <a:schemeClr val="tx1"/>
             </a:solidFill>
-            <a:headEnd type="triangle"/>
-            <a:tailEnd type="none"/>
+            <a:headEnd type="none"/>
+            <a:tailEnd type="triangle"/>
           </a:ln>
         </p:spPr>
         <p:style>
@@ -4935,8 +4935,8 @@
             <a:solidFill>
               <a:schemeClr val="tx1"/>
             </a:solidFill>
-            <a:headEnd type="triangle"/>
-            <a:tailEnd type="none"/>
+            <a:headEnd type="none"/>
+            <a:tailEnd type="triangle"/>
           </a:ln>
         </p:spPr>
         <p:style>
@@ -4982,8 +4982,8 @@
             <a:solidFill>
               <a:schemeClr val="tx1"/>
             </a:solidFill>
-            <a:headEnd type="triangle"/>
-            <a:tailEnd type="none"/>
+            <a:headEnd type="none"/>
+            <a:tailEnd type="triangle"/>
           </a:ln>
         </p:spPr>
         <p:style>
@@ -5134,8 +5134,8 @@
             <a:solidFill>
               <a:schemeClr val="tx1"/>
             </a:solidFill>
-            <a:headEnd type="triangle"/>
-            <a:tailEnd type="none"/>
+            <a:headEnd type="none"/>
+            <a:tailEnd type="triangle"/>
           </a:ln>
         </p:spPr>
         <p:style>
@@ -5369,8 +5369,8 @@
             <a:solidFill>
               <a:schemeClr val="tx1"/>
             </a:solidFill>
-            <a:headEnd type="triangle"/>
-            <a:tailEnd type="none"/>
+            <a:headEnd type="none"/>
+            <a:tailEnd type="triangle"/>
           </a:ln>
         </p:spPr>
         <p:style>
@@ -5653,8 +5653,8 @@
             <a:solidFill>
               <a:schemeClr val="tx1"/>
             </a:solidFill>
-            <a:headEnd type="triangle"/>
-            <a:tailEnd type="none"/>
+            <a:headEnd type="none"/>
+            <a:tailEnd type="triangle"/>
           </a:ln>
         </p:spPr>
         <p:style>
@@ -5881,37 +5881,8 @@
         </p:blipFill>
         <p:spPr>
           <a:xfrm>
-            <a:off x="9665125" y="2826802"/>
-            <a:ext cx="612145" cy="622800"/>
-          </a:xfrm>
-          <a:prstGeom prst="rect">
-            <a:avLst/>
-          </a:prstGeom>
-        </p:spPr>
-      </p:pic>
-      <p:pic>
-        <p:nvPicPr>
-          <p:cNvPr id="77" name="Picture 76" descr="A close up of a bee&#10;&#10;Description automatically generated">
-            <a:extLst>
-              <a:ext uri="{FF2B5EF4-FFF2-40B4-BE49-F238E27FC236}">
-                <a16:creationId xmlns:a16="http://schemas.microsoft.com/office/drawing/2014/main" id="{162766EE-C537-AE66-D160-69785164DC8E}"/>
-              </a:ext>
-            </a:extLst>
-          </p:cNvPr>
-          <p:cNvPicPr>
-            <a:picLocks noChangeAspect="1"/>
-          </p:cNvPicPr>
-          <p:nvPr/>
-        </p:nvPicPr>
-        <p:blipFill rotWithShape="1">
-          <a:blip r:embed="rId12"/>
-          <a:srcRect l="15648" t="5920"/>
-          <a:stretch/>
-        </p:blipFill>
-        <p:spPr>
-          <a:xfrm rot="19007941">
-            <a:off x="10454717" y="2784865"/>
-            <a:ext cx="478181" cy="480618"/>
+            <a:off x="9590109" y="2773678"/>
+            <a:ext cx="737023" cy="749852"/>
           </a:xfrm>
           <a:prstGeom prst="rect">
             <a:avLst/>
@@ -6107,50 +6078,8 @@
         </p:blipFill>
         <p:spPr>
           <a:xfrm>
-            <a:off x="9614316" y="4891441"/>
-            <a:ext cx="1405591" cy="569897"/>
-          </a:xfrm>
-          <a:prstGeom prst="rect">
-            <a:avLst/>
-          </a:prstGeom>
-        </p:spPr>
-      </p:pic>
-      <p:pic>
-        <p:nvPicPr>
-          <p:cNvPr id="80" name="Picture 79" descr="A yellow caterpillar with red dots&#10;&#10;Description automatically generated">
-            <a:extLst>
-              <a:ext uri="{FF2B5EF4-FFF2-40B4-BE49-F238E27FC236}">
-                <a16:creationId xmlns:a16="http://schemas.microsoft.com/office/drawing/2014/main" id="{5ED095F9-6249-C401-BBD9-549F44B2DA67}"/>
-              </a:ext>
-            </a:extLst>
-          </p:cNvPr>
-          <p:cNvPicPr>
-            <a:picLocks noChangeAspect="1"/>
-          </p:cNvPicPr>
-          <p:nvPr/>
-        </p:nvPicPr>
-        <p:blipFill>
-          <a:blip r:embed="rId13">
-            <a:extLst>
-              <a:ext uri="{BEBA8EAE-BF5A-486C-A8C5-ECC9F3942E4B}">
-                <a14:imgProps xmlns:a14="http://schemas.microsoft.com/office/drawing/2010/main">
-                  <a14:imgLayer r:embed="rId14">
-                    <a14:imgEffect>
-                      <a14:backgroundRemoval t="10000" b="90000" l="10000" r="90000"/>
-                    </a14:imgEffect>
-                  </a14:imgLayer>
-                </a14:imgProps>
-              </a:ext>
-            </a:extLst>
-          </a:blip>
-          <a:stretch>
-            <a:fillRect/>
-          </a:stretch>
-        </p:blipFill>
-        <p:spPr>
-          <a:xfrm rot="2255016">
-            <a:off x="10324666" y="4920912"/>
-            <a:ext cx="907411" cy="423987"/>
+            <a:off x="9498091" y="4661058"/>
+            <a:ext cx="1748094" cy="708765"/>
           </a:xfrm>
           <a:prstGeom prst="rect">
             <a:avLst/>
@@ -6172,7 +6101,9 @@
           <p:nvPr/>
         </p:nvPicPr>
         <p:blipFill>
-          <a:blip r:embed="rId15"/>
+          <a:blip r:embed="rId12">
+            <a:grayscl/>
+          </a:blip>
           <a:stretch>
             <a:fillRect/>
           </a:stretch>
@@ -6257,7 +6188,9 @@
           <p:nvPr/>
         </p:nvPicPr>
         <p:blipFill>
-          <a:blip r:embed="rId16"/>
+          <a:blip r:embed="rId13">
+            <a:grayscl/>
+          </a:blip>
           <a:stretch>
             <a:fillRect/>
           </a:stretch>
@@ -6294,8 +6227,8 @@
         </p:blipFill>
         <p:spPr>
           <a:xfrm>
-            <a:off x="10822684" y="3291723"/>
-            <a:ext cx="695647" cy="908434"/>
+            <a:off x="10711917" y="3124454"/>
+            <a:ext cx="845630" cy="1104294"/>
           </a:xfrm>
           <a:prstGeom prst="rect">
             <a:avLst/>
@@ -6317,14 +6250,16 @@
           <p:nvPr/>
         </p:nvPicPr>
         <p:blipFill>
-          <a:blip r:embed="rId17"/>
+          <a:blip r:embed="rId14">
+            <a:grayscl/>
+          </a:blip>
           <a:stretch>
             <a:fillRect/>
           </a:stretch>
         </p:blipFill>
         <p:spPr>
           <a:xfrm>
-            <a:off x="10785600" y="3789358"/>
+            <a:off x="10830829" y="3834339"/>
             <a:ext cx="533458" cy="620908"/>
           </a:xfrm>
           <a:prstGeom prst="rect">
@@ -6332,8 +6267,8 @@
           </a:prstGeom>
         </p:spPr>
       </p:pic>
-      <mc:AlternateContent xmlns:mc="http://schemas.openxmlformats.org/markup-compatibility/2006" xmlns:a14="http://schemas.microsoft.com/office/drawing/2010/main">
-        <mc:Choice Requires="a14">
+      <mc:AlternateContent xmlns:mc="http://schemas.openxmlformats.org/markup-compatibility/2006">
+        <mc:Choice xmlns:a14="http://schemas.microsoft.com/office/drawing/2010/main" Requires="a14">
           <p:sp>
             <p:nvSpPr>
               <p:cNvPr id="98" name="TextBox 97">
@@ -6348,7 +6283,7 @@
             </p:nvSpPr>
             <p:spPr>
               <a:xfrm>
-                <a:off x="147065" y="4356396"/>
+                <a:off x="188668" y="4281787"/>
                 <a:ext cx="8352735" cy="2491901"/>
               </a:xfrm>
               <a:prstGeom prst="rect">
@@ -6636,7 +6571,7 @@
             </p:txBody>
           </p:sp>
         </mc:Choice>
-        <mc:Fallback xmlns="">
+        <mc:Fallback>
           <p:sp>
             <p:nvSpPr>
               <p:cNvPr id="98" name="TextBox 97">
@@ -6653,16 +6588,16 @@
             </p:nvSpPr>
             <p:spPr>
               <a:xfrm>
-                <a:off x="147065" y="4356396"/>
+                <a:off x="188668" y="4281787"/>
                 <a:ext cx="8352735" cy="2491901"/>
               </a:xfrm>
               <a:prstGeom prst="rect">
                 <a:avLst/>
               </a:prstGeom>
               <a:blipFill>
-                <a:blip r:embed="rId18"/>
+                <a:blip r:embed="rId15"/>
                 <a:stretch>
-                  <a:fillRect l="-303" t="-508" b="-2538"/>
+                  <a:fillRect l="-303" b="-3030"/>
                 </a:stretch>
               </a:blipFill>
             </p:spPr>
@@ -7165,6 +7100,64 @@
           </a:p>
         </p:txBody>
       </p:sp>
+      <p:pic>
+        <p:nvPicPr>
+          <p:cNvPr id="12" name="Picture 11" descr="A black background with a black square&#10;&#10;Description automatically generated with medium confidence">
+            <a:extLst>
+              <a:ext uri="{FF2B5EF4-FFF2-40B4-BE49-F238E27FC236}">
+                <a16:creationId xmlns:a16="http://schemas.microsoft.com/office/drawing/2014/main" id="{9E9B061E-36D7-6355-8E97-4B4AB8A78E3A}"/>
+              </a:ext>
+            </a:extLst>
+          </p:cNvPr>
+          <p:cNvPicPr>
+            <a:picLocks noChangeAspect="1"/>
+          </p:cNvPicPr>
+          <p:nvPr/>
+        </p:nvPicPr>
+        <p:blipFill rotWithShape="1">
+          <a:blip r:embed="rId21"/>
+          <a:srcRect b="11945"/>
+          <a:stretch/>
+        </p:blipFill>
+        <p:spPr>
+          <a:xfrm rot="1692493">
+            <a:off x="10723344" y="2436864"/>
+            <a:ext cx="556326" cy="489872"/>
+          </a:xfrm>
+          <a:prstGeom prst="rect">
+            <a:avLst/>
+          </a:prstGeom>
+        </p:spPr>
+      </p:pic>
+      <p:pic>
+        <p:nvPicPr>
+          <p:cNvPr id="17" name="Picture 16" descr="A black background with a black square&#10;&#10;Description automatically generated with medium confidence">
+            <a:extLst>
+              <a:ext uri="{FF2B5EF4-FFF2-40B4-BE49-F238E27FC236}">
+                <a16:creationId xmlns:a16="http://schemas.microsoft.com/office/drawing/2014/main" id="{7B47C1E1-616C-30C5-4ECD-3B7AD84A5D13}"/>
+              </a:ext>
+            </a:extLst>
+          </p:cNvPr>
+          <p:cNvPicPr>
+            <a:picLocks noChangeAspect="1"/>
+          </p:cNvPicPr>
+          <p:nvPr/>
+        </p:nvPicPr>
+        <p:blipFill rotWithShape="1">
+          <a:blip r:embed="rId22"/>
+          <a:srcRect b="35657"/>
+          <a:stretch/>
+        </p:blipFill>
+        <p:spPr>
+          <a:xfrm rot="1243316">
+            <a:off x="9563773" y="4523086"/>
+            <a:ext cx="1207808" cy="777147"/>
+          </a:xfrm>
+          <a:prstGeom prst="rect">
+            <a:avLst/>
+          </a:prstGeom>
+        </p:spPr>
+      </p:pic>
     </p:spTree>
     <p:extLst>
       <p:ext uri="{BB962C8B-B14F-4D97-AF65-F5344CB8AC3E}">

--- a/relatedocuments/Chapt1_conceptualfig.pptx
+++ b/relatedocuments/Chapt1_conceptualfig.pptx
@@ -202,7 +202,7 @@
           <a:p>
             <a:fld id="{385B58D3-3A08-D94A-9131-73EA1863793E}" type="datetimeFigureOut">
               <a:rPr lang="en-US" smtClean="0"/>
-              <a:t>1/15/24</a:t>
+              <a:t>3/26/24</a:t>
             </a:fld>
             <a:endParaRPr lang="en-US"/>
           </a:p>
@@ -787,7 +787,7 @@
           <a:p>
             <a:fld id="{1D8E0F60-F98E-E04E-8062-CC04F8BA2750}" type="datetimeFigureOut">
               <a:rPr lang="en-US" smtClean="0"/>
-              <a:t>1/15/24</a:t>
+              <a:t>3/26/24</a:t>
             </a:fld>
             <a:endParaRPr lang="en-US"/>
           </a:p>
@@ -987,7 +987,7 @@
           <a:p>
             <a:fld id="{1D8E0F60-F98E-E04E-8062-CC04F8BA2750}" type="datetimeFigureOut">
               <a:rPr lang="en-US" smtClean="0"/>
-              <a:t>1/15/24</a:t>
+              <a:t>3/26/24</a:t>
             </a:fld>
             <a:endParaRPr lang="en-US"/>
           </a:p>
@@ -1197,7 +1197,7 @@
           <a:p>
             <a:fld id="{1D8E0F60-F98E-E04E-8062-CC04F8BA2750}" type="datetimeFigureOut">
               <a:rPr lang="en-US" smtClean="0"/>
-              <a:t>1/15/24</a:t>
+              <a:t>3/26/24</a:t>
             </a:fld>
             <a:endParaRPr lang="en-US"/>
           </a:p>
@@ -1397,7 +1397,7 @@
           <a:p>
             <a:fld id="{1D8E0F60-F98E-E04E-8062-CC04F8BA2750}" type="datetimeFigureOut">
               <a:rPr lang="en-US" smtClean="0"/>
-              <a:t>1/15/24</a:t>
+              <a:t>3/26/24</a:t>
             </a:fld>
             <a:endParaRPr lang="en-US"/>
           </a:p>
@@ -1673,7 +1673,7 @@
           <a:p>
             <a:fld id="{1D8E0F60-F98E-E04E-8062-CC04F8BA2750}" type="datetimeFigureOut">
               <a:rPr lang="en-US" smtClean="0"/>
-              <a:t>1/15/24</a:t>
+              <a:t>3/26/24</a:t>
             </a:fld>
             <a:endParaRPr lang="en-US"/>
           </a:p>
@@ -1941,7 +1941,7 @@
           <a:p>
             <a:fld id="{1D8E0F60-F98E-E04E-8062-CC04F8BA2750}" type="datetimeFigureOut">
               <a:rPr lang="en-US" smtClean="0"/>
-              <a:t>1/15/24</a:t>
+              <a:t>3/26/24</a:t>
             </a:fld>
             <a:endParaRPr lang="en-US"/>
           </a:p>
@@ -2356,7 +2356,7 @@
           <a:p>
             <a:fld id="{1D8E0F60-F98E-E04E-8062-CC04F8BA2750}" type="datetimeFigureOut">
               <a:rPr lang="en-US" smtClean="0"/>
-              <a:t>1/15/24</a:t>
+              <a:t>3/26/24</a:t>
             </a:fld>
             <a:endParaRPr lang="en-US"/>
           </a:p>
@@ -2498,7 +2498,7 @@
           <a:p>
             <a:fld id="{1D8E0F60-F98E-E04E-8062-CC04F8BA2750}" type="datetimeFigureOut">
               <a:rPr lang="en-US" smtClean="0"/>
-              <a:t>1/15/24</a:t>
+              <a:t>3/26/24</a:t>
             </a:fld>
             <a:endParaRPr lang="en-US"/>
           </a:p>
@@ -2611,7 +2611,7 @@
           <a:p>
             <a:fld id="{1D8E0F60-F98E-E04E-8062-CC04F8BA2750}" type="datetimeFigureOut">
               <a:rPr lang="en-US" smtClean="0"/>
-              <a:t>1/15/24</a:t>
+              <a:t>3/26/24</a:t>
             </a:fld>
             <a:endParaRPr lang="en-US"/>
           </a:p>
@@ -2924,7 +2924,7 @@
           <a:p>
             <a:fld id="{1D8E0F60-F98E-E04E-8062-CC04F8BA2750}" type="datetimeFigureOut">
               <a:rPr lang="en-US" smtClean="0"/>
-              <a:t>1/15/24</a:t>
+              <a:t>3/26/24</a:t>
             </a:fld>
             <a:endParaRPr lang="en-US"/>
           </a:p>
@@ -3213,7 +3213,7 @@
           <a:p>
             <a:fld id="{1D8E0F60-F98E-E04E-8062-CC04F8BA2750}" type="datetimeFigureOut">
               <a:rPr lang="en-US" smtClean="0"/>
-              <a:t>1/15/24</a:t>
+              <a:t>3/26/24</a:t>
             </a:fld>
             <a:endParaRPr lang="en-US"/>
           </a:p>
@@ -3456,7 +3456,7 @@
           <a:p>
             <a:fld id="{1D8E0F60-F98E-E04E-8062-CC04F8BA2750}" type="datetimeFigureOut">
               <a:rPr lang="en-US" smtClean="0"/>
-              <a:t>1/15/24</a:t>
+              <a:t>3/26/24</a:t>
             </a:fld>
             <a:endParaRPr lang="en-US"/>
           </a:p>
@@ -6267,8 +6267,8 @@
           </a:prstGeom>
         </p:spPr>
       </p:pic>
-      <mc:AlternateContent xmlns:mc="http://schemas.openxmlformats.org/markup-compatibility/2006">
-        <mc:Choice xmlns:a14="http://schemas.microsoft.com/office/drawing/2010/main" Requires="a14">
+      <mc:AlternateContent xmlns:mc="http://schemas.openxmlformats.org/markup-compatibility/2006" xmlns:a14="http://schemas.microsoft.com/office/drawing/2010/main">
+        <mc:Choice Requires="a14">
           <p:sp>
             <p:nvSpPr>
               <p:cNvPr id="98" name="TextBox 97">
@@ -6571,7 +6571,7 @@
             </p:txBody>
           </p:sp>
         </mc:Choice>
-        <mc:Fallback>
+        <mc:Fallback xmlns="">
           <p:sp>
             <p:nvSpPr>
               <p:cNvPr id="98" name="TextBox 97">
@@ -7346,7 +7346,7 @@
         </p:nvSpPr>
         <p:spPr>
           <a:xfrm>
-            <a:off x="3303199" y="4317815"/>
+            <a:off x="2200471" y="4317813"/>
             <a:ext cx="3069108" cy="646331"/>
           </a:xfrm>
           <a:prstGeom prst="rect">
@@ -7426,107 +7426,6 @@
           </a:p>
           <a:p>
             <a:endParaRPr lang="en-US" sz="1600" dirty="0"/>
-          </a:p>
-        </p:txBody>
-      </p:sp>
-      <p:sp>
-        <p:nvSpPr>
-          <p:cNvPr id="22" name="Rectangle 21">
-            <a:extLst>
-              <a:ext uri="{FF2B5EF4-FFF2-40B4-BE49-F238E27FC236}">
-                <a16:creationId xmlns:a16="http://schemas.microsoft.com/office/drawing/2014/main" id="{611D00C3-D1DC-D7EF-AAB4-E9D45B1A5E87}"/>
-              </a:ext>
-            </a:extLst>
-          </p:cNvPr>
-          <p:cNvSpPr/>
-          <p:nvPr/>
-        </p:nvSpPr>
-        <p:spPr>
-          <a:xfrm>
-            <a:off x="1894470" y="4376460"/>
-            <a:ext cx="1471613" cy="495217"/>
-          </a:xfrm>
-          <a:prstGeom prst="rect">
-            <a:avLst/>
-          </a:prstGeom>
-          <a:solidFill>
-            <a:schemeClr val="bg1"/>
-          </a:solidFill>
-        </p:spPr>
-        <p:style>
-          <a:lnRef idx="2">
-            <a:schemeClr val="accent1">
-              <a:shade val="15000"/>
-            </a:schemeClr>
-          </a:lnRef>
-          <a:fillRef idx="1">
-            <a:schemeClr val="accent1"/>
-          </a:fillRef>
-          <a:effectRef idx="0">
-            <a:schemeClr val="accent1"/>
-          </a:effectRef>
-          <a:fontRef idx="minor">
-            <a:schemeClr val="lt1"/>
-          </a:fontRef>
-        </p:style>
-        <p:txBody>
-          <a:bodyPr rtlCol="0" anchor="ctr"/>
-          <a:lstStyle/>
-          <a:p>
-            <a:pPr algn="ctr"/>
-            <a:endParaRPr lang="en-US"/>
-          </a:p>
-        </p:txBody>
-      </p:sp>
-      <p:sp>
-        <p:nvSpPr>
-          <p:cNvPr id="23" name="Rectangle 22">
-            <a:extLst>
-              <a:ext uri="{FF2B5EF4-FFF2-40B4-BE49-F238E27FC236}">
-                <a16:creationId xmlns:a16="http://schemas.microsoft.com/office/drawing/2014/main" id="{B4F5BCAA-F3E4-7189-2A08-A180F45C62FD}"/>
-              </a:ext>
-            </a:extLst>
-          </p:cNvPr>
-          <p:cNvSpPr/>
-          <p:nvPr/>
-        </p:nvSpPr>
-        <p:spPr>
-          <a:xfrm>
-            <a:off x="1890083" y="4285905"/>
-            <a:ext cx="1476000" cy="1560081"/>
-          </a:xfrm>
-          <a:prstGeom prst="rect">
-            <a:avLst/>
-          </a:prstGeom>
-          <a:solidFill>
-            <a:schemeClr val="bg1"/>
-          </a:solidFill>
-          <a:ln>
-            <a:noFill/>
-          </a:ln>
-        </p:spPr>
-        <p:style>
-          <a:lnRef idx="2">
-            <a:schemeClr val="accent1">
-              <a:shade val="15000"/>
-            </a:schemeClr>
-          </a:lnRef>
-          <a:fillRef idx="1">
-            <a:schemeClr val="accent1"/>
-          </a:fillRef>
-          <a:effectRef idx="0">
-            <a:schemeClr val="accent1"/>
-          </a:effectRef>
-          <a:fontRef idx="minor">
-            <a:schemeClr val="lt1"/>
-          </a:fontRef>
-        </p:style>
-        <p:txBody>
-          <a:bodyPr rtlCol="0" anchor="ctr"/>
-          <a:lstStyle/>
-          <a:p>
-            <a:pPr algn="ctr"/>
-            <a:endParaRPr lang="en-US"/>
           </a:p>
         </p:txBody>
       </p:sp>
